--- a/b609/lec07.pptx
+++ b/b609/lec07.pptx
@@ -5789,12 +5789,12 @@
           <a:lstStyle/>
           <a:p>
             <a:r>
-              <a:rPr lang="en-US" dirty="0" err="1" smtClean="0">
+              <a:rPr lang="en-US" smtClean="0">
                 <a:solidFill>
                   <a:srgbClr val="0070C0"/>
                 </a:solidFill>
               </a:rPr>
-              <a:t>Randon’s</a:t>
+              <a:t>Radon’s </a:t>
             </a:r>
             <a:r>
               <a:rPr lang="en-US" dirty="0" smtClean="0">
@@ -5802,7 +5802,7 @@
                   <a:srgbClr val="0070C0"/>
                 </a:solidFill>
               </a:rPr>
-              <a:t> Theorem (cont.)</a:t>
+              <a:t>Theorem (cont.)</a:t>
             </a:r>
             <a:endParaRPr lang="en-US" dirty="0">
               <a:solidFill>
@@ -5968,13 +5968,7 @@
                           <a:rPr lang="en-US" b="0" i="1" smtClean="0">
                             <a:latin typeface="Cambria Math"/>
                           </a:rPr>
-                          <m:t>=</m:t>
-                        </m:r>
-                        <m:r>
-                          <a:rPr lang="en-US" b="0" i="1" smtClean="0">
-                            <a:latin typeface="Cambria Math"/>
-                          </a:rPr>
-                          <m:t>1</m:t>
+                          <m:t>=1</m:t>
                         </m:r>
                       </m:sub>
                       <m:sup>
@@ -6088,13 +6082,7 @@
                           <a:rPr lang="en-US" b="0" i="1" smtClean="0">
                             <a:latin typeface="Cambria Math"/>
                           </a:rPr>
-                          <m:t>+</m:t>
-                        </m:r>
-                        <m:r>
-                          <a:rPr lang="en-US" b="0" i="1" smtClean="0">
-                            <a:latin typeface="Cambria Math"/>
-                          </a:rPr>
-                          <m:t>1</m:t>
+                          <m:t>+1</m:t>
                         </m:r>
                       </m:sub>
                       <m:sup>
@@ -6108,13 +6096,7 @@
                           <a:rPr lang="en-US" b="0" i="1" smtClean="0">
                             <a:latin typeface="Cambria Math"/>
                           </a:rPr>
-                          <m:t>+</m:t>
-                        </m:r>
-                        <m:r>
-                          <a:rPr lang="en-US" b="0" i="1" smtClean="0">
-                            <a:latin typeface="Cambria Math"/>
-                          </a:rPr>
-                          <m:t>2</m:t>
+                          <m:t>+2</m:t>
                         </m:r>
                       </m:sup>
                       <m:e>
@@ -6210,13 +6192,7 @@
                           <a:rPr lang="en-US" b="0" i="1" smtClean="0">
                             <a:latin typeface="Cambria Math"/>
                           </a:rPr>
-                          <m:t>=</m:t>
-                        </m:r>
-                        <m:r>
-                          <a:rPr lang="en-US" b="0" i="1" smtClean="0">
-                            <a:latin typeface="Cambria Math"/>
-                          </a:rPr>
-                          <m:t>1</m:t>
+                          <m:t>=1</m:t>
                         </m:r>
                       </m:sub>
                       <m:sup>
@@ -6330,13 +6306,7 @@
                           <a:rPr lang="en-US" b="0" i="1" smtClean="0">
                             <a:latin typeface="Cambria Math"/>
                           </a:rPr>
-                          <m:t>+</m:t>
-                        </m:r>
-                        <m:r>
-                          <a:rPr lang="en-US" b="0" i="1" smtClean="0">
-                            <a:latin typeface="Cambria Math"/>
-                          </a:rPr>
-                          <m:t>1</m:t>
+                          <m:t>+1</m:t>
                         </m:r>
                       </m:sub>
                       <m:sup>
@@ -6350,13 +6320,7 @@
                           <a:rPr lang="en-US" b="0" i="1" smtClean="0">
                             <a:latin typeface="Cambria Math"/>
                           </a:rPr>
-                          <m:t>+</m:t>
-                        </m:r>
-                        <m:r>
-                          <a:rPr lang="en-US" b="0" i="1" smtClean="0">
-                            <a:latin typeface="Cambria Math"/>
-                          </a:rPr>
-                          <m:t>2</m:t>
+                          <m:t>+2</m:t>
                         </m:r>
                       </m:sup>
                       <m:e>
@@ -6452,13 +6416,7 @@
                           <a:rPr lang="en-US" b="0" i="1" smtClean="0">
                             <a:latin typeface="Cambria Math"/>
                           </a:rPr>
-                          <m:t>=</m:t>
-                        </m:r>
-                        <m:r>
-                          <a:rPr lang="en-US" b="0" i="1" smtClean="0">
-                            <a:latin typeface="Cambria Math"/>
-                          </a:rPr>
-                          <m:t>1</m:t>
+                          <m:t>=1</m:t>
                         </m:r>
                       </m:sub>
                       <m:sup>
@@ -6547,13 +6505,7 @@
                           <a:rPr lang="en-US" b="0" i="1" smtClean="0">
                             <a:latin typeface="Cambria Math"/>
                           </a:rPr>
-                          <m:t>+</m:t>
-                        </m:r>
-                        <m:r>
-                          <a:rPr lang="en-US" b="0" i="1" smtClean="0">
-                            <a:latin typeface="Cambria Math"/>
-                          </a:rPr>
-                          <m:t>1</m:t>
+                          <m:t>+1</m:t>
                         </m:r>
                       </m:sub>
                       <m:sup>
@@ -6567,13 +6519,7 @@
                           <a:rPr lang="en-US" b="0" i="1" smtClean="0">
                             <a:latin typeface="Cambria Math"/>
                           </a:rPr>
-                          <m:t>+</m:t>
-                        </m:r>
-                        <m:r>
-                          <a:rPr lang="en-US" b="0" i="1" smtClean="0">
-                            <a:latin typeface="Cambria Math"/>
-                          </a:rPr>
-                          <m:t>2</m:t>
+                          <m:t>+2</m:t>
                         </m:r>
                       </m:sup>
                       <m:e>
@@ -7063,7 +7009,19 @@
                               <a:rPr lang="en-US" b="0" i="1" smtClean="0">
                                 <a:latin typeface="Cambria Math"/>
                               </a:rPr>
-                              <m:t>0,1</m:t>
+                              <m:t>0</m:t>
+                            </m:r>
+                            <m:r>
+                              <a:rPr lang="en-US" b="0" i="1" smtClean="0">
+                                <a:latin typeface="Cambria Math"/>
+                              </a:rPr>
+                              <m:t>,</m:t>
+                            </m:r>
+                            <m:r>
+                              <a:rPr lang="en-US" b="0" i="1" smtClean="0">
+                                <a:latin typeface="Cambria Math"/>
+                              </a:rPr>
+                              <m:t>1</m:t>
                             </m:r>
                           </m:e>
                         </m:d>
@@ -7144,7 +7102,31 @@
                       <a:rPr lang="en-US" b="0" i="1" smtClean="0">
                         <a:latin typeface="Cambria Math"/>
                       </a:rPr>
-                      <m:t>→{0,1}</m:t>
+                      <m:t>→{</m:t>
+                    </m:r>
+                    <m:r>
+                      <a:rPr lang="en-US" b="0" i="1" smtClean="0">
+                        <a:latin typeface="Cambria Math"/>
+                      </a:rPr>
+                      <m:t>0</m:t>
+                    </m:r>
+                    <m:r>
+                      <a:rPr lang="en-US" b="0" i="1" smtClean="0">
+                        <a:latin typeface="Cambria Math"/>
+                      </a:rPr>
+                      <m:t>,</m:t>
+                    </m:r>
+                    <m:r>
+                      <a:rPr lang="en-US" b="0" i="1" smtClean="0">
+                        <a:latin typeface="Cambria Math"/>
+                      </a:rPr>
+                      <m:t>1</m:t>
+                    </m:r>
+                    <m:r>
+                      <a:rPr lang="en-US" b="0" i="1" smtClean="0">
+                        <a:latin typeface="Cambria Math"/>
+                      </a:rPr>
+                      <m:t>}</m:t>
                     </m:r>
                   </m:oMath>
                 </a14:m>
@@ -10655,25 +10637,7 @@
                       <a:rPr lang="en-US" b="0" i="1" dirty="0" smtClean="0">
                         <a:latin typeface="Cambria Math"/>
                       </a:rPr>
-                      <m:t>50</m:t>
-                    </m:r>
-                    <m:r>
-                      <a:rPr lang="en-US" b="0" i="1" dirty="0" smtClean="0">
-                        <a:latin typeface="Cambria Math"/>
-                      </a:rPr>
-                      <m:t>−</m:t>
-                    </m:r>
-                    <m:r>
-                      <a:rPr lang="en-US" b="0" i="1" dirty="0" smtClean="0">
-                        <a:latin typeface="Cambria Math"/>
-                      </a:rPr>
-                      <m:t>70</m:t>
-                    </m:r>
-                    <m:r>
-                      <a:rPr lang="en-US" b="0" i="1" dirty="0" smtClean="0">
-                        <a:latin typeface="Cambria Math"/>
-                      </a:rPr>
-                      <m:t>)</m:t>
+                      <m:t>50−70)</m:t>
                     </m:r>
                   </m:oMath>
                 </a14:m>
@@ -10786,19 +10750,7 @@
                       <a:rPr lang="en-US" b="0" i="1" smtClean="0">
                         <a:latin typeface="Cambria Math"/>
                       </a:rPr>
-                      <m:t>1</m:t>
-                    </m:r>
-                    <m:r>
-                      <a:rPr lang="en-US" b="0" i="1" smtClean="0">
-                        <a:latin typeface="Cambria Math"/>
-                      </a:rPr>
-                      <m:t>/</m:t>
-                    </m:r>
-                    <m:r>
-                      <a:rPr lang="en-US" b="0" i="1" smtClean="0">
-                        <a:latin typeface="Cambria Math"/>
-                      </a:rPr>
-                      <m:t>2</m:t>
+                      <m:t>1/2</m:t>
                     </m:r>
                     <m:sSup>
                       <m:sSupPr>
@@ -10844,13 +10796,7 @@
                       <a:rPr lang="en-US" b="0" i="1" smtClean="0">
                         <a:latin typeface="Cambria Math"/>
                       </a:rPr>
-                      <m:t>10</m:t>
-                    </m:r>
-                    <m:r>
-                      <a:rPr lang="en-US" b="0" i="1" smtClean="0">
-                        <a:latin typeface="Cambria Math"/>
-                      </a:rPr>
-                      <m:t> </m:t>
+                      <m:t>10 </m:t>
                     </m:r>
                     <m:r>
                       <m:rPr>
@@ -10865,19 +10811,7 @@
                       <a:rPr lang="en-US" b="0" i="1" smtClean="0">
                         <a:latin typeface="Cambria Math"/>
                       </a:rPr>
-                      <m:t> </m:t>
-                    </m:r>
-                    <m:r>
-                      <a:rPr lang="en-US" b="0" i="1" smtClean="0">
-                        <a:latin typeface="Cambria Math"/>
-                      </a:rPr>
-                      <m:t>10</m:t>
-                    </m:r>
-                    <m:r>
-                      <a:rPr lang="en-US" b="0" i="1" smtClean="0">
-                        <a:latin typeface="Cambria Math"/>
-                      </a:rPr>
-                      <m:t>+</m:t>
+                      <m:t> 10+</m:t>
                     </m:r>
                     <m:func>
                       <m:funcPr>
@@ -10903,13 +10837,7 @@
                           <a:rPr lang="en-US" b="0" i="1" smtClean="0">
                             <a:latin typeface="Cambria Math"/>
                           </a:rPr>
-                          <m:t>2</m:t>
-                        </m:r>
-                        <m:r>
-                          <a:rPr lang="en-US" b="0" i="1" smtClean="0">
-                            <a:latin typeface="Cambria Math"/>
-                          </a:rPr>
-                          <m:t>/</m:t>
+                          <m:t>2/</m:t>
                         </m:r>
                         <m:r>
                           <a:rPr lang="en-US" b="0" i="1" smtClean="0">
@@ -15107,6 +15035,33 @@
                             </a:rPr>
                             <m:t>𝐻</m:t>
                           </m:r>
+                          <m:r>
+                            <a:rPr lang="en-US" b="0" i="1" smtClean="0">
+                              <a:solidFill>
+                                <a:srgbClr val="0070C0"/>
+                              </a:solidFill>
+                              <a:latin typeface="Cambria Math"/>
+                            </a:rPr>
+                            <m:t>[</m:t>
+                          </m:r>
+                          <m:r>
+                            <a:rPr lang="en-US" b="0" i="1" smtClean="0">
+                              <a:solidFill>
+                                <a:srgbClr val="0070C0"/>
+                              </a:solidFill>
+                              <a:latin typeface="Cambria Math"/>
+                            </a:rPr>
+                            <m:t>𝑆</m:t>
+                          </m:r>
+                          <m:r>
+                            <a:rPr lang="en-US" b="0" i="1" smtClean="0">
+                              <a:solidFill>
+                                <a:srgbClr val="0070C0"/>
+                              </a:solidFill>
+                              <a:latin typeface="Cambria Math"/>
+                            </a:rPr>
+                            <m:t>]</m:t>
+                          </m:r>
                         </m:e>
                       </m:d>
                       <m:r>
@@ -15252,7 +15207,16 @@
                                   </a:solidFill>
                                   <a:latin typeface="Cambria Math"/>
                                 </a:rPr>
-                                <m:t>−1</m:t>
+                                <m:t>−</m:t>
+                              </m:r>
+                              <m:r>
+                                <a:rPr lang="en-US" b="0" i="1" smtClean="0">
+                                  <a:solidFill>
+                                    <a:srgbClr val="0070C0"/>
+                                  </a:solidFill>
+                                  <a:latin typeface="Cambria Math"/>
+                                </a:rPr>
+                                <m:t>1</m:t>
                               </m:r>
                             </m:num>
                             <m:den>
@@ -15281,7 +15245,16 @@
                                   </a:solidFill>
                                   <a:latin typeface="Cambria Math"/>
                                 </a:rPr>
-                                <m:t>−1</m:t>
+                                <m:t>−</m:t>
+                              </m:r>
+                              <m:r>
+                                <a:rPr lang="en-US" b="0" i="1" smtClean="0">
+                                  <a:solidFill>
+                                    <a:srgbClr val="0070C0"/>
+                                  </a:solidFill>
+                                  <a:latin typeface="Cambria Math"/>
+                                </a:rPr>
+                                <m:t>1</m:t>
                               </m:r>
                             </m:den>
                           </m:f>
@@ -16198,7 +16171,19 @@
                       <a:rPr lang="en-US" b="0" i="1" smtClean="0">
                         <a:latin typeface="Cambria Math"/>
                       </a:rPr>
-                      <m:t>+1⇒  </m:t>
+                      <m:t>+</m:t>
+                    </m:r>
+                    <m:r>
+                      <a:rPr lang="en-US" b="0" i="1" smtClean="0">
+                        <a:latin typeface="Cambria Math"/>
+                      </a:rPr>
+                      <m:t>1</m:t>
+                    </m:r>
+                    <m:r>
+                      <a:rPr lang="en-US" b="0" i="1" smtClean="0">
+                        <a:latin typeface="Cambria Math"/>
+                      </a:rPr>
+                      <m:t>⇒  </m:t>
                     </m:r>
                   </m:oMath>
                 </a14:m>
@@ -16241,7 +16226,19 @@
                       <a:rPr lang="en-US" b="0" i="1" smtClean="0">
                         <a:latin typeface="Cambria Math"/>
                       </a:rPr>
-                      <m:t> −1⇒ </m:t>
+                      <m:t> −</m:t>
+                    </m:r>
+                    <m:r>
+                      <a:rPr lang="en-US" b="0" i="1" smtClean="0">
+                        <a:latin typeface="Cambria Math"/>
+                      </a:rPr>
+                      <m:t>1</m:t>
+                    </m:r>
+                    <m:r>
+                      <a:rPr lang="en-US" b="0" i="1" smtClean="0">
+                        <a:latin typeface="Cambria Math"/>
+                      </a:rPr>
+                      <m:t>⇒ </m:t>
                     </m:r>
                   </m:oMath>
                 </a14:m>

--- a/b609/lec07.pptx
+++ b/b609/lec07.pptx
@@ -17,6 +17,10 @@
     <p:sldId id="266" r:id="rId11"/>
     <p:sldId id="267" r:id="rId12"/>
     <p:sldId id="268" r:id="rId13"/>
+    <p:sldId id="270" r:id="rId14"/>
+    <p:sldId id="271" r:id="rId15"/>
+    <p:sldId id="269" r:id="rId16"/>
+    <p:sldId id="272" r:id="rId17"/>
   </p:sldIdLst>
   <p:sldSz cx="9144000" cy="6858000" type="screen4x3"/>
   <p:notesSz cx="6858000" cy="9144000"/>
@@ -5789,20 +5793,12 @@
           <a:lstStyle/>
           <a:p>
             <a:r>
-              <a:rPr lang="en-US" smtClean="0">
-                <a:solidFill>
-                  <a:srgbClr val="0070C0"/>
-                </a:solidFill>
-              </a:rPr>
-              <a:t>Radon’s </a:t>
-            </a:r>
-            <a:r>
               <a:rPr lang="en-US" dirty="0" smtClean="0">
                 <a:solidFill>
                   <a:srgbClr val="0070C0"/>
                 </a:solidFill>
               </a:rPr>
-              <a:t>Theorem (cont.)</a:t>
+              <a:t>Radon’s Theorem (cont.)</a:t>
             </a:r>
             <a:endParaRPr lang="en-US" dirty="0">
               <a:solidFill>
@@ -6582,6 +6578,12 @@
                 <a:r>
                   <a:rPr lang="en-US" dirty="0" smtClean="0"/>
                   <a:t>Convex combinations of two subsets intersect</a:t>
+                </a:r>
+              </a:p>
+              <a:p>
+                <a:r>
+                  <a:rPr lang="en-US" dirty="0" smtClean="0"/>
+                  <a:t>Contradiction</a:t>
                 </a:r>
                 <a:endParaRPr lang="en-US" dirty="0" smtClean="0"/>
               </a:p>
@@ -6862,6 +6864,55 @@
                       </p:childTnLst>
                     </p:cTn>
                   </p:par>
+                  <p:par>
+                    <p:cTn id="19" fill="hold">
+                      <p:stCondLst>
+                        <p:cond delay="indefinite"/>
+                      </p:stCondLst>
+                      <p:childTnLst>
+                        <p:par>
+                          <p:cTn id="20" fill="hold">
+                            <p:stCondLst>
+                              <p:cond delay="0"/>
+                            </p:stCondLst>
+                            <p:childTnLst>
+                              <p:par>
+                                <p:cTn id="21" presetID="1" presetClass="entr" presetSubtype="0" fill="hold" grpId="0" nodeType="clickEffect">
+                                  <p:stCondLst>
+                                    <p:cond delay="0"/>
+                                  </p:stCondLst>
+                                  <p:childTnLst>
+                                    <p:set>
+                                      <p:cBhvr>
+                                        <p:cTn id="22" dur="1" fill="hold">
+                                          <p:stCondLst>
+                                            <p:cond delay="0"/>
+                                          </p:stCondLst>
+                                        </p:cTn>
+                                        <p:tgtEl>
+                                          <p:spTgt spid="3">
+                                            <p:txEl>
+                                              <p:pRg st="5" end="5"/>
+                                            </p:txEl>
+                                          </p:spTgt>
+                                        </p:tgtEl>
+                                        <p:attrNameLst>
+                                          <p:attrName>style.visibility</p:attrName>
+                                        </p:attrNameLst>
+                                      </p:cBhvr>
+                                      <p:to>
+                                        <p:strVal val="visible"/>
+                                      </p:to>
+                                    </p:set>
+                                  </p:childTnLst>
+                                </p:cTn>
+                              </p:par>
+                            </p:childTnLst>
+                          </p:cTn>
+                        </p:par>
+                      </p:childTnLst>
+                    </p:cTn>
+                  </p:par>
                 </p:childTnLst>
               </p:cTn>
               <p:prevCondLst>
@@ -6885,6 +6936,6887 @@
     </p:tnLst>
     <p:bldLst>
       <p:bldP spid="3" grpId="0" build="p"/>
+    </p:bldLst>
+  </p:timing>
+</p:sld>
+</file>
+
+<file path=ppt/slides/slide13.xml><?xml version="1.0" encoding="utf-8"?>
+<p:sld xmlns:a="http://schemas.openxmlformats.org/drawingml/2006/main" xmlns:r="http://schemas.openxmlformats.org/officeDocument/2006/relationships" xmlns:p="http://schemas.openxmlformats.org/presentationml/2006/main">
+  <p:cSld>
+    <p:spTree>
+      <p:nvGrpSpPr>
+        <p:cNvPr id="1" name=""/>
+        <p:cNvGrpSpPr/>
+        <p:nvPr/>
+      </p:nvGrpSpPr>
+      <p:grpSpPr>
+        <a:xfrm>
+          <a:off x="0" y="0"/>
+          <a:ext cx="0" cy="0"/>
+          <a:chOff x="0" y="0"/>
+          <a:chExt cx="0" cy="0"/>
+        </a:xfrm>
+      </p:grpSpPr>
+      <p:sp>
+        <p:nvSpPr>
+          <p:cNvPr id="2" name="Title 1"/>
+          <p:cNvSpPr>
+            <a:spLocks noGrp="1"/>
+          </p:cNvSpPr>
+          <p:nvPr>
+            <p:ph type="title"/>
+          </p:nvPr>
+        </p:nvSpPr>
+        <p:spPr>
+          <a:xfrm>
+            <a:off x="152400" y="228600"/>
+            <a:ext cx="8839200" cy="1143000"/>
+          </a:xfrm>
+        </p:spPr>
+        <p:txBody>
+          <a:bodyPr>
+            <a:normAutofit fontScale="90000"/>
+          </a:bodyPr>
+          <a:lstStyle/>
+          <a:p>
+            <a:r>
+              <a:rPr lang="en-US" dirty="0" smtClean="0">
+                <a:solidFill>
+                  <a:srgbClr val="0070C0"/>
+                </a:solidFill>
+              </a:rPr>
+              <a:t>Growth function &amp; uniform convergence</a:t>
+            </a:r>
+            <a:endParaRPr lang="en-US" dirty="0">
+              <a:solidFill>
+                <a:srgbClr val="0070C0"/>
+              </a:solidFill>
+            </a:endParaRPr>
+          </a:p>
+        </p:txBody>
+      </p:sp>
+      <mc:AlternateContent xmlns:mc="http://schemas.openxmlformats.org/markup-compatibility/2006">
+        <mc:Choice xmlns:a14="http://schemas.microsoft.com/office/drawing/2010/main" Requires="a14">
+          <p:sp>
+            <p:nvSpPr>
+              <p:cNvPr id="3" name="Content Placeholder 2"/>
+              <p:cNvSpPr>
+                <a:spLocks noGrp="1"/>
+              </p:cNvSpPr>
+              <p:nvPr>
+                <p:ph idx="1"/>
+              </p:nvPr>
+            </p:nvSpPr>
+            <p:spPr>
+              <a:xfrm>
+                <a:off x="457200" y="1600200"/>
+                <a:ext cx="8686800" cy="5257800"/>
+              </a:xfrm>
+            </p:spPr>
+            <p:txBody>
+              <a:bodyPr>
+                <a:normAutofit/>
+              </a:bodyPr>
+              <a:lstStyle/>
+              <a:p>
+                <a:r>
+                  <a:rPr lang="en-US" b="1" dirty="0" smtClean="0"/>
+                  <a:t>PAC learning via growth function</a:t>
+                </a:r>
+                <a:r>
+                  <a:rPr lang="en-US" dirty="0" smtClean="0"/>
+                  <a:t>: </a:t>
+                </a:r>
+                <a:r>
+                  <a:rPr lang="en-US" dirty="0" smtClean="0"/>
+                  <a:t>For </a:t>
+                </a:r>
+                <a14:m>
+                  <m:oMath xmlns:m="http://schemas.openxmlformats.org/officeDocument/2006/math">
+                    <m:r>
+                      <a:rPr lang="en-US" b="0" i="1" smtClean="0">
+                        <a:solidFill>
+                          <a:srgbClr val="FF0000"/>
+                        </a:solidFill>
+                        <a:latin typeface="Cambria Math"/>
+                      </a:rPr>
+                      <m:t>𝜖</m:t>
+                    </m:r>
+                    <m:r>
+                      <a:rPr lang="en-US" b="0" i="1" smtClean="0">
+                        <a:latin typeface="Cambria Math"/>
+                      </a:rPr>
+                      <m:t>,</m:t>
+                    </m:r>
+                    <m:r>
+                      <a:rPr lang="en-US" b="0" i="1" smtClean="0">
+                        <a:solidFill>
+                          <a:srgbClr val="FF0000"/>
+                        </a:solidFill>
+                        <a:latin typeface="Cambria Math"/>
+                      </a:rPr>
+                      <m:t>𝛿</m:t>
+                    </m:r>
+                    <m:r>
+                      <a:rPr lang="en-US" b="0" i="1" smtClean="0">
+                        <a:latin typeface="Cambria Math"/>
+                      </a:rPr>
+                      <m:t>&gt;0</m:t>
+                    </m:r>
+                  </m:oMath>
+                </a14:m>
+                <a:r>
+                  <a:rPr lang="en-US" dirty="0" smtClean="0"/>
+                  <a:t> if </a:t>
+                </a:r>
+                <a:endParaRPr lang="en-US" b="0" i="1" dirty="0" smtClean="0">
+                  <a:latin typeface="Cambria Math"/>
+                </a:endParaRPr>
+              </a:p>
+              <a:p>
+                <a:pPr marL="0" indent="0">
+                  <a:buNone/>
+                </a:pPr>
+                <a14:m>
+                  <m:oMathPara xmlns:m="http://schemas.openxmlformats.org/officeDocument/2006/math">
+                    <m:oMathParaPr>
+                      <m:jc m:val="centerGroup"/>
+                    </m:oMathParaPr>
+                    <m:oMath xmlns:m="http://schemas.openxmlformats.org/officeDocument/2006/math">
+                      <m:d>
+                        <m:dPr>
+                          <m:begChr m:val="|"/>
+                          <m:endChr m:val="|"/>
+                          <m:ctrlPr>
+                            <a:rPr lang="en-US" b="0" i="1" smtClean="0">
+                              <a:latin typeface="Cambria Math"/>
+                            </a:rPr>
+                          </m:ctrlPr>
+                        </m:dPr>
+                        <m:e>
+                          <m:r>
+                            <a:rPr lang="en-US" b="0" i="1" smtClean="0">
+                              <a:latin typeface="Cambria Math"/>
+                            </a:rPr>
+                            <m:t>𝑆</m:t>
+                          </m:r>
+                        </m:e>
+                      </m:d>
+                      <m:r>
+                        <a:rPr lang="en-US" b="0" i="1" smtClean="0">
+                          <a:latin typeface="Cambria Math"/>
+                        </a:rPr>
+                        <m:t>=</m:t>
+                      </m:r>
+                      <m:r>
+                        <a:rPr lang="en-US" b="0" i="1" smtClean="0">
+                          <a:latin typeface="Cambria Math"/>
+                        </a:rPr>
+                        <m:t>𝑛</m:t>
+                      </m:r>
+                      <m:r>
+                        <a:rPr lang="en-US" b="0" i="1" smtClean="0">
+                          <a:latin typeface="Cambria Math"/>
+                        </a:rPr>
+                        <m:t>≥</m:t>
+                      </m:r>
+                      <m:r>
+                        <a:rPr lang="en-US" b="0" i="1" smtClean="0">
+                          <a:latin typeface="Cambria Math"/>
+                        </a:rPr>
+                        <m:t>8</m:t>
+                      </m:r>
+                      <m:r>
+                        <a:rPr lang="en-US" b="0" i="1" smtClean="0">
+                          <a:latin typeface="Cambria Math"/>
+                        </a:rPr>
+                        <m:t>/</m:t>
+                      </m:r>
+                      <m:sSup>
+                        <m:sSupPr>
+                          <m:ctrlPr>
+                            <a:rPr lang="en-US" b="0" i="1" smtClean="0">
+                              <a:solidFill>
+                                <a:srgbClr val="FF0000"/>
+                              </a:solidFill>
+                              <a:latin typeface="Cambria Math"/>
+                            </a:rPr>
+                          </m:ctrlPr>
+                        </m:sSupPr>
+                        <m:e>
+                          <m:r>
+                            <a:rPr lang="en-US" b="0" i="1" smtClean="0">
+                              <a:solidFill>
+                                <a:srgbClr val="FF0000"/>
+                              </a:solidFill>
+                              <a:latin typeface="Cambria Math"/>
+                            </a:rPr>
+                            <m:t>𝜖</m:t>
+                          </m:r>
+                        </m:e>
+                        <m:sup>
+                          <m:r>
+                            <a:rPr lang="en-US" b="0" i="1" smtClean="0">
+                              <a:solidFill>
+                                <a:srgbClr val="FF0000"/>
+                              </a:solidFill>
+                              <a:latin typeface="Cambria Math"/>
+                            </a:rPr>
+                            <m:t>2</m:t>
+                          </m:r>
+                        </m:sup>
+                      </m:sSup>
+                      <m:r>
+                        <a:rPr lang="en-US" b="0" i="1" smtClean="0">
+                          <a:latin typeface="Cambria Math"/>
+                        </a:rPr>
+                        <m:t>(</m:t>
+                      </m:r>
+                      <m:func>
+                        <m:funcPr>
+                          <m:ctrlPr>
+                            <a:rPr lang="en-US" b="0" i="1" smtClean="0">
+                              <a:latin typeface="Cambria Math"/>
+                            </a:rPr>
+                          </m:ctrlPr>
+                        </m:funcPr>
+                        <m:fName>
+                          <m:r>
+                            <m:rPr>
+                              <m:sty m:val="p"/>
+                            </m:rPr>
+                            <a:rPr lang="en-US" b="0" i="0" smtClean="0">
+                              <a:latin typeface="Cambria Math"/>
+                            </a:rPr>
+                            <m:t>ln</m:t>
+                          </m:r>
+                        </m:fName>
+                        <m:e>
+                          <m:d>
+                            <m:dPr>
+                              <m:begChr m:val="|"/>
+                              <m:endChr m:val="|"/>
+                              <m:ctrlPr>
+                                <a:rPr lang="en-US" b="0" i="1" smtClean="0">
+                                  <a:latin typeface="Cambria Math"/>
+                                </a:rPr>
+                              </m:ctrlPr>
+                            </m:dPr>
+                            <m:e>
+                              <m:r>
+                                <a:rPr lang="en-US" b="0" i="1" smtClean="0">
+                                  <a:latin typeface="Cambria Math"/>
+                                </a:rPr>
+                                <m:t>2</m:t>
+                              </m:r>
+                              <m:r>
+                                <a:rPr lang="en-US" b="0" i="1" smtClean="0">
+                                  <a:latin typeface="Cambria Math"/>
+                                </a:rPr>
+                                <m:t>𝐻</m:t>
+                              </m:r>
+                              <m:r>
+                                <a:rPr lang="en-US" b="0" i="1" smtClean="0">
+                                  <a:latin typeface="Cambria Math"/>
+                                </a:rPr>
+                                <m:t>(2</m:t>
+                              </m:r>
+                              <m:r>
+                                <a:rPr lang="en-US" b="0" i="1" smtClean="0">
+                                  <a:latin typeface="Cambria Math"/>
+                                </a:rPr>
+                                <m:t>𝑛</m:t>
+                              </m:r>
+                              <m:r>
+                                <a:rPr lang="en-US" b="0" i="1" smtClean="0">
+                                  <a:latin typeface="Cambria Math"/>
+                                </a:rPr>
+                                <m:t>)</m:t>
+                              </m:r>
+                            </m:e>
+                          </m:d>
+                        </m:e>
+                      </m:func>
+                      <m:r>
+                        <a:rPr lang="en-US" b="0" i="1" smtClean="0">
+                          <a:latin typeface="Cambria Math"/>
+                        </a:rPr>
+                        <m:t>+</m:t>
+                      </m:r>
+                      <m:func>
+                        <m:funcPr>
+                          <m:ctrlPr>
+                            <a:rPr lang="en-US" b="0" i="1" smtClean="0">
+                              <a:latin typeface="Cambria Math"/>
+                            </a:rPr>
+                          </m:ctrlPr>
+                        </m:funcPr>
+                        <m:fName>
+                          <m:r>
+                            <m:rPr>
+                              <m:sty m:val="p"/>
+                            </m:rPr>
+                            <a:rPr lang="en-US" b="0" i="0" smtClean="0">
+                              <a:latin typeface="Cambria Math"/>
+                            </a:rPr>
+                            <m:t>ln</m:t>
+                          </m:r>
+                        </m:fName>
+                        <m:e>
+                          <m:r>
+                            <a:rPr lang="en-US" b="0" i="1" smtClean="0">
+                              <a:latin typeface="Cambria Math"/>
+                            </a:rPr>
+                            <m:t>1</m:t>
+                          </m:r>
+                          <m:r>
+                            <a:rPr lang="en-US" b="0" i="1" smtClean="0">
+                              <a:latin typeface="Cambria Math"/>
+                            </a:rPr>
+                            <m:t>/</m:t>
+                          </m:r>
+                          <m:r>
+                            <a:rPr lang="en-US" b="0" i="1" smtClean="0">
+                              <a:solidFill>
+                                <a:srgbClr val="FF0000"/>
+                              </a:solidFill>
+                              <a:latin typeface="Cambria Math"/>
+                            </a:rPr>
+                            <m:t>𝛿</m:t>
+                          </m:r>
+                        </m:e>
+                      </m:func>
+                      <m:r>
+                        <a:rPr lang="en-US" b="0" i="1" smtClean="0">
+                          <a:latin typeface="Cambria Math"/>
+                        </a:rPr>
+                        <m:t>)</m:t>
+                      </m:r>
+                    </m:oMath>
+                  </m:oMathPara>
+                </a14:m>
+                <a:endParaRPr lang="en-US" dirty="0" smtClean="0"/>
+              </a:p>
+              <a:p>
+                <a:pPr marL="0" indent="0">
+                  <a:buNone/>
+                </a:pPr>
+                <a:r>
+                  <a:rPr lang="en-US" dirty="0" smtClean="0"/>
+                  <a:t>then with probability </a:t>
+                </a:r>
+                <a14:m>
+                  <m:oMath xmlns:m="http://schemas.openxmlformats.org/officeDocument/2006/math">
+                    <m:r>
+                      <a:rPr lang="en-US" b="0" i="1" smtClean="0">
+                        <a:latin typeface="Cambria Math"/>
+                      </a:rPr>
+                      <m:t>1−</m:t>
+                    </m:r>
+                    <m:r>
+                      <a:rPr lang="en-US" b="0" i="1" smtClean="0">
+                        <a:solidFill>
+                          <a:srgbClr val="FF0000"/>
+                        </a:solidFill>
+                        <a:latin typeface="Cambria Math"/>
+                      </a:rPr>
+                      <m:t>𝛿</m:t>
+                    </m:r>
+                  </m:oMath>
+                </a14:m>
+                <a:r>
+                  <a:rPr lang="en-US" dirty="0" smtClean="0"/>
+                  <a:t>: </a:t>
+                </a:r>
+                <a:endParaRPr lang="en-US" b="0" i="1" dirty="0" smtClean="0">
+                  <a:latin typeface="Cambria Math"/>
+                </a:endParaRPr>
+              </a:p>
+              <a:p>
+                <a:pPr marL="0" indent="0" algn="ctr">
+                  <a:buNone/>
+                </a:pPr>
+                <a14:m>
+                  <m:oMath xmlns:m="http://schemas.openxmlformats.org/officeDocument/2006/math">
+                    <m:r>
+                      <a:rPr lang="en-US" b="0" i="1" smtClean="0">
+                        <a:latin typeface="Cambria Math"/>
+                      </a:rPr>
+                      <m:t>∀</m:t>
+                    </m:r>
+                    <m:r>
+                      <a:rPr lang="en-US" b="1" i="1" smtClean="0">
+                        <a:latin typeface="Cambria Math"/>
+                      </a:rPr>
+                      <m:t>𝒉</m:t>
+                    </m:r>
+                    <m:r>
+                      <a:rPr lang="en-US" b="1" i="1" smtClean="0">
+                        <a:latin typeface="Cambria Math"/>
+                      </a:rPr>
+                      <m:t>∈</m:t>
+                    </m:r>
+                    <m:r>
+                      <m:rPr>
+                        <m:sty m:val="p"/>
+                      </m:rPr>
+                      <a:rPr lang="en-US" b="1" i="1" smtClean="0">
+                        <a:latin typeface="Cambria Math"/>
+                        <a:ea typeface="Cambria Math"/>
+                      </a:rPr>
+                      <m:t>H</m:t>
+                    </m:r>
+                    <m:r>
+                      <a:rPr lang="en-US" b="0" i="0" smtClean="0">
+                        <a:latin typeface="Cambria Math"/>
+                        <a:ea typeface="Cambria Math"/>
+                      </a:rPr>
+                      <m:t>:</m:t>
+                    </m:r>
+                  </m:oMath>
+                </a14:m>
+                <a:r>
+                  <a:rPr lang="en-US" dirty="0" smtClean="0"/>
+                  <a:t> </a:t>
+                </a:r>
+                <a14:m>
+                  <m:oMath xmlns:m="http://schemas.openxmlformats.org/officeDocument/2006/math">
+                    <m:d>
+                      <m:dPr>
+                        <m:begChr m:val="|"/>
+                        <m:endChr m:val="|"/>
+                        <m:ctrlPr>
+                          <a:rPr lang="en-US" b="0" i="1" dirty="0" smtClean="0">
+                            <a:latin typeface="Cambria Math"/>
+                          </a:rPr>
+                        </m:ctrlPr>
+                      </m:dPr>
+                      <m:e>
+                        <m:r>
+                          <a:rPr lang="en-US" b="0" i="1" dirty="0" smtClean="0">
+                            <a:latin typeface="Cambria Math"/>
+                          </a:rPr>
+                          <m:t>𝑒𝑟</m:t>
+                        </m:r>
+                        <m:sSub>
+                          <m:sSubPr>
+                            <m:ctrlPr>
+                              <a:rPr lang="en-US" b="0" i="1" dirty="0" smtClean="0">
+                                <a:latin typeface="Cambria Math"/>
+                              </a:rPr>
+                            </m:ctrlPr>
+                          </m:sSubPr>
+                          <m:e>
+                            <m:r>
+                              <a:rPr lang="en-US" b="0" i="1" dirty="0" smtClean="0">
+                                <a:latin typeface="Cambria Math"/>
+                              </a:rPr>
+                              <m:t>𝑟</m:t>
+                            </m:r>
+                          </m:e>
+                          <m:sub>
+                            <m:r>
+                              <a:rPr lang="en-US" b="0" i="1" dirty="0" smtClean="0">
+                                <a:latin typeface="Cambria Math"/>
+                              </a:rPr>
+                              <m:t>𝑆</m:t>
+                            </m:r>
+                          </m:sub>
+                        </m:sSub>
+                        <m:d>
+                          <m:dPr>
+                            <m:ctrlPr>
+                              <a:rPr lang="en-US" b="0" i="1" dirty="0" smtClean="0">
+                                <a:latin typeface="Cambria Math"/>
+                              </a:rPr>
+                            </m:ctrlPr>
+                          </m:dPr>
+                          <m:e>
+                            <m:r>
+                              <a:rPr lang="en-US" b="1" i="1" dirty="0" smtClean="0">
+                                <a:latin typeface="Cambria Math"/>
+                              </a:rPr>
+                              <m:t>𝒉</m:t>
+                            </m:r>
+                          </m:e>
+                        </m:d>
+                        <m:r>
+                          <a:rPr lang="en-US" b="0" i="1" dirty="0" smtClean="0">
+                            <a:latin typeface="Cambria Math"/>
+                          </a:rPr>
+                          <m:t>−</m:t>
+                        </m:r>
+                        <m:r>
+                          <a:rPr lang="en-US" b="0" i="1" dirty="0" smtClean="0">
+                            <a:latin typeface="Cambria Math"/>
+                          </a:rPr>
+                          <m:t>𝑒𝑟</m:t>
+                        </m:r>
+                        <m:sSub>
+                          <m:sSubPr>
+                            <m:ctrlPr>
+                              <a:rPr lang="en-US" b="0" i="1" dirty="0" smtClean="0">
+                                <a:latin typeface="Cambria Math"/>
+                              </a:rPr>
+                            </m:ctrlPr>
+                          </m:sSubPr>
+                          <m:e>
+                            <m:r>
+                              <a:rPr lang="en-US" b="0" i="1" dirty="0" smtClean="0">
+                                <a:latin typeface="Cambria Math"/>
+                              </a:rPr>
+                              <m:t>𝑟</m:t>
+                            </m:r>
+                          </m:e>
+                          <m:sub>
+                            <m:r>
+                              <a:rPr lang="en-US" b="0" i="1" dirty="0" smtClean="0">
+                                <a:latin typeface="Cambria Math"/>
+                              </a:rPr>
+                              <m:t>𝐷</m:t>
+                            </m:r>
+                          </m:sub>
+                        </m:sSub>
+                        <m:d>
+                          <m:dPr>
+                            <m:ctrlPr>
+                              <a:rPr lang="en-US" b="0" i="1" dirty="0" smtClean="0">
+                                <a:latin typeface="Cambria Math"/>
+                              </a:rPr>
+                            </m:ctrlPr>
+                          </m:dPr>
+                          <m:e>
+                            <m:r>
+                              <a:rPr lang="en-US" b="1" i="1" dirty="0" smtClean="0">
+                                <a:latin typeface="Cambria Math"/>
+                              </a:rPr>
+                              <m:t>𝒉</m:t>
+                            </m:r>
+                          </m:e>
+                        </m:d>
+                      </m:e>
+                    </m:d>
+                    <m:r>
+                      <a:rPr lang="en-US" b="0" i="1" dirty="0" smtClean="0">
+                        <a:latin typeface="Cambria Math"/>
+                      </a:rPr>
+                      <m:t>≤</m:t>
+                    </m:r>
+                    <m:r>
+                      <a:rPr lang="en-US" b="0" i="1" dirty="0" smtClean="0">
+                        <a:solidFill>
+                          <a:srgbClr val="FF0000"/>
+                        </a:solidFill>
+                        <a:latin typeface="Cambria Math"/>
+                      </a:rPr>
+                      <m:t>𝜖</m:t>
+                    </m:r>
+                  </m:oMath>
+                </a14:m>
+                <a:endParaRPr lang="en-US" dirty="0" smtClean="0"/>
+              </a:p>
+              <a:p>
+                <a:r>
+                  <a:rPr lang="en-US" dirty="0" smtClean="0"/>
+                  <a:t>Assume </a:t>
+                </a:r>
+                <a:r>
+                  <a:rPr lang="en-US" b="1" dirty="0" smtClean="0">
+                    <a:solidFill>
+                      <a:srgbClr val="0070C0"/>
+                    </a:solidFill>
+                  </a:rPr>
+                  <a:t>event A</a:t>
+                </a:r>
+                <a:r>
+                  <a:rPr lang="en-US" dirty="0" smtClean="0"/>
+                  <a:t>:</a:t>
+                </a:r>
+              </a:p>
+              <a:p>
+                <a:pPr marL="0" indent="0">
+                  <a:buNone/>
+                </a:pPr>
+                <a14:m>
+                  <m:oMathPara xmlns:m="http://schemas.openxmlformats.org/officeDocument/2006/math">
+                    <m:oMathParaPr>
+                      <m:jc m:val="centerGroup"/>
+                    </m:oMathParaPr>
+                    <m:oMath xmlns:m="http://schemas.openxmlformats.org/officeDocument/2006/math">
+                      <m:r>
+                        <a:rPr lang="en-US" b="0" i="1" smtClean="0">
+                          <a:latin typeface="Cambria Math"/>
+                        </a:rPr>
+                        <m:t>∃</m:t>
+                      </m:r>
+                      <m:r>
+                        <a:rPr lang="en-US" b="1" i="1" smtClean="0">
+                          <a:latin typeface="Cambria Math"/>
+                        </a:rPr>
+                        <m:t>𝒉</m:t>
+                      </m:r>
+                      <m:r>
+                        <a:rPr lang="en-US" b="1" i="1" smtClean="0">
+                          <a:latin typeface="Cambria Math"/>
+                        </a:rPr>
+                        <m:t>∈</m:t>
+                      </m:r>
+                      <m:r>
+                        <m:rPr>
+                          <m:sty m:val="p"/>
+                        </m:rPr>
+                        <a:rPr lang="en-US" b="1" i="1" smtClean="0">
+                          <a:latin typeface="Cambria Math"/>
+                          <a:ea typeface="Cambria Math"/>
+                        </a:rPr>
+                        <m:t>H</m:t>
+                      </m:r>
+                      <m:r>
+                        <a:rPr lang="en-US" b="0" i="0" smtClean="0">
+                          <a:latin typeface="Cambria Math"/>
+                          <a:ea typeface="Cambria Math"/>
+                        </a:rPr>
+                        <m:t>:</m:t>
+                      </m:r>
+                      <m:r>
+                        <a:rPr lang="en-US" b="0" i="1" smtClean="0">
+                          <a:latin typeface="Cambria Math"/>
+                          <a:ea typeface="Cambria Math"/>
+                        </a:rPr>
+                        <m:t> </m:t>
+                      </m:r>
+                      <m:d>
+                        <m:dPr>
+                          <m:begChr m:val="|"/>
+                          <m:endChr m:val="|"/>
+                          <m:ctrlPr>
+                            <a:rPr lang="en-US" b="0" i="1" dirty="0" smtClean="0">
+                              <a:latin typeface="Cambria Math"/>
+                            </a:rPr>
+                          </m:ctrlPr>
+                        </m:dPr>
+                        <m:e>
+                          <m:r>
+                            <a:rPr lang="en-US" b="0" i="1" dirty="0" smtClean="0">
+                              <a:latin typeface="Cambria Math"/>
+                            </a:rPr>
+                            <m:t>𝑒𝑟</m:t>
+                          </m:r>
+                          <m:sSub>
+                            <m:sSubPr>
+                              <m:ctrlPr>
+                                <a:rPr lang="en-US" b="0" i="1" dirty="0" smtClean="0">
+                                  <a:latin typeface="Cambria Math"/>
+                                </a:rPr>
+                              </m:ctrlPr>
+                            </m:sSubPr>
+                            <m:e>
+                              <m:r>
+                                <a:rPr lang="en-US" b="0" i="1" dirty="0" smtClean="0">
+                                  <a:latin typeface="Cambria Math"/>
+                                </a:rPr>
+                                <m:t>𝑟</m:t>
+                              </m:r>
+                            </m:e>
+                            <m:sub>
+                              <m:r>
+                                <a:rPr lang="en-US" b="0" i="1" dirty="0" smtClean="0">
+                                  <a:latin typeface="Cambria Math"/>
+                                </a:rPr>
+                                <m:t>𝑆</m:t>
+                              </m:r>
+                            </m:sub>
+                          </m:sSub>
+                          <m:d>
+                            <m:dPr>
+                              <m:ctrlPr>
+                                <a:rPr lang="en-US" b="0" i="1" dirty="0" smtClean="0">
+                                  <a:latin typeface="Cambria Math"/>
+                                </a:rPr>
+                              </m:ctrlPr>
+                            </m:dPr>
+                            <m:e>
+                              <m:r>
+                                <a:rPr lang="en-US" b="1" i="1" dirty="0" smtClean="0">
+                                  <a:latin typeface="Cambria Math"/>
+                                </a:rPr>
+                                <m:t>𝒉</m:t>
+                              </m:r>
+                            </m:e>
+                          </m:d>
+                          <m:r>
+                            <a:rPr lang="en-US" b="0" i="1" dirty="0" smtClean="0">
+                              <a:latin typeface="Cambria Math"/>
+                            </a:rPr>
+                            <m:t>−</m:t>
+                          </m:r>
+                          <m:r>
+                            <a:rPr lang="en-US" b="0" i="1" dirty="0" smtClean="0">
+                              <a:latin typeface="Cambria Math"/>
+                            </a:rPr>
+                            <m:t>𝑒𝑟</m:t>
+                          </m:r>
+                          <m:sSub>
+                            <m:sSubPr>
+                              <m:ctrlPr>
+                                <a:rPr lang="en-US" b="0" i="1" dirty="0" smtClean="0">
+                                  <a:latin typeface="Cambria Math"/>
+                                </a:rPr>
+                              </m:ctrlPr>
+                            </m:sSubPr>
+                            <m:e>
+                              <m:r>
+                                <a:rPr lang="en-US" b="0" i="1" dirty="0" smtClean="0">
+                                  <a:latin typeface="Cambria Math"/>
+                                </a:rPr>
+                                <m:t>𝑟</m:t>
+                              </m:r>
+                            </m:e>
+                            <m:sub>
+                              <m:r>
+                                <a:rPr lang="en-US" b="0" i="1" dirty="0" smtClean="0">
+                                  <a:latin typeface="Cambria Math"/>
+                                </a:rPr>
+                                <m:t>𝐷</m:t>
+                              </m:r>
+                            </m:sub>
+                          </m:sSub>
+                          <m:d>
+                            <m:dPr>
+                              <m:ctrlPr>
+                                <a:rPr lang="en-US" b="0" i="1" dirty="0" smtClean="0">
+                                  <a:latin typeface="Cambria Math"/>
+                                </a:rPr>
+                              </m:ctrlPr>
+                            </m:dPr>
+                            <m:e>
+                              <m:r>
+                                <a:rPr lang="en-US" b="1" i="1" dirty="0" smtClean="0">
+                                  <a:latin typeface="Cambria Math"/>
+                                </a:rPr>
+                                <m:t>𝒉</m:t>
+                              </m:r>
+                            </m:e>
+                          </m:d>
+                        </m:e>
+                      </m:d>
+                      <m:r>
+                        <a:rPr lang="en-US" b="0" i="1" dirty="0" smtClean="0">
+                          <a:latin typeface="Cambria Math"/>
+                        </a:rPr>
+                        <m:t>&gt;</m:t>
+                      </m:r>
+                      <m:r>
+                        <a:rPr lang="en-US" b="0" i="1" dirty="0" smtClean="0">
+                          <a:solidFill>
+                            <a:srgbClr val="FF0000"/>
+                          </a:solidFill>
+                          <a:latin typeface="Cambria Math"/>
+                        </a:rPr>
+                        <m:t>𝜖</m:t>
+                      </m:r>
+                    </m:oMath>
+                  </m:oMathPara>
+                </a14:m>
+                <a:endParaRPr lang="en-US" dirty="0" smtClean="0"/>
+              </a:p>
+              <a:p>
+                <a:r>
+                  <a:rPr lang="en-US" dirty="0" smtClean="0"/>
+                  <a:t>Draw </a:t>
+                </a:r>
+                <a14:m>
+                  <m:oMath xmlns:m="http://schemas.openxmlformats.org/officeDocument/2006/math">
+                    <m:r>
+                      <a:rPr lang="en-US" b="0" i="1" smtClean="0">
+                        <a:latin typeface="Cambria Math"/>
+                      </a:rPr>
+                      <m:t>𝑆</m:t>
+                    </m:r>
+                    <m:r>
+                      <a:rPr lang="en-US" b="0" i="1" smtClean="0">
+                        <a:latin typeface="Cambria Math"/>
+                      </a:rPr>
+                      <m:t>′</m:t>
+                    </m:r>
+                  </m:oMath>
+                </a14:m>
+                <a:r>
+                  <a:rPr lang="en-US" dirty="0" smtClean="0"/>
+                  <a:t> of size </a:t>
+                </a:r>
+                <a14:m>
+                  <m:oMath xmlns:m="http://schemas.openxmlformats.org/officeDocument/2006/math">
+                    <m:r>
+                      <a:rPr lang="en-US" i="1" dirty="0" smtClean="0">
+                        <a:latin typeface="Cambria Math"/>
+                      </a:rPr>
+                      <m:t>𝑛</m:t>
+                    </m:r>
+                  </m:oMath>
+                </a14:m>
+                <a:r>
+                  <a:rPr lang="en-US" dirty="0" smtClean="0"/>
+                  <a:t>, </a:t>
+                </a:r>
+                <a:r>
+                  <a:rPr lang="en-US" b="1" dirty="0" smtClean="0">
+                    <a:solidFill>
+                      <a:srgbClr val="0070C0"/>
+                    </a:solidFill>
+                  </a:rPr>
+                  <a:t>event B</a:t>
+                </a:r>
+                <a:r>
+                  <a:rPr lang="en-US" dirty="0" smtClean="0"/>
+                  <a:t>:</a:t>
+                </a:r>
+                <a14:m>
+                  <m:oMath xmlns:m="http://schemas.openxmlformats.org/officeDocument/2006/math">
+                    <m:r>
+                      <a:rPr lang="en-US" b="0" i="0" smtClean="0">
+                        <a:latin typeface="Cambria Math"/>
+                      </a:rPr>
+                      <m:t> </m:t>
+                    </m:r>
+                  </m:oMath>
+                </a14:m>
+                <a:endParaRPr lang="en-US" b="0" i="0" dirty="0" smtClean="0">
+                  <a:latin typeface="Cambria Math"/>
+                </a:endParaRPr>
+              </a:p>
+              <a:p>
+                <a:pPr marL="0" indent="0">
+                  <a:buNone/>
+                </a:pPr>
+                <a14:m>
+                  <m:oMathPara xmlns:m="http://schemas.openxmlformats.org/officeDocument/2006/math">
+                    <m:oMathParaPr>
+                      <m:jc m:val="centerGroup"/>
+                    </m:oMathParaPr>
+                    <m:oMath xmlns:m="http://schemas.openxmlformats.org/officeDocument/2006/math">
+                      <m:r>
+                        <a:rPr lang="en-US" b="0" i="1" smtClean="0">
+                          <a:latin typeface="Cambria Math"/>
+                        </a:rPr>
+                        <m:t>∃</m:t>
+                      </m:r>
+                      <m:r>
+                        <a:rPr lang="en-US" b="1" i="1" smtClean="0">
+                          <a:latin typeface="Cambria Math"/>
+                        </a:rPr>
+                        <m:t>𝒉</m:t>
+                      </m:r>
+                      <m:r>
+                        <a:rPr lang="en-US" b="1" i="1" smtClean="0">
+                          <a:latin typeface="Cambria Math"/>
+                        </a:rPr>
+                        <m:t>∈</m:t>
+                      </m:r>
+                      <m:r>
+                        <m:rPr>
+                          <m:sty m:val="p"/>
+                        </m:rPr>
+                        <a:rPr lang="en-US" b="1" i="1" smtClean="0">
+                          <a:latin typeface="Cambria Math"/>
+                          <a:ea typeface="Cambria Math"/>
+                        </a:rPr>
+                        <m:t>H</m:t>
+                      </m:r>
+                      <m:r>
+                        <a:rPr lang="en-US" b="0" i="0" smtClean="0">
+                          <a:latin typeface="Cambria Math"/>
+                          <a:ea typeface="Cambria Math"/>
+                        </a:rPr>
+                        <m:t>:</m:t>
+                      </m:r>
+                      <m:r>
+                        <a:rPr lang="en-US" b="0" i="1" smtClean="0">
+                          <a:latin typeface="Cambria Math"/>
+                          <a:ea typeface="Cambria Math"/>
+                        </a:rPr>
+                        <m:t>       </m:t>
+                      </m:r>
+                      <m:r>
+                        <a:rPr lang="en-US" b="0" i="1" smtClean="0">
+                          <a:latin typeface="Cambria Math"/>
+                          <a:ea typeface="Cambria Math"/>
+                        </a:rPr>
+                        <m:t> </m:t>
+                      </m:r>
+                      <m:r>
+                        <a:rPr lang="en-US" b="0" i="1" smtClean="0">
+                          <a:latin typeface="Cambria Math"/>
+                          <a:ea typeface="Cambria Math"/>
+                        </a:rPr>
+                        <m:t> </m:t>
+                      </m:r>
+                      <m:d>
+                        <m:dPr>
+                          <m:begChr m:val="|"/>
+                          <m:endChr m:val="|"/>
+                          <m:ctrlPr>
+                            <a:rPr lang="en-US" b="0" i="1" dirty="0" smtClean="0">
+                              <a:latin typeface="Cambria Math"/>
+                            </a:rPr>
+                          </m:ctrlPr>
+                        </m:dPr>
+                        <m:e>
+                          <m:r>
+                            <a:rPr lang="en-US" b="0" i="1" dirty="0" smtClean="0">
+                              <a:latin typeface="Cambria Math"/>
+                            </a:rPr>
+                            <m:t>𝑒𝑟</m:t>
+                          </m:r>
+                          <m:sSub>
+                            <m:sSubPr>
+                              <m:ctrlPr>
+                                <a:rPr lang="en-US" b="0" i="1" dirty="0" smtClean="0">
+                                  <a:latin typeface="Cambria Math"/>
+                                </a:rPr>
+                              </m:ctrlPr>
+                            </m:sSubPr>
+                            <m:e>
+                              <m:r>
+                                <a:rPr lang="en-US" b="0" i="1" dirty="0" smtClean="0">
+                                  <a:latin typeface="Cambria Math"/>
+                                </a:rPr>
+                                <m:t>𝑟</m:t>
+                              </m:r>
+                            </m:e>
+                            <m:sub>
+                              <m:r>
+                                <a:rPr lang="en-US" b="0" i="1" dirty="0" smtClean="0">
+                                  <a:latin typeface="Cambria Math"/>
+                                </a:rPr>
+                                <m:t>𝑆</m:t>
+                              </m:r>
+                            </m:sub>
+                          </m:sSub>
+                          <m:d>
+                            <m:dPr>
+                              <m:ctrlPr>
+                                <a:rPr lang="en-US" b="0" i="1" dirty="0" smtClean="0">
+                                  <a:latin typeface="Cambria Math"/>
+                                </a:rPr>
+                              </m:ctrlPr>
+                            </m:dPr>
+                            <m:e>
+                              <m:r>
+                                <a:rPr lang="en-US" b="1" i="1" dirty="0" smtClean="0">
+                                  <a:latin typeface="Cambria Math"/>
+                                </a:rPr>
+                                <m:t>𝒉</m:t>
+                              </m:r>
+                            </m:e>
+                          </m:d>
+                          <m:r>
+                            <a:rPr lang="en-US" b="0" i="1" dirty="0" smtClean="0">
+                              <a:latin typeface="Cambria Math"/>
+                            </a:rPr>
+                            <m:t>−</m:t>
+                          </m:r>
+                          <m:r>
+                            <a:rPr lang="en-US" b="0" i="1" dirty="0" smtClean="0">
+                              <a:latin typeface="Cambria Math"/>
+                            </a:rPr>
+                            <m:t>𝑒𝑟</m:t>
+                          </m:r>
+                          <m:sSub>
+                            <m:sSubPr>
+                              <m:ctrlPr>
+                                <a:rPr lang="en-US" b="0" i="1" dirty="0" smtClean="0">
+                                  <a:latin typeface="Cambria Math"/>
+                                </a:rPr>
+                              </m:ctrlPr>
+                            </m:sSubPr>
+                            <m:e>
+                              <m:r>
+                                <a:rPr lang="en-US" b="0" i="1" dirty="0" smtClean="0">
+                                  <a:latin typeface="Cambria Math"/>
+                                </a:rPr>
+                                <m:t>𝑟</m:t>
+                              </m:r>
+                            </m:e>
+                            <m:sub>
+                              <m:r>
+                                <a:rPr lang="en-US" b="0" i="1" dirty="0" smtClean="0">
+                                  <a:latin typeface="Cambria Math"/>
+                                </a:rPr>
+                                <m:t>𝐷</m:t>
+                              </m:r>
+                            </m:sub>
+                          </m:sSub>
+                          <m:d>
+                            <m:dPr>
+                              <m:ctrlPr>
+                                <a:rPr lang="en-US" b="0" i="1" dirty="0" smtClean="0">
+                                  <a:latin typeface="Cambria Math"/>
+                                </a:rPr>
+                              </m:ctrlPr>
+                            </m:dPr>
+                            <m:e>
+                              <m:r>
+                                <a:rPr lang="en-US" b="1" i="1" dirty="0" smtClean="0">
+                                  <a:latin typeface="Cambria Math"/>
+                                </a:rPr>
+                                <m:t>𝒉</m:t>
+                              </m:r>
+                            </m:e>
+                          </m:d>
+                        </m:e>
+                      </m:d>
+                      <m:r>
+                        <a:rPr lang="en-US" b="0" i="1" dirty="0" smtClean="0">
+                          <a:latin typeface="Cambria Math"/>
+                        </a:rPr>
+                        <m:t>&gt;</m:t>
+                      </m:r>
+                      <m:r>
+                        <a:rPr lang="en-US" b="0" i="1" dirty="0" smtClean="0">
+                          <a:solidFill>
+                            <a:srgbClr val="FF0000"/>
+                          </a:solidFill>
+                          <a:latin typeface="Cambria Math"/>
+                        </a:rPr>
+                        <m:t>𝜖</m:t>
+                      </m:r>
+                    </m:oMath>
+                  </m:oMathPara>
+                </a14:m>
+                <a:endParaRPr lang="en-US" dirty="0" smtClean="0"/>
+              </a:p>
+              <a:p>
+                <a:pPr marL="0" indent="0">
+                  <a:buNone/>
+                </a:pPr>
+                <a:r>
+                  <a:rPr lang="en-US" b="0" dirty="0" smtClean="0"/>
+                  <a:t>                                    </a:t>
+                </a:r>
+                <a14:m>
+                  <m:oMath xmlns:m="http://schemas.openxmlformats.org/officeDocument/2006/math">
+                    <m:d>
+                      <m:dPr>
+                        <m:begChr m:val="|"/>
+                        <m:endChr m:val="|"/>
+                        <m:ctrlPr>
+                          <a:rPr lang="en-US" b="0" i="1" dirty="0" smtClean="0">
+                            <a:latin typeface="Cambria Math"/>
+                          </a:rPr>
+                        </m:ctrlPr>
+                      </m:dPr>
+                      <m:e>
+                        <m:r>
+                          <a:rPr lang="en-US" b="0" i="1" dirty="0" smtClean="0">
+                            <a:latin typeface="Cambria Math"/>
+                          </a:rPr>
+                          <m:t>𝑒𝑟</m:t>
+                        </m:r>
+                        <m:sSub>
+                          <m:sSubPr>
+                            <m:ctrlPr>
+                              <a:rPr lang="en-US" b="0" i="1" dirty="0" smtClean="0">
+                                <a:latin typeface="Cambria Math"/>
+                              </a:rPr>
+                            </m:ctrlPr>
+                          </m:sSubPr>
+                          <m:e>
+                            <m:r>
+                              <a:rPr lang="en-US" b="0" i="1" dirty="0" smtClean="0">
+                                <a:latin typeface="Cambria Math"/>
+                              </a:rPr>
+                              <m:t>𝑟</m:t>
+                            </m:r>
+                          </m:e>
+                          <m:sub>
+                            <m:sSup>
+                              <m:sSupPr>
+                                <m:ctrlPr>
+                                  <a:rPr lang="en-US" b="0" i="1" dirty="0" smtClean="0">
+                                    <a:latin typeface="Cambria Math"/>
+                                  </a:rPr>
+                                </m:ctrlPr>
+                              </m:sSupPr>
+                              <m:e>
+                                <m:r>
+                                  <a:rPr lang="en-US" b="0" i="1" dirty="0" smtClean="0">
+                                    <a:latin typeface="Cambria Math"/>
+                                  </a:rPr>
+                                  <m:t>𝑆</m:t>
+                                </m:r>
+                              </m:e>
+                              <m:sup>
+                                <m:r>
+                                  <a:rPr lang="en-US" b="0" i="1" dirty="0" smtClean="0">
+                                    <a:latin typeface="Cambria Math"/>
+                                  </a:rPr>
+                                  <m:t>′</m:t>
+                                </m:r>
+                              </m:sup>
+                            </m:sSup>
+                          </m:sub>
+                        </m:sSub>
+                        <m:d>
+                          <m:dPr>
+                            <m:ctrlPr>
+                              <a:rPr lang="en-US" b="0" i="1" dirty="0" smtClean="0">
+                                <a:latin typeface="Cambria Math"/>
+                              </a:rPr>
+                            </m:ctrlPr>
+                          </m:dPr>
+                          <m:e>
+                            <m:r>
+                              <a:rPr lang="en-US" b="1" i="1" dirty="0" smtClean="0">
+                                <a:latin typeface="Cambria Math"/>
+                              </a:rPr>
+                              <m:t>𝒉</m:t>
+                            </m:r>
+                          </m:e>
+                        </m:d>
+                        <m:r>
+                          <a:rPr lang="en-US" b="0" i="1" dirty="0" smtClean="0">
+                            <a:latin typeface="Cambria Math"/>
+                          </a:rPr>
+                          <m:t>−</m:t>
+                        </m:r>
+                        <m:r>
+                          <a:rPr lang="en-US" b="0" i="1" dirty="0" smtClean="0">
+                            <a:latin typeface="Cambria Math"/>
+                          </a:rPr>
+                          <m:t>𝑒𝑟</m:t>
+                        </m:r>
+                        <m:sSub>
+                          <m:sSubPr>
+                            <m:ctrlPr>
+                              <a:rPr lang="en-US" b="0" i="1" dirty="0" smtClean="0">
+                                <a:latin typeface="Cambria Math"/>
+                              </a:rPr>
+                            </m:ctrlPr>
+                          </m:sSubPr>
+                          <m:e>
+                            <m:r>
+                              <a:rPr lang="en-US" b="0" i="1" dirty="0" smtClean="0">
+                                <a:latin typeface="Cambria Math"/>
+                              </a:rPr>
+                              <m:t>𝑟</m:t>
+                            </m:r>
+                          </m:e>
+                          <m:sub>
+                            <m:r>
+                              <a:rPr lang="en-US" b="0" i="1" dirty="0" smtClean="0">
+                                <a:latin typeface="Cambria Math"/>
+                              </a:rPr>
+                              <m:t>𝐷</m:t>
+                            </m:r>
+                          </m:sub>
+                        </m:sSub>
+                        <m:d>
+                          <m:dPr>
+                            <m:ctrlPr>
+                              <a:rPr lang="en-US" b="0" i="1" dirty="0" smtClean="0">
+                                <a:latin typeface="Cambria Math"/>
+                              </a:rPr>
+                            </m:ctrlPr>
+                          </m:dPr>
+                          <m:e>
+                            <m:r>
+                              <a:rPr lang="en-US" b="1" i="1" dirty="0" smtClean="0">
+                                <a:latin typeface="Cambria Math"/>
+                              </a:rPr>
+                              <m:t>𝒉</m:t>
+                            </m:r>
+                          </m:e>
+                        </m:d>
+                      </m:e>
+                    </m:d>
+                    <m:r>
+                      <a:rPr lang="en-US" b="0" i="1" dirty="0" smtClean="0">
+                        <a:latin typeface="Cambria Math"/>
+                      </a:rPr>
+                      <m:t>&lt;</m:t>
+                    </m:r>
+                    <m:r>
+                      <a:rPr lang="en-US" b="0" i="1" dirty="0" smtClean="0">
+                        <a:solidFill>
+                          <a:srgbClr val="FF0000"/>
+                        </a:solidFill>
+                        <a:latin typeface="Cambria Math"/>
+                      </a:rPr>
+                      <m:t>𝜖</m:t>
+                    </m:r>
+                    <m:r>
+                      <a:rPr lang="en-US" b="0" i="1" dirty="0" smtClean="0">
+                        <a:solidFill>
+                          <a:schemeClr val="tx1"/>
+                        </a:solidFill>
+                        <a:latin typeface="Cambria Math"/>
+                      </a:rPr>
+                      <m:t>/2</m:t>
+                    </m:r>
+                  </m:oMath>
+                </a14:m>
+                <a:endParaRPr lang="en-US" dirty="0" smtClean="0"/>
+              </a:p>
+              <a:p>
+                <a:pPr marL="0" indent="0">
+                  <a:buNone/>
+                </a:pPr>
+                <a:endParaRPr lang="en-US" dirty="0" smtClean="0"/>
+              </a:p>
+              <a:p>
+                <a:pPr marL="0" indent="0">
+                  <a:buNone/>
+                </a:pPr>
+                <a:endParaRPr lang="en-US" dirty="0" smtClean="0"/>
+              </a:p>
+            </p:txBody>
+          </p:sp>
+        </mc:Choice>
+        <mc:Fallback>
+          <p:sp>
+            <p:nvSpPr>
+              <p:cNvPr id="3" name="Content Placeholder 2"/>
+              <p:cNvSpPr>
+                <a:spLocks noGrp="1" noRot="1" noChangeAspect="1" noMove="1" noResize="1" noEditPoints="1" noAdjustHandles="1" noChangeArrowheads="1" noChangeShapeType="1" noTextEdit="1"/>
+              </p:cNvSpPr>
+              <p:nvPr>
+                <p:ph idx="1"/>
+              </p:nvPr>
+            </p:nvSpPr>
+            <p:spPr>
+              <a:xfrm>
+                <a:off x="457200" y="1600200"/>
+                <a:ext cx="8686800" cy="5257800"/>
+              </a:xfrm>
+              <a:blipFill rotWithShape="1">
+                <a:blip r:embed="rId2"/>
+                <a:stretch>
+                  <a:fillRect l="-1754" t="-1392" r="-912"/>
+                </a:stretch>
+              </a:blipFill>
+            </p:spPr>
+            <p:txBody>
+              <a:bodyPr/>
+              <a:lstStyle/>
+              <a:p>
+                <a:r>
+                  <a:rPr lang="en-US">
+                    <a:noFill/>
+                  </a:rPr>
+                  <a:t> </a:t>
+                </a:r>
+              </a:p>
+            </p:txBody>
+          </p:sp>
+        </mc:Fallback>
+      </mc:AlternateContent>
+      <p:sp>
+        <p:nvSpPr>
+          <p:cNvPr id="4" name="Rectangle 3"/>
+          <p:cNvSpPr/>
+          <p:nvPr/>
+        </p:nvSpPr>
+        <p:spPr>
+          <a:xfrm>
+            <a:off x="318247" y="1600200"/>
+            <a:ext cx="8686800" cy="2263588"/>
+          </a:xfrm>
+          <a:prstGeom prst="rect">
+            <a:avLst/>
+          </a:prstGeom>
+          <a:noFill/>
+        </p:spPr>
+        <p:style>
+          <a:lnRef idx="2">
+            <a:schemeClr val="accent1">
+              <a:shade val="50000"/>
+            </a:schemeClr>
+          </a:lnRef>
+          <a:fillRef idx="1">
+            <a:schemeClr val="accent1"/>
+          </a:fillRef>
+          <a:effectRef idx="0">
+            <a:schemeClr val="accent1"/>
+          </a:effectRef>
+          <a:fontRef idx="minor">
+            <a:schemeClr val="lt1"/>
+          </a:fontRef>
+        </p:style>
+        <p:txBody>
+          <a:bodyPr rtlCol="0" anchor="ctr"/>
+          <a:lstStyle/>
+          <a:p>
+            <a:pPr algn="ctr"/>
+            <a:endParaRPr lang="en-US"/>
+          </a:p>
+        </p:txBody>
+      </p:sp>
+      <p:sp>
+        <p:nvSpPr>
+          <p:cNvPr id="6" name="Rectangle 5"/>
+          <p:cNvSpPr/>
+          <p:nvPr/>
+        </p:nvSpPr>
+        <p:spPr>
+          <a:xfrm>
+            <a:off x="1447798" y="5486400"/>
+            <a:ext cx="7557247" cy="1066800"/>
+          </a:xfrm>
+          <a:prstGeom prst="rect">
+            <a:avLst/>
+          </a:prstGeom>
+          <a:noFill/>
+        </p:spPr>
+        <p:style>
+          <a:lnRef idx="2">
+            <a:schemeClr val="accent1">
+              <a:shade val="50000"/>
+            </a:schemeClr>
+          </a:lnRef>
+          <a:fillRef idx="1">
+            <a:schemeClr val="accent1"/>
+          </a:fillRef>
+          <a:effectRef idx="0">
+            <a:schemeClr val="accent1"/>
+          </a:effectRef>
+          <a:fontRef idx="minor">
+            <a:schemeClr val="lt1"/>
+          </a:fontRef>
+        </p:style>
+        <p:txBody>
+          <a:bodyPr rtlCol="0" anchor="ctr"/>
+          <a:lstStyle/>
+          <a:p>
+            <a:pPr algn="ctr"/>
+            <a:endParaRPr lang="en-US"/>
+          </a:p>
+        </p:txBody>
+      </p:sp>
+    </p:spTree>
+    <p:extLst>
+      <p:ext uri="{BB962C8B-B14F-4D97-AF65-F5344CB8AC3E}">
+        <p14:creationId xmlns:p14="http://schemas.microsoft.com/office/powerpoint/2010/main" val="1482452254"/>
+      </p:ext>
+    </p:extLst>
+  </p:cSld>
+  <p:clrMapOvr>
+    <a:masterClrMapping/>
+  </p:clrMapOvr>
+  <p:timing>
+    <p:tnLst>
+      <p:par>
+        <p:cTn id="1" dur="indefinite" restart="never" nodeType="tmRoot">
+          <p:childTnLst>
+            <p:seq concurrent="1" nextAc="seek">
+              <p:cTn id="2" dur="indefinite" nodeType="mainSeq">
+                <p:childTnLst>
+                  <p:par>
+                    <p:cTn id="3" fill="hold">
+                      <p:stCondLst>
+                        <p:cond delay="indefinite"/>
+                      </p:stCondLst>
+                      <p:childTnLst>
+                        <p:par>
+                          <p:cTn id="4" fill="hold">
+                            <p:stCondLst>
+                              <p:cond delay="0"/>
+                            </p:stCondLst>
+                            <p:childTnLst>
+                              <p:par>
+                                <p:cTn id="5" presetID="1" presetClass="entr" presetSubtype="0" fill="hold" grpId="0" nodeType="clickEffect">
+                                  <p:stCondLst>
+                                    <p:cond delay="0"/>
+                                  </p:stCondLst>
+                                  <p:childTnLst>
+                                    <p:set>
+                                      <p:cBhvr>
+                                        <p:cTn id="6" dur="1" fill="hold">
+                                          <p:stCondLst>
+                                            <p:cond delay="0"/>
+                                          </p:stCondLst>
+                                        </p:cTn>
+                                        <p:tgtEl>
+                                          <p:spTgt spid="4"/>
+                                        </p:tgtEl>
+                                        <p:attrNameLst>
+                                          <p:attrName>style.visibility</p:attrName>
+                                        </p:attrNameLst>
+                                      </p:cBhvr>
+                                      <p:to>
+                                        <p:strVal val="visible"/>
+                                      </p:to>
+                                    </p:set>
+                                  </p:childTnLst>
+                                </p:cTn>
+                              </p:par>
+                              <p:par>
+                                <p:cTn id="7" presetID="1" presetClass="entr" presetSubtype="0" fill="hold" grpId="0" nodeType="withEffect">
+                                  <p:stCondLst>
+                                    <p:cond delay="0"/>
+                                  </p:stCondLst>
+                                  <p:childTnLst>
+                                    <p:set>
+                                      <p:cBhvr>
+                                        <p:cTn id="8" dur="1" fill="hold">
+                                          <p:stCondLst>
+                                            <p:cond delay="0"/>
+                                          </p:stCondLst>
+                                        </p:cTn>
+                                        <p:tgtEl>
+                                          <p:spTgt spid="3">
+                                            <p:txEl>
+                                              <p:pRg st="0" end="0"/>
+                                            </p:txEl>
+                                          </p:spTgt>
+                                        </p:tgtEl>
+                                        <p:attrNameLst>
+                                          <p:attrName>style.visibility</p:attrName>
+                                        </p:attrNameLst>
+                                      </p:cBhvr>
+                                      <p:to>
+                                        <p:strVal val="visible"/>
+                                      </p:to>
+                                    </p:set>
+                                  </p:childTnLst>
+                                </p:cTn>
+                              </p:par>
+                              <p:par>
+                                <p:cTn id="9" presetID="1" presetClass="entr" presetSubtype="0" fill="hold" grpId="0" nodeType="withEffect">
+                                  <p:stCondLst>
+                                    <p:cond delay="0"/>
+                                  </p:stCondLst>
+                                  <p:childTnLst>
+                                    <p:set>
+                                      <p:cBhvr>
+                                        <p:cTn id="10" dur="1" fill="hold">
+                                          <p:stCondLst>
+                                            <p:cond delay="0"/>
+                                          </p:stCondLst>
+                                        </p:cTn>
+                                        <p:tgtEl>
+                                          <p:spTgt spid="3">
+                                            <p:txEl>
+                                              <p:pRg st="1" end="1"/>
+                                            </p:txEl>
+                                          </p:spTgt>
+                                        </p:tgtEl>
+                                        <p:attrNameLst>
+                                          <p:attrName>style.visibility</p:attrName>
+                                        </p:attrNameLst>
+                                      </p:cBhvr>
+                                      <p:to>
+                                        <p:strVal val="visible"/>
+                                      </p:to>
+                                    </p:set>
+                                  </p:childTnLst>
+                                </p:cTn>
+                              </p:par>
+                              <p:par>
+                                <p:cTn id="11" presetID="1" presetClass="entr" presetSubtype="0" fill="hold" grpId="0" nodeType="withEffect">
+                                  <p:stCondLst>
+                                    <p:cond delay="0"/>
+                                  </p:stCondLst>
+                                  <p:childTnLst>
+                                    <p:set>
+                                      <p:cBhvr>
+                                        <p:cTn id="12" dur="1" fill="hold">
+                                          <p:stCondLst>
+                                            <p:cond delay="0"/>
+                                          </p:stCondLst>
+                                        </p:cTn>
+                                        <p:tgtEl>
+                                          <p:spTgt spid="3">
+                                            <p:txEl>
+                                              <p:pRg st="2" end="2"/>
+                                            </p:txEl>
+                                          </p:spTgt>
+                                        </p:tgtEl>
+                                        <p:attrNameLst>
+                                          <p:attrName>style.visibility</p:attrName>
+                                        </p:attrNameLst>
+                                      </p:cBhvr>
+                                      <p:to>
+                                        <p:strVal val="visible"/>
+                                      </p:to>
+                                    </p:set>
+                                  </p:childTnLst>
+                                </p:cTn>
+                              </p:par>
+                              <p:par>
+                                <p:cTn id="13" presetID="1" presetClass="entr" presetSubtype="0" fill="hold" grpId="0" nodeType="withEffect">
+                                  <p:stCondLst>
+                                    <p:cond delay="0"/>
+                                  </p:stCondLst>
+                                  <p:childTnLst>
+                                    <p:set>
+                                      <p:cBhvr>
+                                        <p:cTn id="14" dur="1" fill="hold">
+                                          <p:stCondLst>
+                                            <p:cond delay="0"/>
+                                          </p:stCondLst>
+                                        </p:cTn>
+                                        <p:tgtEl>
+                                          <p:spTgt spid="3">
+                                            <p:txEl>
+                                              <p:pRg st="3" end="3"/>
+                                            </p:txEl>
+                                          </p:spTgt>
+                                        </p:tgtEl>
+                                        <p:attrNameLst>
+                                          <p:attrName>style.visibility</p:attrName>
+                                        </p:attrNameLst>
+                                      </p:cBhvr>
+                                      <p:to>
+                                        <p:strVal val="visible"/>
+                                      </p:to>
+                                    </p:set>
+                                  </p:childTnLst>
+                                </p:cTn>
+                              </p:par>
+                            </p:childTnLst>
+                          </p:cTn>
+                        </p:par>
+                      </p:childTnLst>
+                    </p:cTn>
+                  </p:par>
+                  <p:par>
+                    <p:cTn id="15" fill="hold">
+                      <p:stCondLst>
+                        <p:cond delay="indefinite"/>
+                      </p:stCondLst>
+                      <p:childTnLst>
+                        <p:par>
+                          <p:cTn id="16" fill="hold">
+                            <p:stCondLst>
+                              <p:cond delay="0"/>
+                            </p:stCondLst>
+                            <p:childTnLst>
+                              <p:par>
+                                <p:cTn id="17" presetID="1" presetClass="entr" presetSubtype="0" fill="hold" grpId="0" nodeType="clickEffect">
+                                  <p:stCondLst>
+                                    <p:cond delay="0"/>
+                                  </p:stCondLst>
+                                  <p:childTnLst>
+                                    <p:set>
+                                      <p:cBhvr>
+                                        <p:cTn id="18" dur="1" fill="hold">
+                                          <p:stCondLst>
+                                            <p:cond delay="0"/>
+                                          </p:stCondLst>
+                                        </p:cTn>
+                                        <p:tgtEl>
+                                          <p:spTgt spid="3">
+                                            <p:txEl>
+                                              <p:pRg st="4" end="4"/>
+                                            </p:txEl>
+                                          </p:spTgt>
+                                        </p:tgtEl>
+                                        <p:attrNameLst>
+                                          <p:attrName>style.visibility</p:attrName>
+                                        </p:attrNameLst>
+                                      </p:cBhvr>
+                                      <p:to>
+                                        <p:strVal val="visible"/>
+                                      </p:to>
+                                    </p:set>
+                                  </p:childTnLst>
+                                </p:cTn>
+                              </p:par>
+                              <p:par>
+                                <p:cTn id="19" presetID="1" presetClass="entr" presetSubtype="0" fill="hold" grpId="0" nodeType="withEffect">
+                                  <p:stCondLst>
+                                    <p:cond delay="0"/>
+                                  </p:stCondLst>
+                                  <p:childTnLst>
+                                    <p:set>
+                                      <p:cBhvr>
+                                        <p:cTn id="20" dur="1" fill="hold">
+                                          <p:stCondLst>
+                                            <p:cond delay="0"/>
+                                          </p:stCondLst>
+                                        </p:cTn>
+                                        <p:tgtEl>
+                                          <p:spTgt spid="3">
+                                            <p:txEl>
+                                              <p:pRg st="5" end="5"/>
+                                            </p:txEl>
+                                          </p:spTgt>
+                                        </p:tgtEl>
+                                        <p:attrNameLst>
+                                          <p:attrName>style.visibility</p:attrName>
+                                        </p:attrNameLst>
+                                      </p:cBhvr>
+                                      <p:to>
+                                        <p:strVal val="visible"/>
+                                      </p:to>
+                                    </p:set>
+                                  </p:childTnLst>
+                                </p:cTn>
+                              </p:par>
+                            </p:childTnLst>
+                          </p:cTn>
+                        </p:par>
+                      </p:childTnLst>
+                    </p:cTn>
+                  </p:par>
+                  <p:par>
+                    <p:cTn id="21" fill="hold">
+                      <p:stCondLst>
+                        <p:cond delay="indefinite"/>
+                      </p:stCondLst>
+                      <p:childTnLst>
+                        <p:par>
+                          <p:cTn id="22" fill="hold">
+                            <p:stCondLst>
+                              <p:cond delay="0"/>
+                            </p:stCondLst>
+                            <p:childTnLst>
+                              <p:par>
+                                <p:cTn id="23" presetID="1" presetClass="entr" presetSubtype="0" fill="hold" grpId="0" nodeType="clickEffect">
+                                  <p:stCondLst>
+                                    <p:cond delay="0"/>
+                                  </p:stCondLst>
+                                  <p:childTnLst>
+                                    <p:set>
+                                      <p:cBhvr>
+                                        <p:cTn id="24" dur="1" fill="hold">
+                                          <p:stCondLst>
+                                            <p:cond delay="0"/>
+                                          </p:stCondLst>
+                                        </p:cTn>
+                                        <p:tgtEl>
+                                          <p:spTgt spid="3">
+                                            <p:txEl>
+                                              <p:pRg st="6" end="6"/>
+                                            </p:txEl>
+                                          </p:spTgt>
+                                        </p:tgtEl>
+                                        <p:attrNameLst>
+                                          <p:attrName>style.visibility</p:attrName>
+                                        </p:attrNameLst>
+                                      </p:cBhvr>
+                                      <p:to>
+                                        <p:strVal val="visible"/>
+                                      </p:to>
+                                    </p:set>
+                                  </p:childTnLst>
+                                </p:cTn>
+                              </p:par>
+                              <p:par>
+                                <p:cTn id="25" presetID="1" presetClass="entr" presetSubtype="0" fill="hold" grpId="0" nodeType="withEffect">
+                                  <p:stCondLst>
+                                    <p:cond delay="0"/>
+                                  </p:stCondLst>
+                                  <p:childTnLst>
+                                    <p:set>
+                                      <p:cBhvr>
+                                        <p:cTn id="26" dur="1" fill="hold">
+                                          <p:stCondLst>
+                                            <p:cond delay="0"/>
+                                          </p:stCondLst>
+                                        </p:cTn>
+                                        <p:tgtEl>
+                                          <p:spTgt spid="3">
+                                            <p:txEl>
+                                              <p:pRg st="7" end="7"/>
+                                            </p:txEl>
+                                          </p:spTgt>
+                                        </p:tgtEl>
+                                        <p:attrNameLst>
+                                          <p:attrName>style.visibility</p:attrName>
+                                        </p:attrNameLst>
+                                      </p:cBhvr>
+                                      <p:to>
+                                        <p:strVal val="visible"/>
+                                      </p:to>
+                                    </p:set>
+                                  </p:childTnLst>
+                                </p:cTn>
+                              </p:par>
+                              <p:par>
+                                <p:cTn id="27" presetID="1" presetClass="entr" presetSubtype="0" fill="hold" grpId="0" nodeType="withEffect">
+                                  <p:stCondLst>
+                                    <p:cond delay="0"/>
+                                  </p:stCondLst>
+                                  <p:childTnLst>
+                                    <p:set>
+                                      <p:cBhvr>
+                                        <p:cTn id="28" dur="1" fill="hold">
+                                          <p:stCondLst>
+                                            <p:cond delay="0"/>
+                                          </p:stCondLst>
+                                        </p:cTn>
+                                        <p:tgtEl>
+                                          <p:spTgt spid="3">
+                                            <p:txEl>
+                                              <p:pRg st="8" end="8"/>
+                                            </p:txEl>
+                                          </p:spTgt>
+                                        </p:tgtEl>
+                                        <p:attrNameLst>
+                                          <p:attrName>style.visibility</p:attrName>
+                                        </p:attrNameLst>
+                                      </p:cBhvr>
+                                      <p:to>
+                                        <p:strVal val="visible"/>
+                                      </p:to>
+                                    </p:set>
+                                  </p:childTnLst>
+                                </p:cTn>
+                              </p:par>
+                              <p:par>
+                                <p:cTn id="29" presetID="1" presetClass="entr" presetSubtype="0" fill="hold" grpId="0" nodeType="withEffect">
+                                  <p:stCondLst>
+                                    <p:cond delay="0"/>
+                                  </p:stCondLst>
+                                  <p:childTnLst>
+                                    <p:set>
+                                      <p:cBhvr>
+                                        <p:cTn id="30" dur="1" fill="hold">
+                                          <p:stCondLst>
+                                            <p:cond delay="0"/>
+                                          </p:stCondLst>
+                                        </p:cTn>
+                                        <p:tgtEl>
+                                          <p:spTgt spid="6"/>
+                                        </p:tgtEl>
+                                        <p:attrNameLst>
+                                          <p:attrName>style.visibility</p:attrName>
+                                        </p:attrNameLst>
+                                      </p:cBhvr>
+                                      <p:to>
+                                        <p:strVal val="visible"/>
+                                      </p:to>
+                                    </p:set>
+                                  </p:childTnLst>
+                                </p:cTn>
+                              </p:par>
+                            </p:childTnLst>
+                          </p:cTn>
+                        </p:par>
+                      </p:childTnLst>
+                    </p:cTn>
+                  </p:par>
+                </p:childTnLst>
+              </p:cTn>
+              <p:prevCondLst>
+                <p:cond evt="onPrev" delay="0">
+                  <p:tgtEl>
+                    <p:sldTgt/>
+                  </p:tgtEl>
+                </p:cond>
+              </p:prevCondLst>
+              <p:nextCondLst>
+                <p:cond evt="onNext" delay="0">
+                  <p:tgtEl>
+                    <p:sldTgt/>
+                  </p:tgtEl>
+                </p:cond>
+              </p:nextCondLst>
+            </p:seq>
+          </p:childTnLst>
+        </p:cTn>
+      </p:par>
+    </p:tnLst>
+    <p:bldLst>
+      <p:bldP spid="3" grpId="0" uiExpand="1" build="p"/>
+      <p:bldP spid="4" grpId="0" animBg="1"/>
+      <p:bldP spid="6" grpId="0" animBg="1"/>
+    </p:bldLst>
+  </p:timing>
+</p:sld>
+</file>
+
+<file path=ppt/slides/slide14.xml><?xml version="1.0" encoding="utf-8"?>
+<p:sld xmlns:a="http://schemas.openxmlformats.org/drawingml/2006/main" xmlns:r="http://schemas.openxmlformats.org/officeDocument/2006/relationships" xmlns:p="http://schemas.openxmlformats.org/presentationml/2006/main">
+  <p:cSld>
+    <p:spTree>
+      <p:nvGrpSpPr>
+        <p:cNvPr id="1" name=""/>
+        <p:cNvGrpSpPr/>
+        <p:nvPr/>
+      </p:nvGrpSpPr>
+      <p:grpSpPr>
+        <a:xfrm>
+          <a:off x="0" y="0"/>
+          <a:ext cx="0" cy="0"/>
+          <a:chOff x="0" y="0"/>
+          <a:chExt cx="0" cy="0"/>
+        </a:xfrm>
+      </p:grpSpPr>
+      <mc:AlternateContent xmlns:mc="http://schemas.openxmlformats.org/markup-compatibility/2006">
+        <mc:Choice xmlns:a14="http://schemas.microsoft.com/office/drawing/2010/main" Requires="a14">
+          <p:sp>
+            <p:nvSpPr>
+              <p:cNvPr id="2" name="Title 1"/>
+              <p:cNvSpPr>
+                <a:spLocks noGrp="1"/>
+              </p:cNvSpPr>
+              <p:nvPr>
+                <p:ph type="title"/>
+              </p:nvPr>
+            </p:nvSpPr>
+            <p:spPr/>
+            <p:txBody>
+              <a:bodyPr/>
+              <a:lstStyle/>
+              <a:p>
+                <a14:m>
+                  <m:oMathPara xmlns:m="http://schemas.openxmlformats.org/officeDocument/2006/math">
+                    <m:oMathParaPr>
+                      <m:jc m:val="centerGroup"/>
+                    </m:oMathParaPr>
+                    <m:oMath xmlns:m="http://schemas.openxmlformats.org/officeDocument/2006/math">
+                      <m:r>
+                        <a:rPr lang="en-US" i="1" dirty="0" smtClean="0">
+                          <a:solidFill>
+                            <a:srgbClr val="0070C0"/>
+                          </a:solidFill>
+                          <a:latin typeface="Cambria Math"/>
+                        </a:rPr>
+                        <m:t>𝑃𝑟</m:t>
+                      </m:r>
+                      <m:d>
+                        <m:dPr>
+                          <m:begChr m:val="["/>
+                          <m:endChr m:val="]"/>
+                          <m:ctrlPr>
+                            <a:rPr lang="en-US" i="1" dirty="0" smtClean="0">
+                              <a:solidFill>
+                                <a:srgbClr val="0070C0"/>
+                              </a:solidFill>
+                              <a:latin typeface="Cambria Math"/>
+                            </a:rPr>
+                          </m:ctrlPr>
+                        </m:dPr>
+                        <m:e>
+                          <m:r>
+                            <a:rPr lang="en-US" i="1" dirty="0" smtClean="0">
+                              <a:solidFill>
+                                <a:srgbClr val="0070C0"/>
+                              </a:solidFill>
+                              <a:latin typeface="Cambria Math"/>
+                            </a:rPr>
+                            <m:t>𝐵</m:t>
+                          </m:r>
+                        </m:e>
+                      </m:d>
+                      <m:r>
+                        <a:rPr lang="en-US" b="0" i="1" dirty="0" smtClean="0">
+                          <a:solidFill>
+                            <a:srgbClr val="0070C0"/>
+                          </a:solidFill>
+                          <a:latin typeface="Cambria Math"/>
+                        </a:rPr>
+                        <m:t>≥</m:t>
+                      </m:r>
+                      <m:r>
+                        <m:rPr>
+                          <m:sty m:val="p"/>
+                        </m:rPr>
+                        <a:rPr lang="en-US" b="0" i="0" dirty="0" smtClean="0">
+                          <a:solidFill>
+                            <a:srgbClr val="0070C0"/>
+                          </a:solidFill>
+                          <a:latin typeface="Cambria Math"/>
+                        </a:rPr>
+                        <m:t>Pr</m:t>
+                      </m:r>
+                      <m:r>
+                        <a:rPr lang="en-US" b="0" i="1" dirty="0" smtClean="0">
+                          <a:solidFill>
+                            <a:srgbClr val="0070C0"/>
+                          </a:solidFill>
+                          <a:latin typeface="Cambria Math"/>
+                        </a:rPr>
+                        <m:t>⁡[</m:t>
+                      </m:r>
+                      <m:r>
+                        <a:rPr lang="en-US" b="0" i="1" dirty="0" smtClean="0">
+                          <a:solidFill>
+                            <a:srgbClr val="0070C0"/>
+                          </a:solidFill>
+                          <a:latin typeface="Cambria Math"/>
+                        </a:rPr>
+                        <m:t>𝐴</m:t>
+                      </m:r>
+                      <m:r>
+                        <a:rPr lang="en-US" b="0" i="1" dirty="0" smtClean="0">
+                          <a:solidFill>
+                            <a:srgbClr val="0070C0"/>
+                          </a:solidFill>
+                          <a:latin typeface="Cambria Math"/>
+                        </a:rPr>
+                        <m:t>]/2</m:t>
+                      </m:r>
+                    </m:oMath>
+                  </m:oMathPara>
+                </a14:m>
+                <a:endParaRPr lang="en-US" dirty="0"/>
+              </a:p>
+            </p:txBody>
+          </p:sp>
+        </mc:Choice>
+        <mc:Fallback>
+          <p:sp>
+            <p:nvSpPr>
+              <p:cNvPr id="2" name="Title 1"/>
+              <p:cNvSpPr>
+                <a:spLocks noGrp="1" noRot="1" noChangeAspect="1" noMove="1" noResize="1" noEditPoints="1" noAdjustHandles="1" noChangeArrowheads="1" noChangeShapeType="1" noTextEdit="1"/>
+              </p:cNvSpPr>
+              <p:nvPr>
+                <p:ph type="title"/>
+              </p:nvPr>
+            </p:nvSpPr>
+            <p:spPr>
+              <a:blipFill rotWithShape="1">
+                <a:blip r:embed="rId2"/>
+                <a:stretch>
+                  <a:fillRect/>
+                </a:stretch>
+              </a:blipFill>
+            </p:spPr>
+            <p:txBody>
+              <a:bodyPr/>
+              <a:lstStyle/>
+              <a:p>
+                <a:r>
+                  <a:rPr lang="en-US">
+                    <a:noFill/>
+                  </a:rPr>
+                  <a:t> </a:t>
+                </a:r>
+              </a:p>
+            </p:txBody>
+          </p:sp>
+        </mc:Fallback>
+      </mc:AlternateContent>
+      <mc:AlternateContent xmlns:mc="http://schemas.openxmlformats.org/markup-compatibility/2006">
+        <mc:Choice xmlns:a14="http://schemas.microsoft.com/office/drawing/2010/main" Requires="a14">
+          <p:sp>
+            <p:nvSpPr>
+              <p:cNvPr id="3" name="Content Placeholder 2"/>
+              <p:cNvSpPr>
+                <a:spLocks noGrp="1"/>
+              </p:cNvSpPr>
+              <p:nvPr>
+                <p:ph idx="1"/>
+              </p:nvPr>
+            </p:nvSpPr>
+            <p:spPr>
+              <a:xfrm>
+                <a:off x="457200" y="1600200"/>
+                <a:ext cx="8229600" cy="5257800"/>
+              </a:xfrm>
+            </p:spPr>
+            <p:txBody>
+              <a:bodyPr>
+                <a:normAutofit fontScale="92500" lnSpcReduction="20000"/>
+              </a:bodyPr>
+              <a:lstStyle/>
+              <a:p>
+                <a:r>
+                  <a:rPr lang="en-US" b="1" dirty="0" smtClean="0"/>
+                  <a:t>Lem. </a:t>
+                </a:r>
+                <a:r>
+                  <a:rPr lang="en-US" dirty="0" smtClean="0"/>
+                  <a:t>If </a:t>
+                </a:r>
+                <a14:m>
+                  <m:oMath xmlns:m="http://schemas.openxmlformats.org/officeDocument/2006/math">
+                    <m:r>
+                      <a:rPr lang="en-US" b="0" i="1" smtClean="0">
+                        <a:latin typeface="Cambria Math"/>
+                      </a:rPr>
+                      <m:t>𝑛</m:t>
+                    </m:r>
+                    <m:r>
+                      <a:rPr lang="en-US" b="0" i="1" smtClean="0">
+                        <a:latin typeface="Cambria Math"/>
+                      </a:rPr>
+                      <m:t>=</m:t>
+                    </m:r>
+                    <m:r>
+                      <m:rPr>
+                        <m:sty m:val="p"/>
+                      </m:rPr>
+                      <a:rPr lang="en-US" b="0" i="0" smtClean="0">
+                        <a:latin typeface="Cambria Math"/>
+                      </a:rPr>
+                      <m:t>Ω</m:t>
+                    </m:r>
+                    <m:r>
+                      <a:rPr lang="en-US" b="0" i="1" smtClean="0">
+                        <a:latin typeface="Cambria Math"/>
+                      </a:rPr>
+                      <m:t>(1/</m:t>
+                    </m:r>
+                    <m:sSup>
+                      <m:sSupPr>
+                        <m:ctrlPr>
+                          <a:rPr lang="en-US" b="0" i="1" smtClean="0">
+                            <a:latin typeface="Cambria Math"/>
+                          </a:rPr>
+                        </m:ctrlPr>
+                      </m:sSupPr>
+                      <m:e>
+                        <m:r>
+                          <a:rPr lang="en-US" b="0" i="1" smtClean="0">
+                            <a:solidFill>
+                              <a:srgbClr val="FF0000"/>
+                            </a:solidFill>
+                            <a:latin typeface="Cambria Math"/>
+                          </a:rPr>
+                          <m:t>𝜖</m:t>
+                        </m:r>
+                      </m:e>
+                      <m:sup>
+                        <m:r>
+                          <a:rPr lang="en-US" b="0" i="1" smtClean="0">
+                            <a:latin typeface="Cambria Math"/>
+                          </a:rPr>
+                          <m:t>2</m:t>
+                        </m:r>
+                      </m:sup>
+                    </m:sSup>
+                    <m:r>
+                      <a:rPr lang="en-US" b="0" i="1" smtClean="0">
+                        <a:latin typeface="Cambria Math"/>
+                      </a:rPr>
+                      <m:t>)</m:t>
+                    </m:r>
+                  </m:oMath>
+                </a14:m>
+                <a:r>
+                  <a:rPr lang="en-US" dirty="0" smtClean="0"/>
+                  <a:t> then </a:t>
+                </a:r>
+                <a14:m>
+                  <m:oMath xmlns:m="http://schemas.openxmlformats.org/officeDocument/2006/math">
+                    <m:r>
+                      <a:rPr lang="en-US" i="1" dirty="0" smtClean="0">
+                        <a:solidFill>
+                          <a:schemeClr val="tx1"/>
+                        </a:solidFill>
+                        <a:latin typeface="Cambria Math"/>
+                      </a:rPr>
+                      <m:t>𝑃𝑟</m:t>
+                    </m:r>
+                    <m:d>
+                      <m:dPr>
+                        <m:begChr m:val="["/>
+                        <m:endChr m:val="]"/>
+                        <m:ctrlPr>
+                          <a:rPr lang="en-US" i="1" dirty="0" smtClean="0">
+                            <a:solidFill>
+                              <a:schemeClr val="tx1"/>
+                            </a:solidFill>
+                            <a:latin typeface="Cambria Math"/>
+                          </a:rPr>
+                        </m:ctrlPr>
+                      </m:dPr>
+                      <m:e>
+                        <m:r>
+                          <a:rPr lang="en-US" i="1" dirty="0" smtClean="0">
+                            <a:solidFill>
+                              <a:schemeClr val="tx1"/>
+                            </a:solidFill>
+                            <a:latin typeface="Cambria Math"/>
+                          </a:rPr>
+                          <m:t>𝐵</m:t>
+                        </m:r>
+                      </m:e>
+                    </m:d>
+                    <m:r>
+                      <a:rPr lang="en-US" b="0" i="1" dirty="0" smtClean="0">
+                        <a:solidFill>
+                          <a:schemeClr val="tx1"/>
+                        </a:solidFill>
+                        <a:latin typeface="Cambria Math"/>
+                      </a:rPr>
+                      <m:t>≥</m:t>
+                    </m:r>
+                    <m:r>
+                      <m:rPr>
+                        <m:sty m:val="p"/>
+                      </m:rPr>
+                      <a:rPr lang="en-US" b="0" i="0" dirty="0" smtClean="0">
+                        <a:solidFill>
+                          <a:schemeClr val="tx1"/>
+                        </a:solidFill>
+                        <a:latin typeface="Cambria Math"/>
+                      </a:rPr>
+                      <m:t>Pr</m:t>
+                    </m:r>
+                    <m:r>
+                      <a:rPr lang="en-US" b="0" i="1" dirty="0" smtClean="0">
+                        <a:solidFill>
+                          <a:schemeClr val="tx1"/>
+                        </a:solidFill>
+                        <a:latin typeface="Cambria Math"/>
+                      </a:rPr>
+                      <m:t>⁡[</m:t>
+                    </m:r>
+                    <m:r>
+                      <a:rPr lang="en-US" b="0" i="1" dirty="0" smtClean="0">
+                        <a:solidFill>
+                          <a:schemeClr val="tx1"/>
+                        </a:solidFill>
+                        <a:latin typeface="Cambria Math"/>
+                      </a:rPr>
+                      <m:t>𝐴</m:t>
+                    </m:r>
+                    <m:r>
+                      <a:rPr lang="en-US" b="0" i="1" dirty="0" smtClean="0">
+                        <a:solidFill>
+                          <a:schemeClr val="tx1"/>
+                        </a:solidFill>
+                        <a:latin typeface="Cambria Math"/>
+                      </a:rPr>
+                      <m:t>]/2</m:t>
+                    </m:r>
+                  </m:oMath>
+                </a14:m>
+                <a:r>
+                  <a:rPr lang="en-US" dirty="0" smtClean="0">
+                    <a:solidFill>
+                      <a:schemeClr val="tx1"/>
+                    </a:solidFill>
+                  </a:rPr>
+                  <a:t>.</a:t>
+                </a:r>
+              </a:p>
+              <a:p>
+                <a:r>
+                  <a:rPr lang="en-US" b="1" dirty="0" smtClean="0"/>
+                  <a:t>Proof:</a:t>
+                </a:r>
+              </a:p>
+              <a:p>
+                <a:pPr marL="0" indent="0" algn="ctr">
+                  <a:buNone/>
+                </a:pPr>
+                <a14:m>
+                  <m:oMathPara xmlns:m="http://schemas.openxmlformats.org/officeDocument/2006/math">
+                    <m:oMathParaPr>
+                      <m:jc m:val="centerGroup"/>
+                    </m:oMathParaPr>
+                    <m:oMath xmlns:m="http://schemas.openxmlformats.org/officeDocument/2006/math">
+                      <m:r>
+                        <a:rPr lang="en-US" b="0" i="1" smtClean="0">
+                          <a:latin typeface="Cambria Math"/>
+                        </a:rPr>
+                        <m:t>𝑃𝑟</m:t>
+                      </m:r>
+                      <m:d>
+                        <m:dPr>
+                          <m:begChr m:val="["/>
+                          <m:endChr m:val="]"/>
+                          <m:ctrlPr>
+                            <a:rPr lang="en-US" b="0" i="1" smtClean="0">
+                              <a:latin typeface="Cambria Math"/>
+                            </a:rPr>
+                          </m:ctrlPr>
+                        </m:dPr>
+                        <m:e>
+                          <m:r>
+                            <a:rPr lang="en-US" b="0" i="1" smtClean="0">
+                              <a:latin typeface="Cambria Math"/>
+                            </a:rPr>
+                            <m:t>𝐵</m:t>
+                          </m:r>
+                        </m:e>
+                      </m:d>
+                      <m:r>
+                        <a:rPr lang="en-US" b="0" i="1" smtClean="0">
+                          <a:latin typeface="Cambria Math"/>
+                        </a:rPr>
+                        <m:t>≥</m:t>
+                      </m:r>
+                      <m:func>
+                        <m:funcPr>
+                          <m:ctrlPr>
+                            <a:rPr lang="en-US" b="0" i="1" smtClean="0">
+                              <a:latin typeface="Cambria Math"/>
+                            </a:rPr>
+                          </m:ctrlPr>
+                        </m:funcPr>
+                        <m:fName>
+                          <m:r>
+                            <m:rPr>
+                              <m:sty m:val="p"/>
+                            </m:rPr>
+                            <a:rPr lang="en-US" b="0" i="0" smtClean="0">
+                              <a:latin typeface="Cambria Math"/>
+                            </a:rPr>
+                            <m:t>Pr</m:t>
+                          </m:r>
+                        </m:fName>
+                        <m:e>
+                          <m:d>
+                            <m:dPr>
+                              <m:begChr m:val="["/>
+                              <m:endChr m:val="]"/>
+                              <m:ctrlPr>
+                                <a:rPr lang="en-US" b="0" i="1" smtClean="0">
+                                  <a:latin typeface="Cambria Math"/>
+                                </a:rPr>
+                              </m:ctrlPr>
+                            </m:dPr>
+                            <m:e>
+                              <m:r>
+                                <a:rPr lang="en-US" b="0" i="1" smtClean="0">
+                                  <a:latin typeface="Cambria Math"/>
+                                </a:rPr>
+                                <m:t>𝐴</m:t>
+                              </m:r>
+                              <m:r>
+                                <a:rPr lang="en-US" b="0" i="1" smtClean="0">
+                                  <a:latin typeface="Cambria Math"/>
+                                </a:rPr>
+                                <m:t>,</m:t>
+                              </m:r>
+                              <m:r>
+                                <a:rPr lang="en-US" b="0" i="1" smtClean="0">
+                                  <a:latin typeface="Cambria Math"/>
+                                </a:rPr>
+                                <m:t>𝐵</m:t>
+                              </m:r>
+                            </m:e>
+                          </m:d>
+                        </m:e>
+                      </m:func>
+                      <m:r>
+                        <a:rPr lang="en-US" b="0" i="1" smtClean="0">
+                          <a:latin typeface="Cambria Math"/>
+                        </a:rPr>
+                        <m:t>=</m:t>
+                      </m:r>
+                      <m:func>
+                        <m:funcPr>
+                          <m:ctrlPr>
+                            <a:rPr lang="en-US" b="0" i="1" smtClean="0">
+                              <a:latin typeface="Cambria Math"/>
+                            </a:rPr>
+                          </m:ctrlPr>
+                        </m:funcPr>
+                        <m:fName>
+                          <m:r>
+                            <m:rPr>
+                              <m:sty m:val="p"/>
+                            </m:rPr>
+                            <a:rPr lang="en-US" b="0" i="0" smtClean="0">
+                              <a:latin typeface="Cambria Math"/>
+                            </a:rPr>
+                            <m:t>Pr</m:t>
+                          </m:r>
+                        </m:fName>
+                        <m:e>
+                          <m:d>
+                            <m:dPr>
+                              <m:begChr m:val="["/>
+                              <m:endChr m:val="]"/>
+                              <m:ctrlPr>
+                                <a:rPr lang="en-US" b="0" i="1" smtClean="0">
+                                  <a:latin typeface="Cambria Math"/>
+                                </a:rPr>
+                              </m:ctrlPr>
+                            </m:dPr>
+                            <m:e>
+                              <m:r>
+                                <a:rPr lang="en-US" b="0" i="1" smtClean="0">
+                                  <a:latin typeface="Cambria Math"/>
+                                </a:rPr>
+                                <m:t>𝐴</m:t>
+                              </m:r>
+                            </m:e>
+                          </m:d>
+                        </m:e>
+                      </m:func>
+                      <m:r>
+                        <m:rPr>
+                          <m:sty m:val="p"/>
+                        </m:rPr>
+                        <a:rPr lang="en-US" b="0" i="0" smtClean="0">
+                          <a:latin typeface="Cambria Math"/>
+                        </a:rPr>
+                        <m:t>Pr</m:t>
+                      </m:r>
+                      <m:r>
+                        <a:rPr lang="en-US" b="0" i="1" smtClean="0">
+                          <a:latin typeface="Cambria Math"/>
+                        </a:rPr>
+                        <m:t>⁡[</m:t>
+                      </m:r>
+                      <m:r>
+                        <a:rPr lang="en-US" b="0" i="1" smtClean="0">
+                          <a:latin typeface="Cambria Math"/>
+                        </a:rPr>
+                        <m:t>𝐵</m:t>
+                      </m:r>
+                      <m:r>
+                        <m:rPr>
+                          <m:lit/>
+                        </m:rPr>
+                        <a:rPr lang="en-US" b="0" i="1" smtClean="0">
+                          <a:latin typeface="Cambria Math"/>
+                        </a:rPr>
+                        <m:t>|</m:t>
+                      </m:r>
+                      <m:r>
+                        <a:rPr lang="en-US" b="0" i="1" smtClean="0">
+                          <a:latin typeface="Cambria Math"/>
+                        </a:rPr>
+                        <m:t>𝐴</m:t>
+                      </m:r>
+                      <m:r>
+                        <a:rPr lang="en-US" b="0" i="1" smtClean="0">
+                          <a:latin typeface="Cambria Math"/>
+                        </a:rPr>
+                        <m:t>]</m:t>
+                      </m:r>
+                    </m:oMath>
+                  </m:oMathPara>
+                </a14:m>
+                <a:endParaRPr lang="en-US" dirty="0" smtClean="0"/>
+              </a:p>
+              <a:p>
+                <a:r>
+                  <a:rPr lang="en-US" dirty="0" smtClean="0"/>
+                  <a:t>Suppose </a:t>
+                </a:r>
+                <a14:m>
+                  <m:oMath xmlns:m="http://schemas.openxmlformats.org/officeDocument/2006/math">
+                    <m:r>
+                      <a:rPr lang="en-US" b="0" i="1" smtClean="0">
+                        <a:latin typeface="Cambria Math"/>
+                      </a:rPr>
+                      <m:t>𝐴</m:t>
+                    </m:r>
+                  </m:oMath>
+                </a14:m>
+                <a:r>
+                  <a:rPr lang="en-US" dirty="0" smtClean="0"/>
+                  <a:t> occurs:</a:t>
+                </a:r>
+              </a:p>
+              <a:p>
+                <a:pPr marL="0" indent="0">
+                  <a:buNone/>
+                </a:pPr>
+                <a14:m>
+                  <m:oMathPara xmlns:m="http://schemas.openxmlformats.org/officeDocument/2006/math">
+                    <m:oMathParaPr>
+                      <m:jc m:val="centerGroup"/>
+                    </m:oMathParaPr>
+                    <m:oMath xmlns:m="http://schemas.openxmlformats.org/officeDocument/2006/math">
+                      <m:r>
+                        <a:rPr lang="en-US" b="0" i="1" smtClean="0">
+                          <a:latin typeface="Cambria Math"/>
+                        </a:rPr>
+                        <m:t>∃</m:t>
+                      </m:r>
+                      <m:r>
+                        <a:rPr lang="en-US" b="1" i="1" smtClean="0">
+                          <a:latin typeface="Cambria Math"/>
+                        </a:rPr>
+                        <m:t>𝒉</m:t>
+                      </m:r>
+                      <m:r>
+                        <a:rPr lang="en-US" b="1" i="1" smtClean="0">
+                          <a:latin typeface="Cambria Math"/>
+                        </a:rPr>
+                        <m:t>∈</m:t>
+                      </m:r>
+                      <m:r>
+                        <m:rPr>
+                          <m:sty m:val="p"/>
+                        </m:rPr>
+                        <a:rPr lang="en-US" b="1" i="1" smtClean="0">
+                          <a:latin typeface="Cambria Math"/>
+                          <a:ea typeface="Cambria Math"/>
+                        </a:rPr>
+                        <m:t>H</m:t>
+                      </m:r>
+                      <m:r>
+                        <a:rPr lang="en-US" b="0" i="0" smtClean="0">
+                          <a:latin typeface="Cambria Math"/>
+                          <a:ea typeface="Cambria Math"/>
+                        </a:rPr>
+                        <m:t>:</m:t>
+                      </m:r>
+                      <m:r>
+                        <a:rPr lang="en-US" b="0" i="1" smtClean="0">
+                          <a:latin typeface="Cambria Math"/>
+                          <a:ea typeface="Cambria Math"/>
+                        </a:rPr>
+                        <m:t> </m:t>
+                      </m:r>
+                      <m:d>
+                        <m:dPr>
+                          <m:begChr m:val="|"/>
+                          <m:endChr m:val="|"/>
+                          <m:ctrlPr>
+                            <a:rPr lang="en-US" b="0" i="1" dirty="0" smtClean="0">
+                              <a:latin typeface="Cambria Math"/>
+                            </a:rPr>
+                          </m:ctrlPr>
+                        </m:dPr>
+                        <m:e>
+                          <m:r>
+                            <a:rPr lang="en-US" b="0" i="1" dirty="0" smtClean="0">
+                              <a:latin typeface="Cambria Math"/>
+                            </a:rPr>
+                            <m:t>𝑒𝑟</m:t>
+                          </m:r>
+                          <m:sSub>
+                            <m:sSubPr>
+                              <m:ctrlPr>
+                                <a:rPr lang="en-US" b="0" i="1" dirty="0" smtClean="0">
+                                  <a:latin typeface="Cambria Math"/>
+                                </a:rPr>
+                              </m:ctrlPr>
+                            </m:sSubPr>
+                            <m:e>
+                              <m:r>
+                                <a:rPr lang="en-US" b="0" i="1" dirty="0" smtClean="0">
+                                  <a:latin typeface="Cambria Math"/>
+                                </a:rPr>
+                                <m:t>𝑟</m:t>
+                              </m:r>
+                            </m:e>
+                            <m:sub>
+                              <m:r>
+                                <a:rPr lang="en-US" b="0" i="1" dirty="0" smtClean="0">
+                                  <a:latin typeface="Cambria Math"/>
+                                </a:rPr>
+                                <m:t>𝑆</m:t>
+                              </m:r>
+                            </m:sub>
+                          </m:sSub>
+                          <m:d>
+                            <m:dPr>
+                              <m:ctrlPr>
+                                <a:rPr lang="en-US" b="0" i="1" dirty="0" smtClean="0">
+                                  <a:latin typeface="Cambria Math"/>
+                                </a:rPr>
+                              </m:ctrlPr>
+                            </m:dPr>
+                            <m:e>
+                              <m:r>
+                                <a:rPr lang="en-US" b="1" i="1" dirty="0" smtClean="0">
+                                  <a:latin typeface="Cambria Math"/>
+                                </a:rPr>
+                                <m:t>𝒉</m:t>
+                              </m:r>
+                            </m:e>
+                          </m:d>
+                          <m:r>
+                            <a:rPr lang="en-US" b="0" i="1" dirty="0" smtClean="0">
+                              <a:latin typeface="Cambria Math"/>
+                            </a:rPr>
+                            <m:t>−</m:t>
+                          </m:r>
+                          <m:r>
+                            <a:rPr lang="en-US" b="0" i="1" dirty="0" smtClean="0">
+                              <a:latin typeface="Cambria Math"/>
+                            </a:rPr>
+                            <m:t>𝑒𝑟</m:t>
+                          </m:r>
+                          <m:sSub>
+                            <m:sSubPr>
+                              <m:ctrlPr>
+                                <a:rPr lang="en-US" b="0" i="1" dirty="0" smtClean="0">
+                                  <a:latin typeface="Cambria Math"/>
+                                </a:rPr>
+                              </m:ctrlPr>
+                            </m:sSubPr>
+                            <m:e>
+                              <m:r>
+                                <a:rPr lang="en-US" b="0" i="1" dirty="0" smtClean="0">
+                                  <a:latin typeface="Cambria Math"/>
+                                </a:rPr>
+                                <m:t>𝑟</m:t>
+                              </m:r>
+                            </m:e>
+                            <m:sub>
+                              <m:r>
+                                <a:rPr lang="en-US" b="0" i="1" dirty="0" smtClean="0">
+                                  <a:latin typeface="Cambria Math"/>
+                                </a:rPr>
+                                <m:t>𝐷</m:t>
+                              </m:r>
+                            </m:sub>
+                          </m:sSub>
+                          <m:d>
+                            <m:dPr>
+                              <m:ctrlPr>
+                                <a:rPr lang="en-US" b="0" i="1" dirty="0" smtClean="0">
+                                  <a:latin typeface="Cambria Math"/>
+                                </a:rPr>
+                              </m:ctrlPr>
+                            </m:dPr>
+                            <m:e>
+                              <m:r>
+                                <a:rPr lang="en-US" b="1" i="1" dirty="0" smtClean="0">
+                                  <a:latin typeface="Cambria Math"/>
+                                </a:rPr>
+                                <m:t>𝒉</m:t>
+                              </m:r>
+                            </m:e>
+                          </m:d>
+                        </m:e>
+                      </m:d>
+                      <m:r>
+                        <a:rPr lang="en-US" b="0" i="1" dirty="0" smtClean="0">
+                          <a:latin typeface="Cambria Math"/>
+                        </a:rPr>
+                        <m:t>&gt;</m:t>
+                      </m:r>
+                      <m:r>
+                        <a:rPr lang="en-US" b="0" i="1" dirty="0" smtClean="0">
+                          <a:solidFill>
+                            <a:srgbClr val="FF0000"/>
+                          </a:solidFill>
+                          <a:latin typeface="Cambria Math"/>
+                        </a:rPr>
+                        <m:t>𝜖</m:t>
+                      </m:r>
+                    </m:oMath>
+                  </m:oMathPara>
+                </a14:m>
+                <a:endParaRPr lang="en-US" dirty="0" smtClean="0"/>
+              </a:p>
+              <a:p>
+                <a:r>
+                  <a:rPr lang="en-US" dirty="0" smtClean="0"/>
+                  <a:t>When we draw </a:t>
+                </a:r>
+                <a14:m>
+                  <m:oMath xmlns:m="http://schemas.openxmlformats.org/officeDocument/2006/math">
+                    <m:sSup>
+                      <m:sSupPr>
+                        <m:ctrlPr>
+                          <a:rPr lang="en-US" b="0" i="1" dirty="0" smtClean="0">
+                            <a:latin typeface="Cambria Math"/>
+                          </a:rPr>
+                        </m:ctrlPr>
+                      </m:sSupPr>
+                      <m:e>
+                        <m:r>
+                          <a:rPr lang="en-US" b="0" i="1" dirty="0" smtClean="0">
+                            <a:latin typeface="Cambria Math"/>
+                          </a:rPr>
+                          <m:t>𝑆</m:t>
+                        </m:r>
+                      </m:e>
+                      <m:sup>
+                        <m:r>
+                          <a:rPr lang="en-US" b="0" i="1" dirty="0" smtClean="0">
+                            <a:latin typeface="Cambria Math"/>
+                          </a:rPr>
+                          <m:t>′</m:t>
+                        </m:r>
+                      </m:sup>
+                    </m:sSup>
+                    <m:r>
+                      <a:rPr lang="en-US" b="0" i="0" dirty="0" smtClean="0">
+                        <a:latin typeface="Cambria Math"/>
+                      </a:rPr>
+                      <m:t>:</m:t>
+                    </m:r>
+                  </m:oMath>
+                </a14:m>
+                <a:endParaRPr lang="en-US" dirty="0" smtClean="0"/>
+              </a:p>
+              <a:p>
+                <a:pPr marL="0" indent="0" algn="ctr">
+                  <a:buNone/>
+                </a:pPr>
+                <a14:m>
+                  <m:oMath xmlns:m="http://schemas.openxmlformats.org/officeDocument/2006/math">
+                    <m:sSubSup>
+                      <m:sSubSupPr>
+                        <m:ctrlPr>
+                          <a:rPr lang="en-US" b="0" i="1" dirty="0" smtClean="0">
+                            <a:latin typeface="Cambria Math"/>
+                            <a:ea typeface="Cambria Math"/>
+                          </a:rPr>
+                        </m:ctrlPr>
+                      </m:sSubSupPr>
+                      <m:e>
+                        <m:r>
+                          <a:rPr lang="en-US" b="0" i="1" dirty="0" smtClean="0">
+                            <a:latin typeface="Cambria Math"/>
+                            <a:ea typeface="Cambria Math"/>
+                          </a:rPr>
+                          <m:t>𝔼</m:t>
+                        </m:r>
+                      </m:e>
+                      <m:sub>
+                        <m:sSup>
+                          <m:sSupPr>
+                            <m:ctrlPr>
+                              <a:rPr lang="en-US" b="0" i="1" dirty="0" smtClean="0">
+                                <a:latin typeface="Cambria Math"/>
+                                <a:ea typeface="Cambria Math"/>
+                              </a:rPr>
+                            </m:ctrlPr>
+                          </m:sSupPr>
+                          <m:e>
+                            <m:r>
+                              <a:rPr lang="en-US" b="0" i="1" dirty="0" smtClean="0">
+                                <a:latin typeface="Cambria Math"/>
+                                <a:ea typeface="Cambria Math"/>
+                              </a:rPr>
+                              <m:t>𝑆</m:t>
+                            </m:r>
+                          </m:e>
+                          <m:sup>
+                            <m:r>
+                              <a:rPr lang="en-US" b="0" i="1" dirty="0" smtClean="0">
+                                <a:latin typeface="Cambria Math"/>
+                                <a:ea typeface="Cambria Math"/>
+                              </a:rPr>
+                              <m:t>′</m:t>
+                            </m:r>
+                          </m:sup>
+                        </m:sSup>
+                      </m:sub>
+                      <m:sup/>
+                    </m:sSubSup>
+                    <m:d>
+                      <m:dPr>
+                        <m:begChr m:val="["/>
+                        <m:endChr m:val="]"/>
+                        <m:ctrlPr>
+                          <a:rPr lang="en-US" b="0" i="1" dirty="0" smtClean="0">
+                            <a:latin typeface="Cambria Math"/>
+                            <a:ea typeface="Cambria Math"/>
+                          </a:rPr>
+                        </m:ctrlPr>
+                      </m:dPr>
+                      <m:e>
+                        <m:r>
+                          <a:rPr lang="en-US" b="0" i="1" dirty="0" smtClean="0">
+                            <a:latin typeface="Cambria Math"/>
+                          </a:rPr>
+                          <m:t>𝑒𝑟</m:t>
+                        </m:r>
+                        <m:sSub>
+                          <m:sSubPr>
+                            <m:ctrlPr>
+                              <a:rPr lang="en-US" b="0" i="1" dirty="0" smtClean="0">
+                                <a:latin typeface="Cambria Math"/>
+                              </a:rPr>
+                            </m:ctrlPr>
+                          </m:sSubPr>
+                          <m:e>
+                            <m:r>
+                              <a:rPr lang="en-US" b="0" i="1" dirty="0" smtClean="0">
+                                <a:latin typeface="Cambria Math"/>
+                              </a:rPr>
+                              <m:t>𝑟</m:t>
+                            </m:r>
+                          </m:e>
+                          <m:sub>
+                            <m:sSup>
+                              <m:sSupPr>
+                                <m:ctrlPr>
+                                  <a:rPr lang="en-US" b="0" i="1" dirty="0" smtClean="0">
+                                    <a:latin typeface="Cambria Math"/>
+                                  </a:rPr>
+                                </m:ctrlPr>
+                              </m:sSupPr>
+                              <m:e>
+                                <m:r>
+                                  <a:rPr lang="en-US" b="0" i="1" dirty="0" smtClean="0">
+                                    <a:latin typeface="Cambria Math"/>
+                                  </a:rPr>
+                                  <m:t>𝑆</m:t>
+                                </m:r>
+                              </m:e>
+                              <m:sup>
+                                <m:r>
+                                  <a:rPr lang="en-US" b="0" i="1" dirty="0" smtClean="0">
+                                    <a:latin typeface="Cambria Math"/>
+                                  </a:rPr>
+                                  <m:t>′</m:t>
+                                </m:r>
+                              </m:sup>
+                            </m:sSup>
+                          </m:sub>
+                        </m:sSub>
+                        <m:d>
+                          <m:dPr>
+                            <m:ctrlPr>
+                              <a:rPr lang="en-US" b="0" i="1" dirty="0" smtClean="0">
+                                <a:latin typeface="Cambria Math"/>
+                              </a:rPr>
+                            </m:ctrlPr>
+                          </m:dPr>
+                          <m:e>
+                            <m:r>
+                              <a:rPr lang="en-US" b="1" i="1" dirty="0" smtClean="0">
+                                <a:latin typeface="Cambria Math"/>
+                              </a:rPr>
+                              <m:t>𝒉</m:t>
+                            </m:r>
+                          </m:e>
+                        </m:d>
+                      </m:e>
+                    </m:d>
+                    <m:r>
+                      <a:rPr lang="en-US" b="0" i="1" dirty="0" smtClean="0">
+                        <a:latin typeface="Cambria Math"/>
+                      </a:rPr>
+                      <m:t>=</m:t>
+                    </m:r>
+                  </m:oMath>
+                </a14:m>
+                <a:r>
+                  <a:rPr lang="en-US" dirty="0" smtClean="0"/>
+                  <a:t> </a:t>
+                </a:r>
+                <a14:m>
+                  <m:oMath xmlns:m="http://schemas.openxmlformats.org/officeDocument/2006/math">
+                    <m:r>
+                      <a:rPr lang="en-US" b="0" i="1" dirty="0" smtClean="0">
+                        <a:latin typeface="Cambria Math"/>
+                      </a:rPr>
+                      <m:t>𝑒𝑟</m:t>
+                    </m:r>
+                    <m:sSub>
+                      <m:sSubPr>
+                        <m:ctrlPr>
+                          <a:rPr lang="en-US" b="0" i="1" dirty="0" smtClean="0">
+                            <a:latin typeface="Cambria Math"/>
+                          </a:rPr>
+                        </m:ctrlPr>
+                      </m:sSubPr>
+                      <m:e>
+                        <m:r>
+                          <a:rPr lang="en-US" b="0" i="1" dirty="0" smtClean="0">
+                            <a:latin typeface="Cambria Math"/>
+                          </a:rPr>
+                          <m:t>𝑟</m:t>
+                        </m:r>
+                      </m:e>
+                      <m:sub>
+                        <m:r>
+                          <a:rPr lang="en-US" b="0" i="1" dirty="0" smtClean="0">
+                            <a:latin typeface="Cambria Math"/>
+                          </a:rPr>
+                          <m:t>𝐷</m:t>
+                        </m:r>
+                      </m:sub>
+                    </m:sSub>
+                    <m:d>
+                      <m:dPr>
+                        <m:ctrlPr>
+                          <a:rPr lang="en-US" b="0" i="1" dirty="0" smtClean="0">
+                            <a:latin typeface="Cambria Math"/>
+                          </a:rPr>
+                        </m:ctrlPr>
+                      </m:dPr>
+                      <m:e>
+                        <m:r>
+                          <a:rPr lang="en-US" b="1" i="1" dirty="0" smtClean="0">
+                            <a:latin typeface="Cambria Math"/>
+                          </a:rPr>
+                          <m:t>𝒉</m:t>
+                        </m:r>
+                      </m:e>
+                    </m:d>
+                  </m:oMath>
+                </a14:m>
+                <a:endParaRPr lang="en-US" dirty="0" smtClean="0"/>
+              </a:p>
+              <a:p>
+                <a:r>
+                  <a:rPr lang="en-US" dirty="0" smtClean="0"/>
+                  <a:t>By </a:t>
+                </a:r>
+                <a:r>
+                  <a:rPr lang="en-US" dirty="0" err="1" smtClean="0"/>
+                  <a:t>Chernoff</a:t>
+                </a:r>
+                <a:r>
+                  <a:rPr lang="en-US" dirty="0" smtClean="0"/>
+                  <a:t>:</a:t>
+                </a:r>
+              </a:p>
+              <a:p>
+                <a:pPr marL="0" indent="0" algn="ctr">
+                  <a:buNone/>
+                </a:pPr>
+                <a14:m>
+                  <m:oMathPara xmlns:m="http://schemas.openxmlformats.org/officeDocument/2006/math">
+                    <m:oMathParaPr>
+                      <m:jc m:val="centerGroup"/>
+                    </m:oMathParaPr>
+                    <m:oMath xmlns:m="http://schemas.openxmlformats.org/officeDocument/2006/math">
+                      <m:sSubSup>
+                        <m:sSubSupPr>
+                          <m:ctrlPr>
+                            <a:rPr lang="en-US" b="0" i="1" dirty="0" smtClean="0">
+                              <a:latin typeface="Cambria Math"/>
+                              <a:ea typeface="Cambria Math"/>
+                            </a:rPr>
+                          </m:ctrlPr>
+                        </m:sSubSupPr>
+                        <m:e>
+                          <m:r>
+                            <a:rPr lang="en-US" b="0" i="1" dirty="0" smtClean="0">
+                              <a:latin typeface="Cambria Math"/>
+                              <a:ea typeface="Cambria Math"/>
+                            </a:rPr>
+                            <m:t>𝑃𝑟</m:t>
+                          </m:r>
+                        </m:e>
+                        <m:sub>
+                          <m:sSup>
+                            <m:sSupPr>
+                              <m:ctrlPr>
+                                <a:rPr lang="en-US" b="0" i="1" dirty="0" smtClean="0">
+                                  <a:latin typeface="Cambria Math"/>
+                                  <a:ea typeface="Cambria Math"/>
+                                </a:rPr>
+                              </m:ctrlPr>
+                            </m:sSupPr>
+                            <m:e>
+                              <m:r>
+                                <a:rPr lang="en-US" b="0" i="1" dirty="0" smtClean="0">
+                                  <a:latin typeface="Cambria Math"/>
+                                  <a:ea typeface="Cambria Math"/>
+                                </a:rPr>
+                                <m:t>𝑆</m:t>
+                              </m:r>
+                            </m:e>
+                            <m:sup>
+                              <m:r>
+                                <a:rPr lang="en-US" b="0" i="1" dirty="0" smtClean="0">
+                                  <a:latin typeface="Cambria Math"/>
+                                  <a:ea typeface="Cambria Math"/>
+                                </a:rPr>
+                                <m:t>′</m:t>
+                              </m:r>
+                            </m:sup>
+                          </m:sSup>
+                        </m:sub>
+                        <m:sup/>
+                      </m:sSubSup>
+                      <m:d>
+                        <m:dPr>
+                          <m:begChr m:val="["/>
+                          <m:endChr m:val="]"/>
+                          <m:ctrlPr>
+                            <a:rPr lang="en-US" b="0" i="1" dirty="0" smtClean="0">
+                              <a:latin typeface="Cambria Math"/>
+                              <a:ea typeface="Cambria Math"/>
+                            </a:rPr>
+                          </m:ctrlPr>
+                        </m:dPr>
+                        <m:e>
+                          <m:d>
+                            <m:dPr>
+                              <m:begChr m:val="|"/>
+                              <m:endChr m:val="|"/>
+                              <m:ctrlPr>
+                                <a:rPr lang="en-US" b="0" i="1" dirty="0" smtClean="0">
+                                  <a:latin typeface="Cambria Math"/>
+                                  <a:ea typeface="Cambria Math"/>
+                                </a:rPr>
+                              </m:ctrlPr>
+                            </m:dPr>
+                            <m:e>
+                              <m:r>
+                                <a:rPr lang="en-US" b="0" i="1" dirty="0" smtClean="0">
+                                  <a:latin typeface="Cambria Math"/>
+                                </a:rPr>
+                                <m:t>𝑒𝑟</m:t>
+                              </m:r>
+                              <m:sSub>
+                                <m:sSubPr>
+                                  <m:ctrlPr>
+                                    <a:rPr lang="en-US" b="0" i="1" dirty="0" smtClean="0">
+                                      <a:latin typeface="Cambria Math"/>
+                                    </a:rPr>
+                                  </m:ctrlPr>
+                                </m:sSubPr>
+                                <m:e>
+                                  <m:r>
+                                    <a:rPr lang="en-US" b="0" i="1" dirty="0" smtClean="0">
+                                      <a:latin typeface="Cambria Math"/>
+                                    </a:rPr>
+                                    <m:t>𝑟</m:t>
+                                  </m:r>
+                                </m:e>
+                                <m:sub>
+                                  <m:sSup>
+                                    <m:sSupPr>
+                                      <m:ctrlPr>
+                                        <a:rPr lang="en-US" b="0" i="1" dirty="0" smtClean="0">
+                                          <a:latin typeface="Cambria Math"/>
+                                        </a:rPr>
+                                      </m:ctrlPr>
+                                    </m:sSupPr>
+                                    <m:e>
+                                      <m:r>
+                                        <a:rPr lang="en-US" b="0" i="1" dirty="0" smtClean="0">
+                                          <a:latin typeface="Cambria Math"/>
+                                        </a:rPr>
+                                        <m:t>𝑆</m:t>
+                                      </m:r>
+                                    </m:e>
+                                    <m:sup>
+                                      <m:r>
+                                        <a:rPr lang="en-US" b="0" i="1" dirty="0" smtClean="0">
+                                          <a:latin typeface="Cambria Math"/>
+                                        </a:rPr>
+                                        <m:t>′</m:t>
+                                      </m:r>
+                                    </m:sup>
+                                  </m:sSup>
+                                </m:sub>
+                              </m:sSub>
+                              <m:d>
+                                <m:dPr>
+                                  <m:ctrlPr>
+                                    <a:rPr lang="en-US" b="0" i="1" dirty="0" smtClean="0">
+                                      <a:latin typeface="Cambria Math"/>
+                                    </a:rPr>
+                                  </m:ctrlPr>
+                                </m:dPr>
+                                <m:e>
+                                  <m:r>
+                                    <a:rPr lang="en-US" b="1" i="1" dirty="0" smtClean="0">
+                                      <a:latin typeface="Cambria Math"/>
+                                    </a:rPr>
+                                    <m:t>𝒉</m:t>
+                                  </m:r>
+                                </m:e>
+                              </m:d>
+                              <m:r>
+                                <a:rPr lang="en-US" b="0" i="1" dirty="0" smtClean="0">
+                                  <a:latin typeface="Cambria Math"/>
+                                </a:rPr>
+                                <m:t>−</m:t>
+                              </m:r>
+                              <m:r>
+                                <a:rPr lang="en-US" b="0" i="1" dirty="0" smtClean="0">
+                                  <a:latin typeface="Cambria Math"/>
+                                </a:rPr>
+                                <m:t>𝑒𝑟</m:t>
+                              </m:r>
+                              <m:sSub>
+                                <m:sSubPr>
+                                  <m:ctrlPr>
+                                    <a:rPr lang="en-US" b="0" i="1" dirty="0" smtClean="0">
+                                      <a:latin typeface="Cambria Math"/>
+                                    </a:rPr>
+                                  </m:ctrlPr>
+                                </m:sSubPr>
+                                <m:e>
+                                  <m:r>
+                                    <a:rPr lang="en-US" b="0" i="1" dirty="0" smtClean="0">
+                                      <a:latin typeface="Cambria Math"/>
+                                    </a:rPr>
+                                    <m:t>𝑟</m:t>
+                                  </m:r>
+                                </m:e>
+                                <m:sub>
+                                  <m:r>
+                                    <a:rPr lang="en-US" b="0" i="1" dirty="0" smtClean="0">
+                                      <a:latin typeface="Cambria Math"/>
+                                    </a:rPr>
+                                    <m:t>𝐷</m:t>
+                                  </m:r>
+                                </m:sub>
+                              </m:sSub>
+                              <m:d>
+                                <m:dPr>
+                                  <m:ctrlPr>
+                                    <a:rPr lang="en-US" b="0" i="1" dirty="0" smtClean="0">
+                                      <a:latin typeface="Cambria Math"/>
+                                    </a:rPr>
+                                  </m:ctrlPr>
+                                </m:dPr>
+                                <m:e>
+                                  <m:r>
+                                    <a:rPr lang="en-US" b="1" i="1" dirty="0" smtClean="0">
+                                      <a:latin typeface="Cambria Math"/>
+                                    </a:rPr>
+                                    <m:t>𝒉</m:t>
+                                  </m:r>
+                                </m:e>
+                              </m:d>
+                            </m:e>
+                          </m:d>
+                          <m:r>
+                            <a:rPr lang="en-US" b="0" i="1" dirty="0" smtClean="0">
+                              <a:latin typeface="Cambria Math"/>
+                            </a:rPr>
+                            <m:t>&lt;</m:t>
+                          </m:r>
+                          <m:r>
+                            <a:rPr lang="en-US" b="0" i="1" dirty="0" smtClean="0">
+                              <a:solidFill>
+                                <a:srgbClr val="FF0000"/>
+                              </a:solidFill>
+                              <a:latin typeface="Cambria Math"/>
+                            </a:rPr>
+                            <m:t>𝜖</m:t>
+                          </m:r>
+                          <m:r>
+                            <a:rPr lang="en-US" b="0" i="1" dirty="0" smtClean="0">
+                              <a:solidFill>
+                                <a:schemeClr val="tx1"/>
+                              </a:solidFill>
+                              <a:latin typeface="Cambria Math"/>
+                            </a:rPr>
+                            <m:t>/2</m:t>
+                          </m:r>
+                        </m:e>
+                      </m:d>
+                      <m:r>
+                        <a:rPr lang="en-US" b="0" i="1" dirty="0" smtClean="0">
+                          <a:latin typeface="Cambria Math"/>
+                        </a:rPr>
+                        <m:t>≥</m:t>
+                      </m:r>
+                      <m:f>
+                        <m:fPr>
+                          <m:ctrlPr>
+                            <a:rPr lang="en-US" b="0" i="1" dirty="0" smtClean="0">
+                              <a:latin typeface="Cambria Math"/>
+                            </a:rPr>
+                          </m:ctrlPr>
+                        </m:fPr>
+                        <m:num>
+                          <m:r>
+                            <a:rPr lang="en-US" b="0" i="1" dirty="0" smtClean="0">
+                              <a:latin typeface="Cambria Math"/>
+                            </a:rPr>
+                            <m:t>1</m:t>
+                          </m:r>
+                        </m:num>
+                        <m:den>
+                          <m:r>
+                            <a:rPr lang="en-US" b="0" i="1" dirty="0" smtClean="0">
+                              <a:latin typeface="Cambria Math"/>
+                            </a:rPr>
+                            <m:t>2</m:t>
+                          </m:r>
+                        </m:den>
+                      </m:f>
+                    </m:oMath>
+                  </m:oMathPara>
+                </a14:m>
+                <a:endParaRPr lang="en-US" b="0" dirty="0" smtClean="0"/>
+              </a:p>
+              <a:p>
+                <a:pPr marL="0" indent="0" algn="ctr">
+                  <a:buNone/>
+                </a:pPr>
+                <a14:m>
+                  <m:oMathPara xmlns:m="http://schemas.openxmlformats.org/officeDocument/2006/math">
+                    <m:oMathParaPr>
+                      <m:jc m:val="centerGroup"/>
+                    </m:oMathParaPr>
+                    <m:oMath xmlns:m="http://schemas.openxmlformats.org/officeDocument/2006/math">
+                      <m:r>
+                        <a:rPr lang="en-US" i="1" dirty="0" smtClean="0">
+                          <a:latin typeface="Cambria Math"/>
+                        </a:rPr>
+                        <m:t>𝑃𝑟</m:t>
+                      </m:r>
+                      <m:d>
+                        <m:dPr>
+                          <m:begChr m:val="["/>
+                          <m:endChr m:val="]"/>
+                          <m:ctrlPr>
+                            <a:rPr lang="en-US" b="0" i="1" dirty="0" smtClean="0">
+                              <a:latin typeface="Cambria Math"/>
+                            </a:rPr>
+                          </m:ctrlPr>
+                        </m:dPr>
+                        <m:e>
+                          <m:r>
+                            <a:rPr lang="en-US" b="0" i="1" dirty="0" smtClean="0">
+                              <a:latin typeface="Cambria Math"/>
+                            </a:rPr>
+                            <m:t>𝐵</m:t>
+                          </m:r>
+                        </m:e>
+                      </m:d>
+                      <m:r>
+                        <a:rPr lang="en-US" b="0" i="1" dirty="0" smtClean="0">
+                          <a:latin typeface="Cambria Math"/>
+                        </a:rPr>
+                        <m:t>≥</m:t>
+                      </m:r>
+                      <m:func>
+                        <m:funcPr>
+                          <m:ctrlPr>
+                            <a:rPr lang="en-US" b="0" i="1" dirty="0" smtClean="0">
+                              <a:latin typeface="Cambria Math"/>
+                            </a:rPr>
+                          </m:ctrlPr>
+                        </m:funcPr>
+                        <m:fName>
+                          <m:r>
+                            <m:rPr>
+                              <m:sty m:val="p"/>
+                            </m:rPr>
+                            <a:rPr lang="en-US" b="0" i="0" dirty="0" smtClean="0">
+                              <a:latin typeface="Cambria Math"/>
+                            </a:rPr>
+                            <m:t>Pr</m:t>
+                          </m:r>
+                        </m:fName>
+                        <m:e>
+                          <m:d>
+                            <m:dPr>
+                              <m:begChr m:val="["/>
+                              <m:endChr m:val="]"/>
+                              <m:ctrlPr>
+                                <a:rPr lang="en-US" b="0" i="1" dirty="0" smtClean="0">
+                                  <a:latin typeface="Cambria Math"/>
+                                </a:rPr>
+                              </m:ctrlPr>
+                            </m:dPr>
+                            <m:e>
+                              <m:r>
+                                <a:rPr lang="en-US" b="0" i="1" dirty="0" smtClean="0">
+                                  <a:latin typeface="Cambria Math"/>
+                                </a:rPr>
+                                <m:t>𝐴</m:t>
+                              </m:r>
+                            </m:e>
+                          </m:d>
+                        </m:e>
+                      </m:func>
+                      <m:r>
+                        <a:rPr lang="en-US" b="0" i="1" dirty="0" smtClean="0">
+                          <a:latin typeface="Cambria Math"/>
+                        </a:rPr>
+                        <m:t>×1/2</m:t>
+                      </m:r>
+                    </m:oMath>
+                  </m:oMathPara>
+                </a14:m>
+                <a:endParaRPr lang="en-US" b="0" dirty="0" smtClean="0"/>
+              </a:p>
+              <a:p>
+                <a:pPr marL="0" indent="0" algn="ctr">
+                  <a:buNone/>
+                </a:pPr>
+                <a:endParaRPr lang="en-US" dirty="0" smtClean="0"/>
+              </a:p>
+              <a:p>
+                <a:pPr marL="0" indent="0" algn="ctr">
+                  <a:buNone/>
+                </a:pPr>
+                <a:endParaRPr lang="en-US" dirty="0" smtClean="0"/>
+              </a:p>
+              <a:p>
+                <a:pPr marL="0" indent="0" algn="ctr">
+                  <a:buNone/>
+                </a:pPr>
+                <a:endParaRPr lang="en-US" dirty="0" smtClean="0"/>
+              </a:p>
+              <a:p>
+                <a:pPr marL="0" indent="0">
+                  <a:buNone/>
+                </a:pPr>
+                <a:endParaRPr lang="en-US" dirty="0"/>
+              </a:p>
+            </p:txBody>
+          </p:sp>
+        </mc:Choice>
+        <mc:Fallback>
+          <p:sp>
+            <p:nvSpPr>
+              <p:cNvPr id="3" name="Content Placeholder 2"/>
+              <p:cNvSpPr>
+                <a:spLocks noGrp="1" noRot="1" noChangeAspect="1" noMove="1" noResize="1" noEditPoints="1" noAdjustHandles="1" noChangeArrowheads="1" noChangeShapeType="1" noTextEdit="1"/>
+              </p:cNvSpPr>
+              <p:nvPr>
+                <p:ph idx="1"/>
+              </p:nvPr>
+            </p:nvSpPr>
+            <p:spPr>
+              <a:xfrm>
+                <a:off x="457200" y="1600200"/>
+                <a:ext cx="8229600" cy="5257800"/>
+              </a:xfrm>
+              <a:blipFill rotWithShape="1">
+                <a:blip r:embed="rId3"/>
+                <a:stretch>
+                  <a:fillRect l="-1481" t="-3016"/>
+                </a:stretch>
+              </a:blipFill>
+            </p:spPr>
+            <p:txBody>
+              <a:bodyPr/>
+              <a:lstStyle/>
+              <a:p>
+                <a:r>
+                  <a:rPr lang="en-US">
+                    <a:noFill/>
+                  </a:rPr>
+                  <a:t> </a:t>
+                </a:r>
+              </a:p>
+            </p:txBody>
+          </p:sp>
+        </mc:Fallback>
+      </mc:AlternateContent>
+    </p:spTree>
+    <p:extLst>
+      <p:ext uri="{BB962C8B-B14F-4D97-AF65-F5344CB8AC3E}">
+        <p14:creationId xmlns:p14="http://schemas.microsoft.com/office/powerpoint/2010/main" val="366265030"/>
+      </p:ext>
+    </p:extLst>
+  </p:cSld>
+  <p:clrMapOvr>
+    <a:masterClrMapping/>
+  </p:clrMapOvr>
+  <p:timing>
+    <p:tnLst>
+      <p:par>
+        <p:cTn id="1" dur="indefinite" restart="never" nodeType="tmRoot">
+          <p:childTnLst>
+            <p:seq concurrent="1" nextAc="seek">
+              <p:cTn id="2" dur="indefinite" nodeType="mainSeq">
+                <p:childTnLst>
+                  <p:par>
+                    <p:cTn id="3" fill="hold">
+                      <p:stCondLst>
+                        <p:cond delay="indefinite"/>
+                      </p:stCondLst>
+                      <p:childTnLst>
+                        <p:par>
+                          <p:cTn id="4" fill="hold">
+                            <p:stCondLst>
+                              <p:cond delay="0"/>
+                            </p:stCondLst>
+                            <p:childTnLst>
+                              <p:par>
+                                <p:cTn id="5" presetID="1" presetClass="entr" presetSubtype="0" fill="hold" grpId="0" nodeType="clickEffect">
+                                  <p:stCondLst>
+                                    <p:cond delay="0"/>
+                                  </p:stCondLst>
+                                  <p:childTnLst>
+                                    <p:set>
+                                      <p:cBhvr>
+                                        <p:cTn id="6" dur="1" fill="hold">
+                                          <p:stCondLst>
+                                            <p:cond delay="0"/>
+                                          </p:stCondLst>
+                                        </p:cTn>
+                                        <p:tgtEl>
+                                          <p:spTgt spid="3">
+                                            <p:txEl>
+                                              <p:pRg st="0" end="0"/>
+                                            </p:txEl>
+                                          </p:spTgt>
+                                        </p:tgtEl>
+                                        <p:attrNameLst>
+                                          <p:attrName>style.visibility</p:attrName>
+                                        </p:attrNameLst>
+                                      </p:cBhvr>
+                                      <p:to>
+                                        <p:strVal val="visible"/>
+                                      </p:to>
+                                    </p:set>
+                                  </p:childTnLst>
+                                </p:cTn>
+                              </p:par>
+                            </p:childTnLst>
+                          </p:cTn>
+                        </p:par>
+                      </p:childTnLst>
+                    </p:cTn>
+                  </p:par>
+                  <p:par>
+                    <p:cTn id="7" fill="hold">
+                      <p:stCondLst>
+                        <p:cond delay="indefinite"/>
+                      </p:stCondLst>
+                      <p:childTnLst>
+                        <p:par>
+                          <p:cTn id="8" fill="hold">
+                            <p:stCondLst>
+                              <p:cond delay="0"/>
+                            </p:stCondLst>
+                            <p:childTnLst>
+                              <p:par>
+                                <p:cTn id="9" presetID="1" presetClass="entr" presetSubtype="0" fill="hold" grpId="0" nodeType="clickEffect">
+                                  <p:stCondLst>
+                                    <p:cond delay="0"/>
+                                  </p:stCondLst>
+                                  <p:childTnLst>
+                                    <p:set>
+                                      <p:cBhvr>
+                                        <p:cTn id="10" dur="1" fill="hold">
+                                          <p:stCondLst>
+                                            <p:cond delay="0"/>
+                                          </p:stCondLst>
+                                        </p:cTn>
+                                        <p:tgtEl>
+                                          <p:spTgt spid="3">
+                                            <p:txEl>
+                                              <p:pRg st="1" end="1"/>
+                                            </p:txEl>
+                                          </p:spTgt>
+                                        </p:tgtEl>
+                                        <p:attrNameLst>
+                                          <p:attrName>style.visibility</p:attrName>
+                                        </p:attrNameLst>
+                                      </p:cBhvr>
+                                      <p:to>
+                                        <p:strVal val="visible"/>
+                                      </p:to>
+                                    </p:set>
+                                  </p:childTnLst>
+                                </p:cTn>
+                              </p:par>
+                              <p:par>
+                                <p:cTn id="11" presetID="1" presetClass="entr" presetSubtype="0" fill="hold" grpId="0" nodeType="withEffect">
+                                  <p:stCondLst>
+                                    <p:cond delay="0"/>
+                                  </p:stCondLst>
+                                  <p:childTnLst>
+                                    <p:set>
+                                      <p:cBhvr>
+                                        <p:cTn id="12" dur="1" fill="hold">
+                                          <p:stCondLst>
+                                            <p:cond delay="0"/>
+                                          </p:stCondLst>
+                                        </p:cTn>
+                                        <p:tgtEl>
+                                          <p:spTgt spid="3">
+                                            <p:txEl>
+                                              <p:pRg st="2" end="2"/>
+                                            </p:txEl>
+                                          </p:spTgt>
+                                        </p:tgtEl>
+                                        <p:attrNameLst>
+                                          <p:attrName>style.visibility</p:attrName>
+                                        </p:attrNameLst>
+                                      </p:cBhvr>
+                                      <p:to>
+                                        <p:strVal val="visible"/>
+                                      </p:to>
+                                    </p:set>
+                                  </p:childTnLst>
+                                </p:cTn>
+                              </p:par>
+                            </p:childTnLst>
+                          </p:cTn>
+                        </p:par>
+                      </p:childTnLst>
+                    </p:cTn>
+                  </p:par>
+                  <p:par>
+                    <p:cTn id="13" fill="hold">
+                      <p:stCondLst>
+                        <p:cond delay="indefinite"/>
+                      </p:stCondLst>
+                      <p:childTnLst>
+                        <p:par>
+                          <p:cTn id="14" fill="hold">
+                            <p:stCondLst>
+                              <p:cond delay="0"/>
+                            </p:stCondLst>
+                            <p:childTnLst>
+                              <p:par>
+                                <p:cTn id="15" presetID="1" presetClass="entr" presetSubtype="0" fill="hold" grpId="0" nodeType="clickEffect">
+                                  <p:stCondLst>
+                                    <p:cond delay="0"/>
+                                  </p:stCondLst>
+                                  <p:childTnLst>
+                                    <p:set>
+                                      <p:cBhvr>
+                                        <p:cTn id="16" dur="1" fill="hold">
+                                          <p:stCondLst>
+                                            <p:cond delay="0"/>
+                                          </p:stCondLst>
+                                        </p:cTn>
+                                        <p:tgtEl>
+                                          <p:spTgt spid="3">
+                                            <p:txEl>
+                                              <p:pRg st="3" end="3"/>
+                                            </p:txEl>
+                                          </p:spTgt>
+                                        </p:tgtEl>
+                                        <p:attrNameLst>
+                                          <p:attrName>style.visibility</p:attrName>
+                                        </p:attrNameLst>
+                                      </p:cBhvr>
+                                      <p:to>
+                                        <p:strVal val="visible"/>
+                                      </p:to>
+                                    </p:set>
+                                  </p:childTnLst>
+                                </p:cTn>
+                              </p:par>
+                              <p:par>
+                                <p:cTn id="17" presetID="1" presetClass="entr" presetSubtype="0" fill="hold" grpId="0" nodeType="withEffect">
+                                  <p:stCondLst>
+                                    <p:cond delay="0"/>
+                                  </p:stCondLst>
+                                  <p:childTnLst>
+                                    <p:set>
+                                      <p:cBhvr>
+                                        <p:cTn id="18" dur="1" fill="hold">
+                                          <p:stCondLst>
+                                            <p:cond delay="0"/>
+                                          </p:stCondLst>
+                                        </p:cTn>
+                                        <p:tgtEl>
+                                          <p:spTgt spid="3">
+                                            <p:txEl>
+                                              <p:pRg st="4" end="4"/>
+                                            </p:txEl>
+                                          </p:spTgt>
+                                        </p:tgtEl>
+                                        <p:attrNameLst>
+                                          <p:attrName>style.visibility</p:attrName>
+                                        </p:attrNameLst>
+                                      </p:cBhvr>
+                                      <p:to>
+                                        <p:strVal val="visible"/>
+                                      </p:to>
+                                    </p:set>
+                                  </p:childTnLst>
+                                </p:cTn>
+                              </p:par>
+                            </p:childTnLst>
+                          </p:cTn>
+                        </p:par>
+                      </p:childTnLst>
+                    </p:cTn>
+                  </p:par>
+                  <p:par>
+                    <p:cTn id="19" fill="hold">
+                      <p:stCondLst>
+                        <p:cond delay="indefinite"/>
+                      </p:stCondLst>
+                      <p:childTnLst>
+                        <p:par>
+                          <p:cTn id="20" fill="hold">
+                            <p:stCondLst>
+                              <p:cond delay="0"/>
+                            </p:stCondLst>
+                            <p:childTnLst>
+                              <p:par>
+                                <p:cTn id="21" presetID="1" presetClass="entr" presetSubtype="0" fill="hold" grpId="0" nodeType="clickEffect">
+                                  <p:stCondLst>
+                                    <p:cond delay="0"/>
+                                  </p:stCondLst>
+                                  <p:childTnLst>
+                                    <p:set>
+                                      <p:cBhvr>
+                                        <p:cTn id="22" dur="1" fill="hold">
+                                          <p:stCondLst>
+                                            <p:cond delay="0"/>
+                                          </p:stCondLst>
+                                        </p:cTn>
+                                        <p:tgtEl>
+                                          <p:spTgt spid="3">
+                                            <p:txEl>
+                                              <p:pRg st="5" end="5"/>
+                                            </p:txEl>
+                                          </p:spTgt>
+                                        </p:tgtEl>
+                                        <p:attrNameLst>
+                                          <p:attrName>style.visibility</p:attrName>
+                                        </p:attrNameLst>
+                                      </p:cBhvr>
+                                      <p:to>
+                                        <p:strVal val="visible"/>
+                                      </p:to>
+                                    </p:set>
+                                  </p:childTnLst>
+                                </p:cTn>
+                              </p:par>
+                              <p:par>
+                                <p:cTn id="23" presetID="1" presetClass="entr" presetSubtype="0" fill="hold" grpId="0" nodeType="withEffect">
+                                  <p:stCondLst>
+                                    <p:cond delay="0"/>
+                                  </p:stCondLst>
+                                  <p:childTnLst>
+                                    <p:set>
+                                      <p:cBhvr>
+                                        <p:cTn id="24" dur="1" fill="hold">
+                                          <p:stCondLst>
+                                            <p:cond delay="0"/>
+                                          </p:stCondLst>
+                                        </p:cTn>
+                                        <p:tgtEl>
+                                          <p:spTgt spid="3">
+                                            <p:txEl>
+                                              <p:pRg st="6" end="6"/>
+                                            </p:txEl>
+                                          </p:spTgt>
+                                        </p:tgtEl>
+                                        <p:attrNameLst>
+                                          <p:attrName>style.visibility</p:attrName>
+                                        </p:attrNameLst>
+                                      </p:cBhvr>
+                                      <p:to>
+                                        <p:strVal val="visible"/>
+                                      </p:to>
+                                    </p:set>
+                                  </p:childTnLst>
+                                </p:cTn>
+                              </p:par>
+                            </p:childTnLst>
+                          </p:cTn>
+                        </p:par>
+                      </p:childTnLst>
+                    </p:cTn>
+                  </p:par>
+                  <p:par>
+                    <p:cTn id="25" fill="hold">
+                      <p:stCondLst>
+                        <p:cond delay="indefinite"/>
+                      </p:stCondLst>
+                      <p:childTnLst>
+                        <p:par>
+                          <p:cTn id="26" fill="hold">
+                            <p:stCondLst>
+                              <p:cond delay="0"/>
+                            </p:stCondLst>
+                            <p:childTnLst>
+                              <p:par>
+                                <p:cTn id="27" presetID="1" presetClass="entr" presetSubtype="0" fill="hold" grpId="0" nodeType="clickEffect">
+                                  <p:stCondLst>
+                                    <p:cond delay="0"/>
+                                  </p:stCondLst>
+                                  <p:childTnLst>
+                                    <p:set>
+                                      <p:cBhvr>
+                                        <p:cTn id="28" dur="1" fill="hold">
+                                          <p:stCondLst>
+                                            <p:cond delay="0"/>
+                                          </p:stCondLst>
+                                        </p:cTn>
+                                        <p:tgtEl>
+                                          <p:spTgt spid="3">
+                                            <p:txEl>
+                                              <p:pRg st="7" end="7"/>
+                                            </p:txEl>
+                                          </p:spTgt>
+                                        </p:tgtEl>
+                                        <p:attrNameLst>
+                                          <p:attrName>style.visibility</p:attrName>
+                                        </p:attrNameLst>
+                                      </p:cBhvr>
+                                      <p:to>
+                                        <p:strVal val="visible"/>
+                                      </p:to>
+                                    </p:set>
+                                  </p:childTnLst>
+                                </p:cTn>
+                              </p:par>
+                              <p:par>
+                                <p:cTn id="29" presetID="1" presetClass="entr" presetSubtype="0" fill="hold" grpId="0" nodeType="withEffect">
+                                  <p:stCondLst>
+                                    <p:cond delay="0"/>
+                                  </p:stCondLst>
+                                  <p:childTnLst>
+                                    <p:set>
+                                      <p:cBhvr>
+                                        <p:cTn id="30" dur="1" fill="hold">
+                                          <p:stCondLst>
+                                            <p:cond delay="0"/>
+                                          </p:stCondLst>
+                                        </p:cTn>
+                                        <p:tgtEl>
+                                          <p:spTgt spid="3">
+                                            <p:txEl>
+                                              <p:pRg st="8" end="8"/>
+                                            </p:txEl>
+                                          </p:spTgt>
+                                        </p:tgtEl>
+                                        <p:attrNameLst>
+                                          <p:attrName>style.visibility</p:attrName>
+                                        </p:attrNameLst>
+                                      </p:cBhvr>
+                                      <p:to>
+                                        <p:strVal val="visible"/>
+                                      </p:to>
+                                    </p:set>
+                                  </p:childTnLst>
+                                </p:cTn>
+                              </p:par>
+                            </p:childTnLst>
+                          </p:cTn>
+                        </p:par>
+                      </p:childTnLst>
+                    </p:cTn>
+                  </p:par>
+                  <p:par>
+                    <p:cTn id="31" fill="hold">
+                      <p:stCondLst>
+                        <p:cond delay="indefinite"/>
+                      </p:stCondLst>
+                      <p:childTnLst>
+                        <p:par>
+                          <p:cTn id="32" fill="hold">
+                            <p:stCondLst>
+                              <p:cond delay="0"/>
+                            </p:stCondLst>
+                            <p:childTnLst>
+                              <p:par>
+                                <p:cTn id="33" presetID="1" presetClass="entr" presetSubtype="0" fill="hold" grpId="0" nodeType="clickEffect">
+                                  <p:stCondLst>
+                                    <p:cond delay="0"/>
+                                  </p:stCondLst>
+                                  <p:childTnLst>
+                                    <p:set>
+                                      <p:cBhvr>
+                                        <p:cTn id="34" dur="1" fill="hold">
+                                          <p:stCondLst>
+                                            <p:cond delay="0"/>
+                                          </p:stCondLst>
+                                        </p:cTn>
+                                        <p:tgtEl>
+                                          <p:spTgt spid="3">
+                                            <p:txEl>
+                                              <p:pRg st="9" end="9"/>
+                                            </p:txEl>
+                                          </p:spTgt>
+                                        </p:tgtEl>
+                                        <p:attrNameLst>
+                                          <p:attrName>style.visibility</p:attrName>
+                                        </p:attrNameLst>
+                                      </p:cBhvr>
+                                      <p:to>
+                                        <p:strVal val="visible"/>
+                                      </p:to>
+                                    </p:set>
+                                  </p:childTnLst>
+                                </p:cTn>
+                              </p:par>
+                            </p:childTnLst>
+                          </p:cTn>
+                        </p:par>
+                      </p:childTnLst>
+                    </p:cTn>
+                  </p:par>
+                </p:childTnLst>
+              </p:cTn>
+              <p:prevCondLst>
+                <p:cond evt="onPrev" delay="0">
+                  <p:tgtEl>
+                    <p:sldTgt/>
+                  </p:tgtEl>
+                </p:cond>
+              </p:prevCondLst>
+              <p:nextCondLst>
+                <p:cond evt="onNext" delay="0">
+                  <p:tgtEl>
+                    <p:sldTgt/>
+                  </p:tgtEl>
+                </p:cond>
+              </p:nextCondLst>
+            </p:seq>
+          </p:childTnLst>
+        </p:cTn>
+      </p:par>
+    </p:tnLst>
+    <p:bldLst>
+      <p:bldP spid="3" grpId="0" uiExpand="1" build="p"/>
+    </p:bldLst>
+  </p:timing>
+</p:sld>
+</file>
+
+<file path=ppt/slides/slide15.xml><?xml version="1.0" encoding="utf-8"?>
+<p:sld xmlns:a="http://schemas.openxmlformats.org/drawingml/2006/main" xmlns:r="http://schemas.openxmlformats.org/officeDocument/2006/relationships" xmlns:p="http://schemas.openxmlformats.org/presentationml/2006/main">
+  <p:cSld>
+    <p:spTree>
+      <p:nvGrpSpPr>
+        <p:cNvPr id="1" name=""/>
+        <p:cNvGrpSpPr/>
+        <p:nvPr/>
+      </p:nvGrpSpPr>
+      <p:grpSpPr>
+        <a:xfrm>
+          <a:off x="0" y="0"/>
+          <a:ext cx="0" cy="0"/>
+          <a:chOff x="0" y="0"/>
+          <a:chExt cx="0" cy="0"/>
+        </a:xfrm>
+      </p:grpSpPr>
+      <p:sp>
+        <p:nvSpPr>
+          <p:cNvPr id="2" name="Title 1"/>
+          <p:cNvSpPr>
+            <a:spLocks noGrp="1"/>
+          </p:cNvSpPr>
+          <p:nvPr>
+            <p:ph type="title"/>
+          </p:nvPr>
+        </p:nvSpPr>
+        <p:spPr/>
+        <p:txBody>
+          <a:bodyPr/>
+          <a:lstStyle/>
+          <a:p>
+            <a:r>
+              <a:rPr lang="en-US" dirty="0" smtClean="0">
+                <a:solidFill>
+                  <a:srgbClr val="0070C0"/>
+                </a:solidFill>
+              </a:rPr>
+              <a:t>VC-theorem Proof</a:t>
+            </a:r>
+            <a:endParaRPr lang="en-US" dirty="0">
+              <a:solidFill>
+                <a:srgbClr val="0070C0"/>
+              </a:solidFill>
+            </a:endParaRPr>
+          </a:p>
+        </p:txBody>
+      </p:sp>
+      <mc:AlternateContent xmlns:mc="http://schemas.openxmlformats.org/markup-compatibility/2006">
+        <mc:Choice xmlns:a14="http://schemas.microsoft.com/office/drawing/2010/main" Requires="a14">
+          <p:sp>
+            <p:nvSpPr>
+              <p:cNvPr id="3" name="Content Placeholder 2"/>
+              <p:cNvSpPr>
+                <a:spLocks noGrp="1"/>
+              </p:cNvSpPr>
+              <p:nvPr>
+                <p:ph idx="1"/>
+              </p:nvPr>
+            </p:nvSpPr>
+            <p:spPr>
+              <a:xfrm>
+                <a:off x="452120" y="1371600"/>
+                <a:ext cx="8686800" cy="5257800"/>
+              </a:xfrm>
+            </p:spPr>
+            <p:txBody>
+              <a:bodyPr>
+                <a:normAutofit lnSpcReduction="10000"/>
+              </a:bodyPr>
+              <a:lstStyle/>
+              <a:p>
+                <a:r>
+                  <a:rPr lang="en-US" dirty="0" smtClean="0"/>
+                  <a:t>Suffices to show that </a:t>
+                </a:r>
+                <a14:m>
+                  <m:oMath xmlns:m="http://schemas.openxmlformats.org/officeDocument/2006/math">
+                    <m:r>
+                      <a:rPr lang="en-US" i="1" dirty="0" smtClean="0">
+                        <a:latin typeface="Cambria Math"/>
+                      </a:rPr>
+                      <m:t>𝑃𝑟</m:t>
+                    </m:r>
+                    <m:d>
+                      <m:dPr>
+                        <m:begChr m:val="["/>
+                        <m:endChr m:val="]"/>
+                        <m:ctrlPr>
+                          <a:rPr lang="en-US" b="0" i="1" dirty="0" smtClean="0">
+                            <a:latin typeface="Cambria Math"/>
+                          </a:rPr>
+                        </m:ctrlPr>
+                      </m:dPr>
+                      <m:e>
+                        <m:r>
+                          <a:rPr lang="en-US" b="0" i="1" dirty="0" smtClean="0">
+                            <a:latin typeface="Cambria Math"/>
+                          </a:rPr>
+                          <m:t>𝐵</m:t>
+                        </m:r>
+                      </m:e>
+                    </m:d>
+                    <m:r>
+                      <a:rPr lang="en-US" b="0" i="1" dirty="0" smtClean="0">
+                        <a:latin typeface="Cambria Math"/>
+                      </a:rPr>
+                      <m:t>≤</m:t>
+                    </m:r>
+                    <m:r>
+                      <a:rPr lang="en-US" b="0" i="1" dirty="0" smtClean="0">
+                        <a:solidFill>
+                          <a:srgbClr val="FF0000"/>
+                        </a:solidFill>
+                        <a:latin typeface="Cambria Math"/>
+                      </a:rPr>
+                      <m:t>𝛿</m:t>
+                    </m:r>
+                    <m:r>
+                      <a:rPr lang="en-US" b="0" i="1" dirty="0" smtClean="0">
+                        <a:latin typeface="Cambria Math"/>
+                      </a:rPr>
+                      <m:t>/2</m:t>
+                    </m:r>
+                  </m:oMath>
+                </a14:m>
+                <a:endParaRPr lang="en-US" dirty="0" smtClean="0"/>
+              </a:p>
+              <a:p>
+                <a:r>
+                  <a:rPr lang="en-US" dirty="0" smtClean="0"/>
+                  <a:t>Consider drawing </a:t>
+                </a:r>
+                <a14:m>
+                  <m:oMath xmlns:m="http://schemas.openxmlformats.org/officeDocument/2006/math">
+                    <m:r>
+                      <a:rPr lang="en-US" i="1" dirty="0" smtClean="0">
+                        <a:latin typeface="Cambria Math"/>
+                      </a:rPr>
+                      <m:t>2</m:t>
+                    </m:r>
+                    <m:r>
+                      <a:rPr lang="en-US" i="1" dirty="0" smtClean="0">
+                        <a:latin typeface="Cambria Math"/>
+                      </a:rPr>
+                      <m:t>𝑛</m:t>
+                    </m:r>
+                  </m:oMath>
+                </a14:m>
+                <a:r>
+                  <a:rPr lang="en-US" dirty="0" smtClean="0"/>
+                  <a:t> samples </a:t>
+                </a:r>
+                <a14:m>
+                  <m:oMath xmlns:m="http://schemas.openxmlformats.org/officeDocument/2006/math">
+                    <m:sSup>
+                      <m:sSupPr>
+                        <m:ctrlPr>
+                          <a:rPr lang="en-US" b="0" i="1" smtClean="0">
+                            <a:latin typeface="Cambria Math"/>
+                          </a:rPr>
+                        </m:ctrlPr>
+                      </m:sSupPr>
+                      <m:e>
+                        <m:r>
+                          <a:rPr lang="en-US" b="0" i="1" smtClean="0">
+                            <a:latin typeface="Cambria Math"/>
+                          </a:rPr>
+                          <m:t>𝑆</m:t>
+                        </m:r>
+                      </m:e>
+                      <m:sup>
+                        <m:r>
+                          <a:rPr lang="en-US" b="0" i="1" smtClean="0">
+                            <a:latin typeface="Cambria Math"/>
+                          </a:rPr>
+                          <m:t>′′</m:t>
+                        </m:r>
+                      </m:sup>
+                    </m:sSup>
+                  </m:oMath>
+                </a14:m>
+                <a:r>
+                  <a:rPr lang="en-US" dirty="0" smtClean="0"/>
+                  <a:t> and then randomly partitioning into </a:t>
+                </a:r>
+                <a14:m>
+                  <m:oMath xmlns:m="http://schemas.openxmlformats.org/officeDocument/2006/math">
+                    <m:sSup>
+                      <m:sSupPr>
+                        <m:ctrlPr>
+                          <a:rPr lang="en-US" b="0" i="1" smtClean="0">
+                            <a:latin typeface="Cambria Math"/>
+                          </a:rPr>
+                        </m:ctrlPr>
+                      </m:sSupPr>
+                      <m:e>
+                        <m:r>
+                          <a:rPr lang="en-US" b="0" i="1" smtClean="0">
+                            <a:latin typeface="Cambria Math"/>
+                          </a:rPr>
+                          <m:t>𝑆</m:t>
+                        </m:r>
+                      </m:e>
+                      <m:sup>
+                        <m:r>
+                          <a:rPr lang="en-US" b="0" i="1" smtClean="0">
+                            <a:latin typeface="Cambria Math"/>
+                          </a:rPr>
+                          <m:t>′</m:t>
+                        </m:r>
+                      </m:sup>
+                    </m:sSup>
+                  </m:oMath>
+                </a14:m>
+                <a:r>
+                  <a:rPr lang="en-US" dirty="0" smtClean="0"/>
+                  <a:t> and </a:t>
+                </a:r>
+                <a14:m>
+                  <m:oMath xmlns:m="http://schemas.openxmlformats.org/officeDocument/2006/math">
+                    <m:r>
+                      <a:rPr lang="en-US" b="0" i="1" smtClean="0">
+                        <a:latin typeface="Cambria Math"/>
+                      </a:rPr>
+                      <m:t>𝑆</m:t>
+                    </m:r>
+                  </m:oMath>
+                </a14:m>
+                <a:endParaRPr lang="en-US" dirty="0" smtClean="0"/>
+              </a:p>
+              <a:p>
+                <a14:m>
+                  <m:oMath xmlns:m="http://schemas.openxmlformats.org/officeDocument/2006/math">
+                    <m:sSup>
+                      <m:sSupPr>
+                        <m:ctrlPr>
+                          <a:rPr lang="en-US" b="0" i="1" dirty="0" smtClean="0">
+                            <a:latin typeface="Cambria Math"/>
+                          </a:rPr>
+                        </m:ctrlPr>
+                      </m:sSupPr>
+                      <m:e>
+                        <m:r>
+                          <a:rPr lang="en-US" i="1" dirty="0" smtClean="0">
+                            <a:latin typeface="Cambria Math"/>
+                          </a:rPr>
+                          <m:t>𝐵</m:t>
+                        </m:r>
+                      </m:e>
+                      <m:sup>
+                        <m:r>
+                          <a:rPr lang="en-US" b="0" i="1" dirty="0" smtClean="0">
+                            <a:latin typeface="Cambria Math"/>
+                          </a:rPr>
+                          <m:t>∗</m:t>
+                        </m:r>
+                      </m:sup>
+                    </m:sSup>
+                    <m:r>
+                      <a:rPr lang="en-US" b="0" i="0" dirty="0" smtClean="0">
+                        <a:latin typeface="Cambria Math"/>
+                      </a:rPr>
+                      <m:t>:</m:t>
+                    </m:r>
+                  </m:oMath>
+                </a14:m>
+                <a:r>
+                  <a:rPr lang="en-US" dirty="0" smtClean="0"/>
+                  <a:t> same as </a:t>
+                </a:r>
+                <a14:m>
+                  <m:oMath xmlns:m="http://schemas.openxmlformats.org/officeDocument/2006/math">
+                    <m:r>
+                      <a:rPr lang="en-US" b="0" i="1" smtClean="0">
+                        <a:latin typeface="Cambria Math"/>
+                      </a:rPr>
+                      <m:t>𝐵</m:t>
+                    </m:r>
+                  </m:oMath>
+                </a14:m>
+                <a:r>
+                  <a:rPr lang="en-US" dirty="0" smtClean="0"/>
+                  <a:t> for such </a:t>
+                </a:r>
+                <a14:m>
+                  <m:oMath xmlns:m="http://schemas.openxmlformats.org/officeDocument/2006/math">
+                    <m:sSup>
+                      <m:sSupPr>
+                        <m:ctrlPr>
+                          <a:rPr lang="en-US" b="0" i="1" smtClean="0">
+                            <a:latin typeface="Cambria Math"/>
+                          </a:rPr>
+                        </m:ctrlPr>
+                      </m:sSupPr>
+                      <m:e>
+                        <m:r>
+                          <a:rPr lang="en-US" b="0" i="1" smtClean="0">
+                            <a:latin typeface="Cambria Math"/>
+                          </a:rPr>
+                          <m:t>(</m:t>
+                        </m:r>
+                        <m:r>
+                          <a:rPr lang="en-US" b="0" i="1" smtClean="0">
+                            <a:latin typeface="Cambria Math"/>
+                          </a:rPr>
+                          <m:t>𝑆</m:t>
+                        </m:r>
+                      </m:e>
+                      <m:sup>
+                        <m:r>
+                          <a:rPr lang="en-US" b="0" i="1" smtClean="0">
+                            <a:latin typeface="Cambria Math"/>
+                          </a:rPr>
+                          <m:t>′</m:t>
+                        </m:r>
+                      </m:sup>
+                    </m:sSup>
+                  </m:oMath>
+                </a14:m>
+                <a:r>
+                  <a:rPr lang="en-US" dirty="0" smtClean="0"/>
+                  <a:t>,</a:t>
+                </a:r>
+                <a14:m>
+                  <m:oMath xmlns:m="http://schemas.openxmlformats.org/officeDocument/2006/math">
+                    <m:r>
+                      <a:rPr lang="en-US" b="0" i="1" smtClean="0">
+                        <a:latin typeface="Cambria Math"/>
+                      </a:rPr>
+                      <m:t>𝑆</m:t>
+                    </m:r>
+                    <m:r>
+                      <a:rPr lang="en-US" b="0" i="1" smtClean="0">
+                        <a:latin typeface="Cambria Math"/>
+                      </a:rPr>
+                      <m:t>)⇒</m:t>
+                    </m:r>
+                    <m:func>
+                      <m:funcPr>
+                        <m:ctrlPr>
+                          <a:rPr lang="en-US" b="0" i="1" smtClean="0">
+                            <a:latin typeface="Cambria Math"/>
+                          </a:rPr>
+                        </m:ctrlPr>
+                      </m:funcPr>
+                      <m:fName>
+                        <m:r>
+                          <m:rPr>
+                            <m:sty m:val="p"/>
+                          </m:rPr>
+                          <a:rPr lang="en-US" b="0" i="0" smtClean="0">
+                            <a:latin typeface="Cambria Math"/>
+                          </a:rPr>
+                          <m:t>Pr</m:t>
+                        </m:r>
+                      </m:fName>
+                      <m:e>
+                        <m:d>
+                          <m:dPr>
+                            <m:begChr m:val="["/>
+                            <m:endChr m:val="]"/>
+                            <m:ctrlPr>
+                              <a:rPr lang="en-US" b="0" i="1" smtClean="0">
+                                <a:latin typeface="Cambria Math"/>
+                              </a:rPr>
+                            </m:ctrlPr>
+                          </m:dPr>
+                          <m:e>
+                            <m:sSup>
+                              <m:sSupPr>
+                                <m:ctrlPr>
+                                  <a:rPr lang="en-US" b="0" i="1" smtClean="0">
+                                    <a:latin typeface="Cambria Math"/>
+                                  </a:rPr>
+                                </m:ctrlPr>
+                              </m:sSupPr>
+                              <m:e>
+                                <m:r>
+                                  <a:rPr lang="en-US" b="0" i="1" smtClean="0">
+                                    <a:latin typeface="Cambria Math"/>
+                                  </a:rPr>
+                                  <m:t>𝐵</m:t>
+                                </m:r>
+                              </m:e>
+                              <m:sup>
+                                <m:r>
+                                  <a:rPr lang="en-US" b="0" i="1" smtClean="0">
+                                    <a:latin typeface="Cambria Math"/>
+                                  </a:rPr>
+                                  <m:t>∗</m:t>
+                                </m:r>
+                              </m:sup>
+                            </m:sSup>
+                          </m:e>
+                        </m:d>
+                      </m:e>
+                    </m:func>
+                    <m:r>
+                      <a:rPr lang="en-US" b="0" i="1" smtClean="0">
+                        <a:latin typeface="Cambria Math"/>
+                      </a:rPr>
+                      <m:t>=</m:t>
+                    </m:r>
+                    <m:func>
+                      <m:funcPr>
+                        <m:ctrlPr>
+                          <a:rPr lang="en-US" b="0" i="1" smtClean="0">
+                            <a:latin typeface="Cambria Math"/>
+                          </a:rPr>
+                        </m:ctrlPr>
+                      </m:funcPr>
+                      <m:fName>
+                        <m:r>
+                          <m:rPr>
+                            <m:sty m:val="p"/>
+                          </m:rPr>
+                          <a:rPr lang="en-US" b="0" i="0" smtClean="0">
+                            <a:latin typeface="Cambria Math"/>
+                          </a:rPr>
+                          <m:t>Pr</m:t>
+                        </m:r>
+                      </m:fName>
+                      <m:e>
+                        <m:d>
+                          <m:dPr>
+                            <m:begChr m:val="["/>
+                            <m:endChr m:val="]"/>
+                            <m:ctrlPr>
+                              <a:rPr lang="en-US" b="0" i="1" smtClean="0">
+                                <a:latin typeface="Cambria Math"/>
+                              </a:rPr>
+                            </m:ctrlPr>
+                          </m:dPr>
+                          <m:e>
+                            <m:r>
+                              <a:rPr lang="en-US" b="0" i="1" smtClean="0">
+                                <a:latin typeface="Cambria Math"/>
+                              </a:rPr>
+                              <m:t>𝐵</m:t>
+                            </m:r>
+                          </m:e>
+                        </m:d>
+                      </m:e>
+                    </m:func>
+                  </m:oMath>
+                </a14:m>
+                <a:endParaRPr lang="en-US" b="0" dirty="0" smtClean="0"/>
+              </a:p>
+              <a:p>
+                <a:r>
+                  <a:rPr lang="en-US" b="1" dirty="0" smtClean="0"/>
+                  <a:t>Will show:</a:t>
+                </a:r>
+                <a:r>
+                  <a:rPr lang="en-US" dirty="0" smtClean="0"/>
+                  <a:t> </a:t>
+                </a:r>
+                <a14:m>
+                  <m:oMath xmlns:m="http://schemas.openxmlformats.org/officeDocument/2006/math">
+                    <m:r>
+                      <a:rPr lang="en-US" b="0" i="1" smtClean="0">
+                        <a:latin typeface="Cambria Math"/>
+                      </a:rPr>
+                      <m:t>∀ </m:t>
+                    </m:r>
+                  </m:oMath>
+                </a14:m>
+                <a:r>
+                  <a:rPr lang="en-US" b="0" i="0" dirty="0" smtClean="0">
+                    <a:latin typeface="+mj-lt"/>
+                  </a:rPr>
+                  <a:t>fixed</a:t>
+                </a:r>
+                <a14:m>
+                  <m:oMath xmlns:m="http://schemas.openxmlformats.org/officeDocument/2006/math">
+                    <m:r>
+                      <a:rPr lang="en-US" b="0" i="1" smtClean="0">
+                        <a:latin typeface="Cambria Math"/>
+                      </a:rPr>
+                      <m:t> </m:t>
+                    </m:r>
+                    <m:sSup>
+                      <m:sSupPr>
+                        <m:ctrlPr>
+                          <a:rPr lang="en-US" b="0" i="1" smtClean="0">
+                            <a:latin typeface="Cambria Math"/>
+                          </a:rPr>
+                        </m:ctrlPr>
+                      </m:sSupPr>
+                      <m:e>
+                        <m:r>
+                          <a:rPr lang="en-US" b="0" i="1" smtClean="0">
+                            <a:latin typeface="Cambria Math"/>
+                          </a:rPr>
+                          <m:t>𝑆</m:t>
+                        </m:r>
+                      </m:e>
+                      <m:sup>
+                        <m:r>
+                          <a:rPr lang="en-US" b="0" i="1" smtClean="0">
+                            <a:latin typeface="Cambria Math"/>
+                          </a:rPr>
+                          <m:t>′′</m:t>
+                        </m:r>
+                      </m:sup>
+                    </m:sSup>
+                  </m:oMath>
+                </a14:m>
+                <a:r>
+                  <a:rPr lang="en-US" dirty="0" smtClean="0"/>
+                  <a:t> </a:t>
+                </a:r>
+                <a14:m>
+                  <m:oMath xmlns:m="http://schemas.openxmlformats.org/officeDocument/2006/math">
+                    <m:func>
+                      <m:funcPr>
+                        <m:ctrlPr>
+                          <a:rPr lang="en-US" b="0" i="1" smtClean="0">
+                            <a:latin typeface="Cambria Math"/>
+                          </a:rPr>
+                        </m:ctrlPr>
+                      </m:funcPr>
+                      <m:fName>
+                        <m:limLow>
+                          <m:limLowPr>
+                            <m:ctrlPr>
+                              <a:rPr lang="en-US" b="0" i="0" smtClean="0">
+                                <a:latin typeface="Cambria Math"/>
+                              </a:rPr>
+                            </m:ctrlPr>
+                          </m:limLowPr>
+                          <m:e>
+                            <m:r>
+                              <a:rPr lang="en-US" b="0" i="1" smtClean="0">
+                                <a:latin typeface="Cambria Math"/>
+                              </a:rPr>
+                              <m:t>𝑃𝑟</m:t>
+                            </m:r>
+                          </m:e>
+                          <m:lim>
+                            <m:r>
+                              <a:rPr lang="en-US" b="0" i="1" smtClean="0">
+                                <a:latin typeface="Cambria Math"/>
+                              </a:rPr>
+                              <m:t>𝑆</m:t>
+                            </m:r>
+                            <m:r>
+                              <a:rPr lang="en-US" b="0" i="0" smtClean="0">
+                                <a:latin typeface="Cambria Math"/>
+                              </a:rPr>
+                              <m:t>,</m:t>
+                            </m:r>
+                            <m:sSup>
+                              <m:sSupPr>
+                                <m:ctrlPr>
+                                  <a:rPr lang="en-US" b="0" i="0" smtClean="0">
+                                    <a:latin typeface="Cambria Math"/>
+                                  </a:rPr>
+                                </m:ctrlPr>
+                              </m:sSupPr>
+                              <m:e>
+                                <m:r>
+                                  <m:rPr>
+                                    <m:sty m:val="p"/>
+                                  </m:rPr>
+                                  <a:rPr lang="en-US" b="0" i="0" smtClean="0">
+                                    <a:latin typeface="Cambria Math"/>
+                                  </a:rPr>
+                                  <m:t>S</m:t>
+                                </m:r>
+                              </m:e>
+                              <m:sup>
+                                <m:r>
+                                  <a:rPr lang="en-US" b="0" i="0" smtClean="0">
+                                    <a:latin typeface="Cambria Math"/>
+                                  </a:rPr>
+                                  <m:t>′</m:t>
+                                </m:r>
+                              </m:sup>
+                            </m:sSup>
+                          </m:lim>
+                        </m:limLow>
+                      </m:fName>
+                      <m:e>
+                        <m:d>
+                          <m:dPr>
+                            <m:begChr m:val="["/>
+                            <m:endChr m:val="]"/>
+                            <m:ctrlPr>
+                              <a:rPr lang="en-US" b="0" i="1" smtClean="0">
+                                <a:latin typeface="Cambria Math"/>
+                              </a:rPr>
+                            </m:ctrlPr>
+                          </m:dPr>
+                          <m:e>
+                            <m:sSup>
+                              <m:sSupPr>
+                                <m:ctrlPr>
+                                  <a:rPr lang="en-US" b="0" i="1" smtClean="0">
+                                    <a:latin typeface="Cambria Math"/>
+                                  </a:rPr>
+                                </m:ctrlPr>
+                              </m:sSupPr>
+                              <m:e>
+                                <m:r>
+                                  <a:rPr lang="en-US" b="0" i="1" smtClean="0">
+                                    <a:latin typeface="Cambria Math"/>
+                                  </a:rPr>
+                                  <m:t>𝐵</m:t>
+                                </m:r>
+                              </m:e>
+                              <m:sup>
+                                <m:r>
+                                  <a:rPr lang="en-US" b="0" i="1" smtClean="0">
+                                    <a:latin typeface="Cambria Math"/>
+                                  </a:rPr>
+                                  <m:t>∗</m:t>
+                                </m:r>
+                              </m:sup>
+                            </m:sSup>
+                            <m:r>
+                              <a:rPr lang="en-US" b="0" i="1" smtClean="0">
+                                <a:latin typeface="Cambria Math"/>
+                              </a:rPr>
+                              <m:t>|</m:t>
+                            </m:r>
+                            <m:sSup>
+                              <m:sSupPr>
+                                <m:ctrlPr>
+                                  <a:rPr lang="en-US" b="0" i="1" smtClean="0">
+                                    <a:latin typeface="Cambria Math"/>
+                                  </a:rPr>
+                                </m:ctrlPr>
+                              </m:sSupPr>
+                              <m:e>
+                                <m:r>
+                                  <a:rPr lang="en-US" b="0" i="1" smtClean="0">
+                                    <a:latin typeface="Cambria Math"/>
+                                  </a:rPr>
+                                  <m:t>𝑆</m:t>
+                                </m:r>
+                              </m:e>
+                              <m:sup>
+                                <m:r>
+                                  <a:rPr lang="en-US" b="0" i="1" smtClean="0">
+                                    <a:latin typeface="Cambria Math"/>
+                                  </a:rPr>
+                                  <m:t>′′</m:t>
+                                </m:r>
+                              </m:sup>
+                            </m:sSup>
+                          </m:e>
+                        </m:d>
+                      </m:e>
+                    </m:func>
+                  </m:oMath>
+                </a14:m>
+                <a:r>
+                  <a:rPr lang="en-US" dirty="0" smtClean="0"/>
+                  <a:t> is small</a:t>
+                </a:r>
+              </a:p>
+              <a:p>
+                <a:r>
+                  <a:rPr lang="en-US" b="1" dirty="0" smtClean="0"/>
+                  <a:t>Key observation: </a:t>
+                </a:r>
+                <a:r>
+                  <a:rPr lang="en-US" dirty="0" smtClean="0"/>
+                  <a:t>once </a:t>
+                </a:r>
+                <a14:m>
+                  <m:oMath xmlns:m="http://schemas.openxmlformats.org/officeDocument/2006/math">
+                    <m:sSup>
+                      <m:sSupPr>
+                        <m:ctrlPr>
+                          <a:rPr lang="en-US" b="0" i="1" smtClean="0">
+                            <a:latin typeface="Cambria Math"/>
+                          </a:rPr>
+                        </m:ctrlPr>
+                      </m:sSupPr>
+                      <m:e>
+                        <m:r>
+                          <a:rPr lang="en-US" b="0" i="1" smtClean="0">
+                            <a:latin typeface="Cambria Math"/>
+                          </a:rPr>
+                          <m:t>𝑆</m:t>
+                        </m:r>
+                      </m:e>
+                      <m:sup>
+                        <m:r>
+                          <a:rPr lang="en-US" b="0" i="1" smtClean="0">
+                            <a:latin typeface="Cambria Math"/>
+                          </a:rPr>
+                          <m:t>′′</m:t>
+                        </m:r>
+                      </m:sup>
+                    </m:sSup>
+                  </m:oMath>
+                </a14:m>
+                <a:r>
+                  <a:rPr lang="en-US" dirty="0" smtClean="0"/>
+                  <a:t> is fixed there are only </a:t>
+                </a:r>
+                <a14:m>
+                  <m:oMath xmlns:m="http://schemas.openxmlformats.org/officeDocument/2006/math">
+                    <m:r>
+                      <a:rPr lang="en-US" b="0" i="0" smtClean="0">
+                        <a:latin typeface="Cambria Math"/>
+                      </a:rPr>
+                      <m:t>|</m:t>
+                    </m:r>
+                    <m:r>
+                      <a:rPr lang="en-US" b="0" i="1" smtClean="0">
+                        <a:latin typeface="Cambria Math"/>
+                      </a:rPr>
+                      <m:t>𝐻</m:t>
+                    </m:r>
+                    <m:d>
+                      <m:dPr>
+                        <m:begChr m:val="["/>
+                        <m:endChr m:val="]"/>
+                        <m:ctrlPr>
+                          <a:rPr lang="en-US" b="0" i="1" smtClean="0">
+                            <a:latin typeface="Cambria Math"/>
+                          </a:rPr>
+                        </m:ctrlPr>
+                      </m:dPr>
+                      <m:e>
+                        <m:sSup>
+                          <m:sSupPr>
+                            <m:ctrlPr>
+                              <a:rPr lang="en-US" b="0" i="1" smtClean="0">
+                                <a:latin typeface="Cambria Math"/>
+                              </a:rPr>
+                            </m:ctrlPr>
+                          </m:sSupPr>
+                          <m:e>
+                            <m:r>
+                              <a:rPr lang="en-US" b="0" i="1" smtClean="0">
+                                <a:latin typeface="Cambria Math"/>
+                              </a:rPr>
+                              <m:t>𝑆</m:t>
+                            </m:r>
+                          </m:e>
+                          <m:sup>
+                            <m:r>
+                              <a:rPr lang="en-US" b="0" i="1" smtClean="0">
+                                <a:latin typeface="Cambria Math"/>
+                              </a:rPr>
+                              <m:t>′′</m:t>
+                            </m:r>
+                          </m:sup>
+                        </m:sSup>
+                      </m:e>
+                    </m:d>
+                    <m:r>
+                      <a:rPr lang="en-US" b="0" i="1" smtClean="0">
+                        <a:latin typeface="Cambria Math"/>
+                      </a:rPr>
+                      <m:t>|≤</m:t>
+                    </m:r>
+                    <m:r>
+                      <a:rPr lang="en-US" b="0" i="1" smtClean="0">
+                        <a:latin typeface="Cambria Math"/>
+                      </a:rPr>
+                      <m:t>𝐻</m:t>
+                    </m:r>
+                    <m:r>
+                      <a:rPr lang="en-US" b="0" i="1" smtClean="0">
+                        <a:latin typeface="Cambria Math"/>
+                      </a:rPr>
+                      <m:t>(2</m:t>
+                    </m:r>
+                    <m:r>
+                      <a:rPr lang="en-US" b="0" i="1" smtClean="0">
+                        <a:latin typeface="Cambria Math"/>
+                      </a:rPr>
+                      <m:t>𝑛</m:t>
+                    </m:r>
+                    <m:r>
+                      <a:rPr lang="en-US" b="0" i="1" smtClean="0">
+                        <a:latin typeface="Cambria Math"/>
+                      </a:rPr>
+                      <m:t>)</m:t>
+                    </m:r>
+                  </m:oMath>
+                </a14:m>
+                <a:r>
+                  <a:rPr lang="en-US" dirty="0" smtClean="0"/>
+                  <a:t> events to care about</a:t>
+                </a:r>
+              </a:p>
+              <a:p>
+                <a:r>
+                  <a:rPr lang="en-US" dirty="0" smtClean="0"/>
+                  <a:t>Suffices: for every fixed </a:t>
+                </a:r>
+                <a14:m>
+                  <m:oMath xmlns:m="http://schemas.openxmlformats.org/officeDocument/2006/math">
+                    <m:r>
+                      <a:rPr lang="en-US" b="0" i="1" smtClean="0">
+                        <a:latin typeface="Cambria Math"/>
+                      </a:rPr>
+                      <m:t>h</m:t>
+                    </m:r>
+                    <m:r>
+                      <a:rPr lang="en-US" b="0" i="1" smtClean="0">
+                        <a:latin typeface="Cambria Math"/>
+                      </a:rPr>
+                      <m:t>∈</m:t>
+                    </m:r>
+                    <m:r>
+                      <a:rPr lang="en-US" b="0" i="1" smtClean="0">
+                        <a:latin typeface="Cambria Math"/>
+                      </a:rPr>
+                      <m:t>𝐻</m:t>
+                    </m:r>
+                    <m:d>
+                      <m:dPr>
+                        <m:begChr m:val="["/>
+                        <m:endChr m:val="]"/>
+                        <m:ctrlPr>
+                          <a:rPr lang="en-US" b="0" i="1" smtClean="0">
+                            <a:latin typeface="Cambria Math"/>
+                          </a:rPr>
+                        </m:ctrlPr>
+                      </m:dPr>
+                      <m:e>
+                        <m:sSup>
+                          <m:sSupPr>
+                            <m:ctrlPr>
+                              <a:rPr lang="en-US" b="0" i="1" smtClean="0">
+                                <a:latin typeface="Cambria Math"/>
+                              </a:rPr>
+                            </m:ctrlPr>
+                          </m:sSupPr>
+                          <m:e>
+                            <m:r>
+                              <a:rPr lang="en-US" b="0" i="1" smtClean="0">
+                                <a:latin typeface="Cambria Math"/>
+                              </a:rPr>
+                              <m:t>𝑆</m:t>
+                            </m:r>
+                          </m:e>
+                          <m:sup>
+                            <m:r>
+                              <a:rPr lang="en-US" b="0" i="1" smtClean="0">
+                                <a:latin typeface="Cambria Math"/>
+                              </a:rPr>
+                              <m:t>′′</m:t>
+                            </m:r>
+                          </m:sup>
+                        </m:sSup>
+                      </m:e>
+                    </m:d>
+                  </m:oMath>
+                </a14:m>
+                <a:r>
+                  <a:rPr lang="en-US" dirty="0" smtClean="0"/>
+                  <a:t>:</a:t>
+                </a:r>
+              </a:p>
+              <a:p>
+                <a:pPr marL="0" indent="0">
+                  <a:buNone/>
+                </a:pPr>
+                <a14:m>
+                  <m:oMathPara xmlns:m="http://schemas.openxmlformats.org/officeDocument/2006/math">
+                    <m:oMathParaPr>
+                      <m:jc m:val="centerGroup"/>
+                    </m:oMathParaPr>
+                    <m:oMath xmlns:m="http://schemas.openxmlformats.org/officeDocument/2006/math">
+                      <m:func>
+                        <m:funcPr>
+                          <m:ctrlPr>
+                            <a:rPr lang="en-US" b="0" i="1" smtClean="0">
+                              <a:latin typeface="Cambria Math"/>
+                            </a:rPr>
+                          </m:ctrlPr>
+                        </m:funcPr>
+                        <m:fName>
+                          <m:limLow>
+                            <m:limLowPr>
+                              <m:ctrlPr>
+                                <a:rPr lang="en-US" b="0" i="1" smtClean="0">
+                                  <a:latin typeface="Cambria Math"/>
+                                </a:rPr>
+                              </m:ctrlPr>
+                            </m:limLowPr>
+                            <m:e>
+                              <m:r>
+                                <a:rPr lang="en-US" b="0" i="1" smtClean="0">
+                                  <a:latin typeface="Cambria Math"/>
+                                </a:rPr>
+                                <m:t>𝑃𝑟</m:t>
+                              </m:r>
+                            </m:e>
+                            <m:lim>
+                              <m:r>
+                                <a:rPr lang="en-US" b="0" i="1" smtClean="0">
+                                  <a:latin typeface="Cambria Math"/>
+                                </a:rPr>
+                                <m:t>𝑆</m:t>
+                              </m:r>
+                              <m:r>
+                                <a:rPr lang="en-US" b="0" i="0" smtClean="0">
+                                  <a:latin typeface="Cambria Math"/>
+                                </a:rPr>
+                                <m:t>,</m:t>
+                              </m:r>
+                              <m:sSup>
+                                <m:sSupPr>
+                                  <m:ctrlPr>
+                                    <a:rPr lang="en-US" b="0" i="1" smtClean="0">
+                                      <a:latin typeface="Cambria Math"/>
+                                    </a:rPr>
+                                  </m:ctrlPr>
+                                </m:sSupPr>
+                                <m:e>
+                                  <m:r>
+                                    <m:rPr>
+                                      <m:sty m:val="p"/>
+                                    </m:rPr>
+                                    <a:rPr lang="en-US" b="0" i="0" smtClean="0">
+                                      <a:latin typeface="Cambria Math"/>
+                                    </a:rPr>
+                                    <m:t>S</m:t>
+                                  </m:r>
+                                </m:e>
+                                <m:sup>
+                                  <m:r>
+                                    <a:rPr lang="en-US" b="0" i="0" smtClean="0">
+                                      <a:latin typeface="Cambria Math"/>
+                                    </a:rPr>
+                                    <m:t>′</m:t>
+                                  </m:r>
+                                </m:sup>
+                              </m:sSup>
+                            </m:lim>
+                          </m:limLow>
+                        </m:fName>
+                        <m:e>
+                          <m:d>
+                            <m:dPr>
+                              <m:begChr m:val="["/>
+                              <m:endChr m:val="]"/>
+                              <m:ctrlPr>
+                                <a:rPr lang="en-US" b="0" i="0" smtClean="0">
+                                  <a:latin typeface="Cambria Math"/>
+                                </a:rPr>
+                              </m:ctrlPr>
+                            </m:dPr>
+                            <m:e>
+                              <m:sSup>
+                                <m:sSupPr>
+                                  <m:ctrlPr>
+                                    <a:rPr lang="en-US" b="0" i="0" smtClean="0">
+                                      <a:latin typeface="Cambria Math"/>
+                                    </a:rPr>
+                                  </m:ctrlPr>
+                                </m:sSupPr>
+                                <m:e>
+                                  <m:r>
+                                    <a:rPr lang="en-US" b="0" i="1" smtClean="0">
+                                      <a:latin typeface="+mj-lt"/>
+                                    </a:rPr>
+                                    <m:t>𝐵</m:t>
+                                  </m:r>
+                                </m:e>
+                                <m:sup>
+                                  <m:r>
+                                    <a:rPr lang="en-US" b="0" i="0" smtClean="0">
+                                      <a:latin typeface="+mj-lt"/>
+                                    </a:rPr>
+                                    <m:t>∗</m:t>
+                                  </m:r>
+                                </m:sup>
+                              </m:sSup>
+                              <m:r>
+                                <a:rPr lang="en-US" b="0" i="0" smtClean="0">
+                                  <a:latin typeface="+mj-lt"/>
+                                </a:rPr>
+                                <m:t>  </m:t>
+                              </m:r>
+                              <m:r>
+                                <m:rPr>
+                                  <m:sty m:val="p"/>
+                                </m:rPr>
+                                <a:rPr lang="en-US" b="0" i="0" smtClean="0">
+                                  <a:latin typeface="+mj-lt"/>
+                                </a:rPr>
+                                <m:t>occurs</m:t>
+                              </m:r>
+                              <m:r>
+                                <a:rPr lang="en-US" b="0" i="0" smtClean="0">
+                                  <a:latin typeface="+mj-lt"/>
+                                </a:rPr>
+                                <m:t> </m:t>
+                              </m:r>
+                              <m:r>
+                                <m:rPr>
+                                  <m:sty m:val="p"/>
+                                </m:rPr>
+                                <a:rPr lang="en-US" b="0" i="0" smtClean="0">
+                                  <a:latin typeface="+mj-lt"/>
+                                </a:rPr>
+                                <m:t>for</m:t>
+                              </m:r>
+                              <m:r>
+                                <a:rPr lang="en-US" b="0" i="0" smtClean="0">
+                                  <a:latin typeface="+mj-lt"/>
+                                </a:rPr>
+                                <m:t> </m:t>
+                              </m:r>
+                              <m:r>
+                                <a:rPr lang="en-US" b="0" i="1" smtClean="0">
+                                  <a:latin typeface="+mj-lt"/>
+                                </a:rPr>
+                                <m:t>h</m:t>
+                              </m:r>
+                              <m:r>
+                                <a:rPr lang="en-US" b="0" i="0" smtClean="0">
+                                  <a:latin typeface="+mj-lt"/>
+                                </a:rPr>
+                                <m:t> </m:t>
+                              </m:r>
+                            </m:e>
+                            <m:e>
+                              <m:sSup>
+                                <m:sSupPr>
+                                  <m:ctrlPr>
+                                    <a:rPr lang="en-US" b="0" i="1" smtClean="0">
+                                      <a:latin typeface="Cambria Math"/>
+                                    </a:rPr>
+                                  </m:ctrlPr>
+                                </m:sSupPr>
+                                <m:e>
+                                  <m:r>
+                                    <a:rPr lang="en-US" b="0" i="1" smtClean="0">
+                                      <a:latin typeface="+mj-lt"/>
+                                    </a:rPr>
+                                    <m:t>𝑆</m:t>
+                                  </m:r>
+                                </m:e>
+                                <m:sup>
+                                  <m:r>
+                                    <a:rPr lang="en-US" b="0" i="1" smtClean="0">
+                                      <a:latin typeface="+mj-lt"/>
+                                    </a:rPr>
+                                    <m:t>′′</m:t>
+                                  </m:r>
+                                </m:sup>
+                              </m:sSup>
+                              <m:r>
+                                <a:rPr lang="en-US" b="0" i="0" smtClean="0">
+                                  <a:latin typeface="+mj-lt"/>
+                                </a:rPr>
+                                <m:t> </m:t>
+                              </m:r>
+                            </m:e>
+                          </m:d>
+                        </m:e>
+                      </m:func>
+                      <m:r>
+                        <a:rPr lang="en-US" b="0" i="1" smtClean="0">
+                          <a:latin typeface="Cambria Math"/>
+                        </a:rPr>
+                        <m:t>≤</m:t>
+                      </m:r>
+                      <m:f>
+                        <m:fPr>
+                          <m:ctrlPr>
+                            <a:rPr lang="en-US" b="0" i="1" smtClean="0">
+                              <a:solidFill>
+                                <a:srgbClr val="FF0000"/>
+                              </a:solidFill>
+                              <a:latin typeface="Cambria Math"/>
+                            </a:rPr>
+                          </m:ctrlPr>
+                        </m:fPr>
+                        <m:num>
+                          <m:r>
+                            <a:rPr lang="en-US" b="0" i="1" smtClean="0">
+                              <a:solidFill>
+                                <a:srgbClr val="FF0000"/>
+                              </a:solidFill>
+                              <a:latin typeface="Cambria Math"/>
+                            </a:rPr>
+                            <m:t>𝛿</m:t>
+                          </m:r>
+                        </m:num>
+                        <m:den>
+                          <m:r>
+                            <a:rPr lang="en-US" b="0" i="1" smtClean="0">
+                              <a:latin typeface="Cambria Math"/>
+                            </a:rPr>
+                            <m:t>2</m:t>
+                          </m:r>
+                          <m:r>
+                            <a:rPr lang="en-US" b="0" i="1" smtClean="0">
+                              <a:latin typeface="Cambria Math"/>
+                            </a:rPr>
+                            <m:t>𝐻</m:t>
+                          </m:r>
+                          <m:d>
+                            <m:dPr>
+                              <m:ctrlPr>
+                                <a:rPr lang="en-US" b="0" i="1" smtClean="0">
+                                  <a:latin typeface="Cambria Math"/>
+                                </a:rPr>
+                              </m:ctrlPr>
+                            </m:dPr>
+                            <m:e>
+                              <m:r>
+                                <a:rPr lang="en-US" b="0" i="1" smtClean="0">
+                                  <a:latin typeface="Cambria Math"/>
+                                </a:rPr>
+                                <m:t>2</m:t>
+                              </m:r>
+                              <m:r>
+                                <a:rPr lang="en-US" b="0" i="1" smtClean="0">
+                                  <a:latin typeface="Cambria Math"/>
+                                </a:rPr>
+                                <m:t>𝑛</m:t>
+                              </m:r>
+                            </m:e>
+                          </m:d>
+                        </m:den>
+                      </m:f>
+                    </m:oMath>
+                  </m:oMathPara>
+                </a14:m>
+                <a:endParaRPr lang="en-US" dirty="0"/>
+              </a:p>
+            </p:txBody>
+          </p:sp>
+        </mc:Choice>
+        <mc:Fallback>
+          <p:sp>
+            <p:nvSpPr>
+              <p:cNvPr id="3" name="Content Placeholder 2"/>
+              <p:cNvSpPr>
+                <a:spLocks noGrp="1" noRot="1" noChangeAspect="1" noMove="1" noResize="1" noEditPoints="1" noAdjustHandles="1" noChangeArrowheads="1" noChangeShapeType="1" noTextEdit="1"/>
+              </p:cNvSpPr>
+              <p:nvPr>
+                <p:ph idx="1"/>
+              </p:nvPr>
+            </p:nvSpPr>
+            <p:spPr>
+              <a:xfrm>
+                <a:off x="452120" y="1371600"/>
+                <a:ext cx="8686800" cy="5257800"/>
+              </a:xfrm>
+              <a:blipFill rotWithShape="1">
+                <a:blip r:embed="rId2"/>
+                <a:stretch>
+                  <a:fillRect l="-1544" t="-2317" r="-70"/>
+                </a:stretch>
+              </a:blipFill>
+            </p:spPr>
+            <p:txBody>
+              <a:bodyPr/>
+              <a:lstStyle/>
+              <a:p>
+                <a:r>
+                  <a:rPr lang="en-US">
+                    <a:noFill/>
+                  </a:rPr>
+                  <a:t> </a:t>
+                </a:r>
+              </a:p>
+            </p:txBody>
+          </p:sp>
+        </mc:Fallback>
+      </mc:AlternateContent>
+    </p:spTree>
+    <p:extLst>
+      <p:ext uri="{BB962C8B-B14F-4D97-AF65-F5344CB8AC3E}">
+        <p14:creationId xmlns:p14="http://schemas.microsoft.com/office/powerpoint/2010/main" val="218202487"/>
+      </p:ext>
+    </p:extLst>
+  </p:cSld>
+  <p:clrMapOvr>
+    <a:masterClrMapping/>
+  </p:clrMapOvr>
+  <p:timing>
+    <p:tnLst>
+      <p:par>
+        <p:cTn id="1" dur="indefinite" restart="never" nodeType="tmRoot">
+          <p:childTnLst>
+            <p:seq concurrent="1" nextAc="seek">
+              <p:cTn id="2" dur="indefinite" nodeType="mainSeq">
+                <p:childTnLst>
+                  <p:par>
+                    <p:cTn id="3" fill="hold">
+                      <p:stCondLst>
+                        <p:cond delay="indefinite"/>
+                      </p:stCondLst>
+                      <p:childTnLst>
+                        <p:par>
+                          <p:cTn id="4" fill="hold">
+                            <p:stCondLst>
+                              <p:cond delay="0"/>
+                            </p:stCondLst>
+                            <p:childTnLst>
+                              <p:par>
+                                <p:cTn id="5" presetID="1" presetClass="entr" presetSubtype="0" fill="hold" grpId="0" nodeType="clickEffect">
+                                  <p:stCondLst>
+                                    <p:cond delay="0"/>
+                                  </p:stCondLst>
+                                  <p:childTnLst>
+                                    <p:set>
+                                      <p:cBhvr>
+                                        <p:cTn id="6" dur="1" fill="hold">
+                                          <p:stCondLst>
+                                            <p:cond delay="0"/>
+                                          </p:stCondLst>
+                                        </p:cTn>
+                                        <p:tgtEl>
+                                          <p:spTgt spid="3">
+                                            <p:txEl>
+                                              <p:pRg st="0" end="0"/>
+                                            </p:txEl>
+                                          </p:spTgt>
+                                        </p:tgtEl>
+                                        <p:attrNameLst>
+                                          <p:attrName>style.visibility</p:attrName>
+                                        </p:attrNameLst>
+                                      </p:cBhvr>
+                                      <p:to>
+                                        <p:strVal val="visible"/>
+                                      </p:to>
+                                    </p:set>
+                                  </p:childTnLst>
+                                </p:cTn>
+                              </p:par>
+                            </p:childTnLst>
+                          </p:cTn>
+                        </p:par>
+                      </p:childTnLst>
+                    </p:cTn>
+                  </p:par>
+                  <p:par>
+                    <p:cTn id="7" fill="hold">
+                      <p:stCondLst>
+                        <p:cond delay="indefinite"/>
+                      </p:stCondLst>
+                      <p:childTnLst>
+                        <p:par>
+                          <p:cTn id="8" fill="hold">
+                            <p:stCondLst>
+                              <p:cond delay="0"/>
+                            </p:stCondLst>
+                            <p:childTnLst>
+                              <p:par>
+                                <p:cTn id="9" presetID="1" presetClass="entr" presetSubtype="0" fill="hold" grpId="0" nodeType="clickEffect">
+                                  <p:stCondLst>
+                                    <p:cond delay="0"/>
+                                  </p:stCondLst>
+                                  <p:childTnLst>
+                                    <p:set>
+                                      <p:cBhvr>
+                                        <p:cTn id="10" dur="1" fill="hold">
+                                          <p:stCondLst>
+                                            <p:cond delay="0"/>
+                                          </p:stCondLst>
+                                        </p:cTn>
+                                        <p:tgtEl>
+                                          <p:spTgt spid="3">
+                                            <p:txEl>
+                                              <p:pRg st="1" end="1"/>
+                                            </p:txEl>
+                                          </p:spTgt>
+                                        </p:tgtEl>
+                                        <p:attrNameLst>
+                                          <p:attrName>style.visibility</p:attrName>
+                                        </p:attrNameLst>
+                                      </p:cBhvr>
+                                      <p:to>
+                                        <p:strVal val="visible"/>
+                                      </p:to>
+                                    </p:set>
+                                  </p:childTnLst>
+                                </p:cTn>
+                              </p:par>
+                            </p:childTnLst>
+                          </p:cTn>
+                        </p:par>
+                      </p:childTnLst>
+                    </p:cTn>
+                  </p:par>
+                  <p:par>
+                    <p:cTn id="11" fill="hold">
+                      <p:stCondLst>
+                        <p:cond delay="indefinite"/>
+                      </p:stCondLst>
+                      <p:childTnLst>
+                        <p:par>
+                          <p:cTn id="12" fill="hold">
+                            <p:stCondLst>
+                              <p:cond delay="0"/>
+                            </p:stCondLst>
+                            <p:childTnLst>
+                              <p:par>
+                                <p:cTn id="13" presetID="1" presetClass="entr" presetSubtype="0" fill="hold" grpId="0" nodeType="clickEffect">
+                                  <p:stCondLst>
+                                    <p:cond delay="0"/>
+                                  </p:stCondLst>
+                                  <p:childTnLst>
+                                    <p:set>
+                                      <p:cBhvr>
+                                        <p:cTn id="14" dur="1" fill="hold">
+                                          <p:stCondLst>
+                                            <p:cond delay="0"/>
+                                          </p:stCondLst>
+                                        </p:cTn>
+                                        <p:tgtEl>
+                                          <p:spTgt spid="3">
+                                            <p:txEl>
+                                              <p:pRg st="2" end="2"/>
+                                            </p:txEl>
+                                          </p:spTgt>
+                                        </p:tgtEl>
+                                        <p:attrNameLst>
+                                          <p:attrName>style.visibility</p:attrName>
+                                        </p:attrNameLst>
+                                      </p:cBhvr>
+                                      <p:to>
+                                        <p:strVal val="visible"/>
+                                      </p:to>
+                                    </p:set>
+                                  </p:childTnLst>
+                                </p:cTn>
+                              </p:par>
+                            </p:childTnLst>
+                          </p:cTn>
+                        </p:par>
+                      </p:childTnLst>
+                    </p:cTn>
+                  </p:par>
+                  <p:par>
+                    <p:cTn id="15" fill="hold">
+                      <p:stCondLst>
+                        <p:cond delay="indefinite"/>
+                      </p:stCondLst>
+                      <p:childTnLst>
+                        <p:par>
+                          <p:cTn id="16" fill="hold">
+                            <p:stCondLst>
+                              <p:cond delay="0"/>
+                            </p:stCondLst>
+                            <p:childTnLst>
+                              <p:par>
+                                <p:cTn id="17" presetID="1" presetClass="entr" presetSubtype="0" fill="hold" grpId="0" nodeType="clickEffect">
+                                  <p:stCondLst>
+                                    <p:cond delay="0"/>
+                                  </p:stCondLst>
+                                  <p:childTnLst>
+                                    <p:set>
+                                      <p:cBhvr>
+                                        <p:cTn id="18" dur="1" fill="hold">
+                                          <p:stCondLst>
+                                            <p:cond delay="0"/>
+                                          </p:stCondLst>
+                                        </p:cTn>
+                                        <p:tgtEl>
+                                          <p:spTgt spid="3">
+                                            <p:txEl>
+                                              <p:pRg st="3" end="3"/>
+                                            </p:txEl>
+                                          </p:spTgt>
+                                        </p:tgtEl>
+                                        <p:attrNameLst>
+                                          <p:attrName>style.visibility</p:attrName>
+                                        </p:attrNameLst>
+                                      </p:cBhvr>
+                                      <p:to>
+                                        <p:strVal val="visible"/>
+                                      </p:to>
+                                    </p:set>
+                                  </p:childTnLst>
+                                </p:cTn>
+                              </p:par>
+                            </p:childTnLst>
+                          </p:cTn>
+                        </p:par>
+                      </p:childTnLst>
+                    </p:cTn>
+                  </p:par>
+                  <p:par>
+                    <p:cTn id="19" fill="hold">
+                      <p:stCondLst>
+                        <p:cond delay="indefinite"/>
+                      </p:stCondLst>
+                      <p:childTnLst>
+                        <p:par>
+                          <p:cTn id="20" fill="hold">
+                            <p:stCondLst>
+                              <p:cond delay="0"/>
+                            </p:stCondLst>
+                            <p:childTnLst>
+                              <p:par>
+                                <p:cTn id="21" presetID="1" presetClass="entr" presetSubtype="0" fill="hold" grpId="0" nodeType="clickEffect">
+                                  <p:stCondLst>
+                                    <p:cond delay="0"/>
+                                  </p:stCondLst>
+                                  <p:childTnLst>
+                                    <p:set>
+                                      <p:cBhvr>
+                                        <p:cTn id="22" dur="1" fill="hold">
+                                          <p:stCondLst>
+                                            <p:cond delay="0"/>
+                                          </p:stCondLst>
+                                        </p:cTn>
+                                        <p:tgtEl>
+                                          <p:spTgt spid="3">
+                                            <p:txEl>
+                                              <p:pRg st="4" end="4"/>
+                                            </p:txEl>
+                                          </p:spTgt>
+                                        </p:tgtEl>
+                                        <p:attrNameLst>
+                                          <p:attrName>style.visibility</p:attrName>
+                                        </p:attrNameLst>
+                                      </p:cBhvr>
+                                      <p:to>
+                                        <p:strVal val="visible"/>
+                                      </p:to>
+                                    </p:set>
+                                  </p:childTnLst>
+                                </p:cTn>
+                              </p:par>
+                            </p:childTnLst>
+                          </p:cTn>
+                        </p:par>
+                      </p:childTnLst>
+                    </p:cTn>
+                  </p:par>
+                  <p:par>
+                    <p:cTn id="23" fill="hold">
+                      <p:stCondLst>
+                        <p:cond delay="indefinite"/>
+                      </p:stCondLst>
+                      <p:childTnLst>
+                        <p:par>
+                          <p:cTn id="24" fill="hold">
+                            <p:stCondLst>
+                              <p:cond delay="0"/>
+                            </p:stCondLst>
+                            <p:childTnLst>
+                              <p:par>
+                                <p:cTn id="25" presetID="1" presetClass="entr" presetSubtype="0" fill="hold" grpId="0" nodeType="clickEffect">
+                                  <p:stCondLst>
+                                    <p:cond delay="0"/>
+                                  </p:stCondLst>
+                                  <p:childTnLst>
+                                    <p:set>
+                                      <p:cBhvr>
+                                        <p:cTn id="26" dur="1" fill="hold">
+                                          <p:stCondLst>
+                                            <p:cond delay="0"/>
+                                          </p:stCondLst>
+                                        </p:cTn>
+                                        <p:tgtEl>
+                                          <p:spTgt spid="3">
+                                            <p:txEl>
+                                              <p:pRg st="5" end="5"/>
+                                            </p:txEl>
+                                          </p:spTgt>
+                                        </p:tgtEl>
+                                        <p:attrNameLst>
+                                          <p:attrName>style.visibility</p:attrName>
+                                        </p:attrNameLst>
+                                      </p:cBhvr>
+                                      <p:to>
+                                        <p:strVal val="visible"/>
+                                      </p:to>
+                                    </p:set>
+                                  </p:childTnLst>
+                                </p:cTn>
+                              </p:par>
+                            </p:childTnLst>
+                          </p:cTn>
+                        </p:par>
+                      </p:childTnLst>
+                    </p:cTn>
+                  </p:par>
+                  <p:par>
+                    <p:cTn id="27" fill="hold">
+                      <p:stCondLst>
+                        <p:cond delay="indefinite"/>
+                      </p:stCondLst>
+                      <p:childTnLst>
+                        <p:par>
+                          <p:cTn id="28" fill="hold">
+                            <p:stCondLst>
+                              <p:cond delay="0"/>
+                            </p:stCondLst>
+                            <p:childTnLst>
+                              <p:par>
+                                <p:cTn id="29" presetID="1" presetClass="entr" presetSubtype="0" fill="hold" grpId="0" nodeType="clickEffect">
+                                  <p:stCondLst>
+                                    <p:cond delay="0"/>
+                                  </p:stCondLst>
+                                  <p:childTnLst>
+                                    <p:set>
+                                      <p:cBhvr>
+                                        <p:cTn id="30" dur="1" fill="hold">
+                                          <p:stCondLst>
+                                            <p:cond delay="0"/>
+                                          </p:stCondLst>
+                                        </p:cTn>
+                                        <p:tgtEl>
+                                          <p:spTgt spid="3">
+                                            <p:txEl>
+                                              <p:pRg st="6" end="6"/>
+                                            </p:txEl>
+                                          </p:spTgt>
+                                        </p:tgtEl>
+                                        <p:attrNameLst>
+                                          <p:attrName>style.visibility</p:attrName>
+                                        </p:attrNameLst>
+                                      </p:cBhvr>
+                                      <p:to>
+                                        <p:strVal val="visible"/>
+                                      </p:to>
+                                    </p:set>
+                                  </p:childTnLst>
+                                </p:cTn>
+                              </p:par>
+                            </p:childTnLst>
+                          </p:cTn>
+                        </p:par>
+                      </p:childTnLst>
+                    </p:cTn>
+                  </p:par>
+                </p:childTnLst>
+              </p:cTn>
+              <p:prevCondLst>
+                <p:cond evt="onPrev" delay="0">
+                  <p:tgtEl>
+                    <p:sldTgt/>
+                  </p:tgtEl>
+                </p:cond>
+              </p:prevCondLst>
+              <p:nextCondLst>
+                <p:cond evt="onNext" delay="0">
+                  <p:tgtEl>
+                    <p:sldTgt/>
+                  </p:tgtEl>
+                </p:cond>
+              </p:nextCondLst>
+            </p:seq>
+          </p:childTnLst>
+        </p:cTn>
+      </p:par>
+    </p:tnLst>
+    <p:bldLst>
+      <p:bldP spid="3" grpId="0" build="p"/>
+    </p:bldLst>
+  </p:timing>
+</p:sld>
+</file>
+
+<file path=ppt/slides/slide16.xml><?xml version="1.0" encoding="utf-8"?>
+<p:sld xmlns:a="http://schemas.openxmlformats.org/drawingml/2006/main" xmlns:r="http://schemas.openxmlformats.org/officeDocument/2006/relationships" xmlns:p="http://schemas.openxmlformats.org/presentationml/2006/main">
+  <p:cSld>
+    <p:spTree>
+      <p:nvGrpSpPr>
+        <p:cNvPr id="1" name=""/>
+        <p:cNvGrpSpPr/>
+        <p:nvPr/>
+      </p:nvGrpSpPr>
+      <p:grpSpPr>
+        <a:xfrm>
+          <a:off x="0" y="0"/>
+          <a:ext cx="0" cy="0"/>
+          <a:chOff x="0" y="0"/>
+          <a:chExt cx="0" cy="0"/>
+        </a:xfrm>
+      </p:grpSpPr>
+      <p:sp>
+        <p:nvSpPr>
+          <p:cNvPr id="2" name="Title 1"/>
+          <p:cNvSpPr>
+            <a:spLocks noGrp="1"/>
+          </p:cNvSpPr>
+          <p:nvPr>
+            <p:ph type="title"/>
+          </p:nvPr>
+        </p:nvSpPr>
+        <p:spPr/>
+        <p:txBody>
+          <a:bodyPr/>
+          <a:lstStyle/>
+          <a:p>
+            <a:r>
+              <a:rPr lang="en-US" dirty="0" smtClean="0">
+                <a:solidFill>
+                  <a:srgbClr val="0070C0"/>
+                </a:solidFill>
+              </a:rPr>
+              <a:t>VC-theorem Proof (cont.)</a:t>
+            </a:r>
+            <a:endParaRPr lang="en-US" dirty="0"/>
+          </a:p>
+        </p:txBody>
+      </p:sp>
+      <mc:AlternateContent xmlns:mc="http://schemas.openxmlformats.org/markup-compatibility/2006">
+        <mc:Choice xmlns:a14="http://schemas.microsoft.com/office/drawing/2010/main" Requires="a14">
+          <p:sp>
+            <p:nvSpPr>
+              <p:cNvPr id="3" name="Content Placeholder 2"/>
+              <p:cNvSpPr>
+                <a:spLocks noGrp="1"/>
+              </p:cNvSpPr>
+              <p:nvPr>
+                <p:ph idx="1"/>
+              </p:nvPr>
+            </p:nvSpPr>
+            <p:spPr>
+              <a:xfrm>
+                <a:off x="152400" y="1447800"/>
+                <a:ext cx="9296400" cy="5257800"/>
+              </a:xfrm>
+            </p:spPr>
+            <p:txBody>
+              <a:bodyPr/>
+              <a:lstStyle/>
+              <a:p>
+                <a:r>
+                  <a:rPr lang="en-US" dirty="0" smtClean="0"/>
+                  <a:t>Randomly pair points in </a:t>
+                </a:r>
+                <a14:m>
+                  <m:oMath xmlns:m="http://schemas.openxmlformats.org/officeDocument/2006/math">
+                    <m:sSup>
+                      <m:sSupPr>
+                        <m:ctrlPr>
+                          <a:rPr lang="en-US" b="0" i="1" smtClean="0">
+                            <a:latin typeface="Cambria Math"/>
+                          </a:rPr>
+                        </m:ctrlPr>
+                      </m:sSupPr>
+                      <m:e>
+                        <m:r>
+                          <a:rPr lang="en-US" b="0" i="1" smtClean="0">
+                            <a:latin typeface="Cambria Math"/>
+                          </a:rPr>
+                          <m:t>𝑆</m:t>
+                        </m:r>
+                      </m:e>
+                      <m:sup>
+                        <m:r>
+                          <a:rPr lang="en-US" b="0" i="1" smtClean="0">
+                            <a:latin typeface="Cambria Math"/>
+                          </a:rPr>
+                          <m:t>′′</m:t>
+                        </m:r>
+                      </m:sup>
+                    </m:sSup>
+                  </m:oMath>
+                </a14:m>
+                <a:r>
+                  <a:rPr lang="en-US" dirty="0" smtClean="0"/>
+                  <a:t> into </a:t>
+                </a:r>
+                <a14:m>
+                  <m:oMath xmlns:m="http://schemas.openxmlformats.org/officeDocument/2006/math">
+                    <m:r>
+                      <a:rPr lang="en-US" i="1" dirty="0" smtClean="0">
+                        <a:latin typeface="Cambria Math"/>
+                      </a:rPr>
+                      <m:t>(</m:t>
+                    </m:r>
+                    <m:sSub>
+                      <m:sSubPr>
+                        <m:ctrlPr>
+                          <a:rPr lang="en-US" b="0" i="1" dirty="0" smtClean="0">
+                            <a:latin typeface="Cambria Math"/>
+                          </a:rPr>
+                        </m:ctrlPr>
+                      </m:sSubPr>
+                      <m:e>
+                        <m:r>
+                          <a:rPr lang="en-US" b="0" i="1" dirty="0" smtClean="0">
+                            <a:latin typeface="Cambria Math"/>
+                          </a:rPr>
+                          <m:t>𝑎</m:t>
+                        </m:r>
+                      </m:e>
+                      <m:sub>
+                        <m:r>
+                          <a:rPr lang="en-US" b="0" i="1" dirty="0" smtClean="0">
+                            <a:latin typeface="Cambria Math"/>
+                          </a:rPr>
+                          <m:t>𝑖</m:t>
+                        </m:r>
+                      </m:sub>
+                    </m:sSub>
+                    <m:r>
+                      <a:rPr lang="en-US" b="0" i="1" dirty="0" smtClean="0">
+                        <a:latin typeface="Cambria Math"/>
+                      </a:rPr>
+                      <m:t>, </m:t>
+                    </m:r>
+                    <m:sSub>
+                      <m:sSubPr>
+                        <m:ctrlPr>
+                          <a:rPr lang="en-US" b="0" i="1" dirty="0" smtClean="0">
+                            <a:latin typeface="Cambria Math"/>
+                          </a:rPr>
+                        </m:ctrlPr>
+                      </m:sSubPr>
+                      <m:e>
+                        <m:r>
+                          <a:rPr lang="en-US" b="0" i="1" dirty="0" smtClean="0">
+                            <a:latin typeface="Cambria Math"/>
+                          </a:rPr>
+                          <m:t>𝑏</m:t>
+                        </m:r>
+                      </m:e>
+                      <m:sub>
+                        <m:r>
+                          <a:rPr lang="en-US" b="0" i="1" dirty="0" smtClean="0">
+                            <a:latin typeface="Cambria Math"/>
+                          </a:rPr>
+                          <m:t>𝑖</m:t>
+                        </m:r>
+                      </m:sub>
+                    </m:sSub>
+                    <m:r>
+                      <a:rPr lang="en-US" i="1" dirty="0" smtClean="0">
+                        <a:latin typeface="Cambria Math"/>
+                      </a:rPr>
+                      <m:t>)</m:t>
+                    </m:r>
+                  </m:oMath>
+                </a14:m>
+                <a:r>
+                  <a:rPr lang="en-US" dirty="0" smtClean="0"/>
+                  <a:t> pairs</a:t>
+                </a:r>
+              </a:p>
+              <a:p>
+                <a:r>
+                  <a:rPr lang="en-US" dirty="0" smtClean="0"/>
+                  <a:t>With prob. </a:t>
+                </a:r>
+                <a14:m>
+                  <m:oMath xmlns:m="http://schemas.openxmlformats.org/officeDocument/2006/math">
+                    <m:r>
+                      <a:rPr lang="en-US" b="0" i="1" smtClean="0">
+                        <a:latin typeface="Cambria Math"/>
+                      </a:rPr>
+                      <m:t>½</m:t>
+                    </m:r>
+                  </m:oMath>
+                </a14:m>
+                <a:r>
+                  <a:rPr lang="en-US" dirty="0" smtClean="0"/>
+                  <a:t>:  </a:t>
+                </a:r>
+                <a14:m>
+                  <m:oMath xmlns:m="http://schemas.openxmlformats.org/officeDocument/2006/math">
+                    <m:sSub>
+                      <m:sSubPr>
+                        <m:ctrlPr>
+                          <a:rPr lang="en-US" b="0" i="1" dirty="0" smtClean="0">
+                            <a:latin typeface="Cambria Math"/>
+                          </a:rPr>
+                        </m:ctrlPr>
+                      </m:sSubPr>
+                      <m:e>
+                        <m:r>
+                          <a:rPr lang="en-US" b="0" i="1" dirty="0" smtClean="0">
+                            <a:latin typeface="Cambria Math"/>
+                          </a:rPr>
+                          <m:t>𝑎</m:t>
+                        </m:r>
+                      </m:e>
+                      <m:sub>
+                        <m:r>
+                          <a:rPr lang="en-US" b="0" i="1" dirty="0" smtClean="0">
+                            <a:latin typeface="Cambria Math"/>
+                          </a:rPr>
+                          <m:t>𝑖</m:t>
+                        </m:r>
+                      </m:sub>
+                    </m:sSub>
+                    <m:r>
+                      <a:rPr lang="en-US" b="0" i="1" dirty="0" smtClean="0">
+                        <a:latin typeface="Cambria Math"/>
+                      </a:rPr>
+                      <m:t>→</m:t>
+                    </m:r>
+                    <m:r>
+                      <a:rPr lang="en-US" b="0" i="1" dirty="0" smtClean="0">
+                        <a:latin typeface="Cambria Math"/>
+                      </a:rPr>
+                      <m:t>𝑆</m:t>
+                    </m:r>
+                    <m:r>
+                      <a:rPr lang="en-US" b="0" i="1" dirty="0" smtClean="0">
+                        <a:latin typeface="Cambria Math"/>
+                      </a:rPr>
+                      <m:t>, </m:t>
+                    </m:r>
+                    <m:sSub>
+                      <m:sSubPr>
+                        <m:ctrlPr>
+                          <a:rPr lang="en-US" b="0" i="1" dirty="0" smtClean="0">
+                            <a:latin typeface="Cambria Math"/>
+                          </a:rPr>
+                        </m:ctrlPr>
+                      </m:sSubPr>
+                      <m:e>
+                        <m:r>
+                          <a:rPr lang="en-US" b="0" i="1" dirty="0" smtClean="0">
+                            <a:latin typeface="Cambria Math"/>
+                          </a:rPr>
+                          <m:t>𝑏</m:t>
+                        </m:r>
+                      </m:e>
+                      <m:sub>
+                        <m:r>
+                          <a:rPr lang="en-US" b="0" i="1" dirty="0" smtClean="0">
+                            <a:latin typeface="Cambria Math"/>
+                          </a:rPr>
+                          <m:t>𝑖</m:t>
+                        </m:r>
+                      </m:sub>
+                    </m:sSub>
+                    <m:r>
+                      <a:rPr lang="en-US" b="0" i="1" dirty="0" smtClean="0">
+                        <a:latin typeface="Cambria Math"/>
+                      </a:rPr>
+                      <m:t>→</m:t>
+                    </m:r>
+                    <m:sSup>
+                      <m:sSupPr>
+                        <m:ctrlPr>
+                          <a:rPr lang="en-US" b="0" i="1" dirty="0" smtClean="0">
+                            <a:latin typeface="Cambria Math"/>
+                          </a:rPr>
+                        </m:ctrlPr>
+                      </m:sSupPr>
+                      <m:e>
+                        <m:r>
+                          <a:rPr lang="en-US" b="0" i="1" dirty="0" smtClean="0">
+                            <a:latin typeface="Cambria Math"/>
+                          </a:rPr>
+                          <m:t>𝑆</m:t>
+                        </m:r>
+                      </m:e>
+                      <m:sup>
+                        <m:r>
+                          <a:rPr lang="en-US" b="0" i="1" dirty="0" smtClean="0">
+                            <a:latin typeface="Cambria Math"/>
+                          </a:rPr>
+                          <m:t>′</m:t>
+                        </m:r>
+                      </m:sup>
+                    </m:sSup>
+                  </m:oMath>
+                </a14:m>
+                <a:r>
+                  <a:rPr lang="en-US" dirty="0" smtClean="0"/>
+                  <a:t> or </a:t>
+                </a:r>
+                <a14:m>
+                  <m:oMath xmlns:m="http://schemas.openxmlformats.org/officeDocument/2006/math">
+                    <m:sSub>
+                      <m:sSubPr>
+                        <m:ctrlPr>
+                          <a:rPr lang="en-US" b="0" i="1" dirty="0" smtClean="0">
+                            <a:latin typeface="Cambria Math"/>
+                          </a:rPr>
+                        </m:ctrlPr>
+                      </m:sSubPr>
+                      <m:e>
+                        <m:r>
+                          <a:rPr lang="en-US" b="0" i="1" dirty="0" smtClean="0">
+                            <a:latin typeface="Cambria Math"/>
+                          </a:rPr>
+                          <m:t>𝑎</m:t>
+                        </m:r>
+                      </m:e>
+                      <m:sub>
+                        <m:r>
+                          <a:rPr lang="en-US" b="0" i="1" dirty="0" smtClean="0">
+                            <a:latin typeface="Cambria Math"/>
+                          </a:rPr>
+                          <m:t>𝑖</m:t>
+                        </m:r>
+                      </m:sub>
+                    </m:sSub>
+                    <m:r>
+                      <a:rPr lang="en-US" b="0" i="1" dirty="0" smtClean="0">
+                        <a:latin typeface="Cambria Math"/>
+                      </a:rPr>
+                      <m:t>→</m:t>
+                    </m:r>
+                    <m:sSup>
+                      <m:sSupPr>
+                        <m:ctrlPr>
+                          <a:rPr lang="en-US" b="0" i="1" dirty="0" smtClean="0">
+                            <a:latin typeface="Cambria Math"/>
+                          </a:rPr>
+                        </m:ctrlPr>
+                      </m:sSupPr>
+                      <m:e>
+                        <m:r>
+                          <a:rPr lang="en-US" b="0" i="1" dirty="0" smtClean="0">
+                            <a:latin typeface="Cambria Math"/>
+                          </a:rPr>
+                          <m:t>𝑆</m:t>
+                        </m:r>
+                      </m:e>
+                      <m:sup>
+                        <m:r>
+                          <a:rPr lang="en-US" b="0" i="1" dirty="0" smtClean="0">
+                            <a:latin typeface="Cambria Math"/>
+                          </a:rPr>
+                          <m:t>′</m:t>
+                        </m:r>
+                      </m:sup>
+                    </m:sSup>
+                    <m:r>
+                      <a:rPr lang="en-US" b="0" i="1" dirty="0" smtClean="0">
+                        <a:latin typeface="Cambria Math"/>
+                      </a:rPr>
+                      <m:t>, </m:t>
+                    </m:r>
+                    <m:sSub>
+                      <m:sSubPr>
+                        <m:ctrlPr>
+                          <a:rPr lang="en-US" b="0" i="1" dirty="0" smtClean="0">
+                            <a:latin typeface="Cambria Math"/>
+                          </a:rPr>
+                        </m:ctrlPr>
+                      </m:sSubPr>
+                      <m:e>
+                        <m:r>
+                          <a:rPr lang="en-US" b="0" i="1" dirty="0" smtClean="0">
+                            <a:latin typeface="Cambria Math"/>
+                          </a:rPr>
+                          <m:t>𝑏</m:t>
+                        </m:r>
+                      </m:e>
+                      <m:sub>
+                        <m:r>
+                          <a:rPr lang="en-US" b="0" i="1" dirty="0" smtClean="0">
+                            <a:latin typeface="Cambria Math"/>
+                          </a:rPr>
+                          <m:t>𝑖</m:t>
+                        </m:r>
+                      </m:sub>
+                    </m:sSub>
+                    <m:r>
+                      <a:rPr lang="en-US" b="0" i="1" dirty="0" smtClean="0">
+                        <a:latin typeface="Cambria Math"/>
+                      </a:rPr>
+                      <m:t>→</m:t>
+                    </m:r>
+                    <m:r>
+                      <a:rPr lang="en-US" b="0" i="1" dirty="0" smtClean="0">
+                        <a:latin typeface="Cambria Math"/>
+                      </a:rPr>
+                      <m:t>𝑆</m:t>
+                    </m:r>
+                  </m:oMath>
+                </a14:m>
+                <a:endParaRPr lang="en-US" dirty="0" smtClean="0"/>
+              </a:p>
+              <a:p>
+                <a:r>
+                  <a:rPr lang="en-US" dirty="0" smtClean="0"/>
+                  <a:t>Diff. between </a:t>
+                </a:r>
+                <a14:m>
+                  <m:oMath xmlns:m="http://schemas.openxmlformats.org/officeDocument/2006/math">
+                    <m:r>
+                      <a:rPr lang="en-US" b="0" i="1" dirty="0" smtClean="0">
+                        <a:latin typeface="Cambria Math"/>
+                      </a:rPr>
+                      <m:t>𝑒𝑟</m:t>
+                    </m:r>
+                    <m:sSub>
+                      <m:sSubPr>
+                        <m:ctrlPr>
+                          <a:rPr lang="en-US" b="0" i="1" dirty="0" smtClean="0">
+                            <a:latin typeface="Cambria Math"/>
+                          </a:rPr>
+                        </m:ctrlPr>
+                      </m:sSubPr>
+                      <m:e>
+                        <m:r>
+                          <a:rPr lang="en-US" b="0" i="1" dirty="0" smtClean="0">
+                            <a:latin typeface="Cambria Math"/>
+                          </a:rPr>
+                          <m:t>𝑟</m:t>
+                        </m:r>
+                      </m:e>
+                      <m:sub>
+                        <m:r>
+                          <a:rPr lang="en-US" b="0" i="1" dirty="0" smtClean="0">
+                            <a:latin typeface="Cambria Math"/>
+                          </a:rPr>
+                          <m:t>𝑆</m:t>
+                        </m:r>
+                      </m:sub>
+                    </m:sSub>
+                    <m:d>
+                      <m:dPr>
+                        <m:ctrlPr>
+                          <a:rPr lang="en-US" b="0" i="1" dirty="0" smtClean="0">
+                            <a:latin typeface="Cambria Math"/>
+                          </a:rPr>
+                        </m:ctrlPr>
+                      </m:dPr>
+                      <m:e>
+                        <m:r>
+                          <a:rPr lang="en-US" b="1" i="1" dirty="0" smtClean="0">
+                            <a:latin typeface="Cambria Math"/>
+                          </a:rPr>
+                          <m:t>𝒉</m:t>
+                        </m:r>
+                      </m:e>
+                    </m:d>
+                  </m:oMath>
+                </a14:m>
+                <a:r>
+                  <a:rPr lang="en-US" dirty="0" smtClean="0"/>
+                  <a:t> and </a:t>
+                </a:r>
+                <a14:m>
+                  <m:oMath xmlns:m="http://schemas.openxmlformats.org/officeDocument/2006/math">
+                    <m:r>
+                      <a:rPr lang="en-US" b="0" i="1" dirty="0" smtClean="0">
+                        <a:latin typeface="Cambria Math"/>
+                      </a:rPr>
+                      <m:t>𝑒𝑟</m:t>
+                    </m:r>
+                    <m:sSub>
+                      <m:sSubPr>
+                        <m:ctrlPr>
+                          <a:rPr lang="en-US" b="0" i="1" dirty="0" smtClean="0">
+                            <a:latin typeface="Cambria Math"/>
+                          </a:rPr>
+                        </m:ctrlPr>
+                      </m:sSubPr>
+                      <m:e>
+                        <m:r>
+                          <a:rPr lang="en-US" b="0" i="1" dirty="0" smtClean="0">
+                            <a:latin typeface="Cambria Math"/>
+                          </a:rPr>
+                          <m:t>𝑟</m:t>
+                        </m:r>
+                      </m:e>
+                      <m:sub>
+                        <m:sSup>
+                          <m:sSupPr>
+                            <m:ctrlPr>
+                              <a:rPr lang="en-US" b="0" i="1" dirty="0" smtClean="0">
+                                <a:latin typeface="Cambria Math"/>
+                              </a:rPr>
+                            </m:ctrlPr>
+                          </m:sSupPr>
+                          <m:e>
+                            <m:r>
+                              <a:rPr lang="en-US" b="0" i="1" dirty="0" smtClean="0">
+                                <a:latin typeface="Cambria Math"/>
+                              </a:rPr>
+                              <m:t>𝑆</m:t>
+                            </m:r>
+                          </m:e>
+                          <m:sup>
+                            <m:r>
+                              <a:rPr lang="en-US" b="0" i="1" dirty="0" smtClean="0">
+                                <a:latin typeface="Cambria Math"/>
+                              </a:rPr>
+                              <m:t>′</m:t>
+                            </m:r>
+                          </m:sup>
+                        </m:sSup>
+                      </m:sub>
+                    </m:sSub>
+                    <m:d>
+                      <m:dPr>
+                        <m:ctrlPr>
+                          <a:rPr lang="en-US" b="0" i="1" dirty="0" smtClean="0">
+                            <a:latin typeface="Cambria Math"/>
+                          </a:rPr>
+                        </m:ctrlPr>
+                      </m:dPr>
+                      <m:e>
+                        <m:r>
+                          <a:rPr lang="en-US" b="1" i="1" dirty="0" smtClean="0">
+                            <a:latin typeface="Cambria Math"/>
+                          </a:rPr>
+                          <m:t>𝒉</m:t>
+                        </m:r>
+                      </m:e>
+                    </m:d>
+                  </m:oMath>
+                </a14:m>
+                <a:r>
+                  <a:rPr lang="en-US" dirty="0" smtClean="0"/>
+                  <a:t> for </a:t>
+                </a:r>
+                <a14:m>
+                  <m:oMath xmlns:m="http://schemas.openxmlformats.org/officeDocument/2006/math">
+                    <m:r>
+                      <a:rPr lang="en-US" b="0" i="1" smtClean="0">
+                        <a:latin typeface="Cambria Math"/>
+                      </a:rPr>
+                      <m:t>𝑖</m:t>
+                    </m:r>
+                    <m:r>
+                      <a:rPr lang="en-US" b="0" i="1" smtClean="0">
+                        <a:latin typeface="Cambria Math"/>
+                      </a:rPr>
+                      <m:t>=1,…,</m:t>
+                    </m:r>
+                    <m:r>
+                      <a:rPr lang="en-US" b="0" i="1" smtClean="0">
+                        <a:latin typeface="Cambria Math"/>
+                      </a:rPr>
+                      <m:t>𝑛</m:t>
+                    </m:r>
+                  </m:oMath>
+                </a14:m>
+                <a:endParaRPr lang="en-US" dirty="0" smtClean="0"/>
+              </a:p>
+              <a:p>
+                <a:r>
+                  <a:rPr lang="en-US" dirty="0" smtClean="0"/>
+                  <a:t>Only changes if mistake on only one of </a:t>
+                </a:r>
+                <a14:m>
+                  <m:oMath xmlns:m="http://schemas.openxmlformats.org/officeDocument/2006/math">
+                    <m:r>
+                      <a:rPr lang="en-US" i="1" dirty="0" smtClean="0">
+                        <a:latin typeface="Cambria Math"/>
+                      </a:rPr>
+                      <m:t>(</m:t>
+                    </m:r>
+                    <m:sSub>
+                      <m:sSubPr>
+                        <m:ctrlPr>
+                          <a:rPr lang="en-US" b="0" i="1" dirty="0" smtClean="0">
+                            <a:latin typeface="Cambria Math"/>
+                          </a:rPr>
+                        </m:ctrlPr>
+                      </m:sSubPr>
+                      <m:e>
+                        <m:r>
+                          <a:rPr lang="en-US" b="0" i="1" dirty="0" smtClean="0">
+                            <a:latin typeface="Cambria Math"/>
+                          </a:rPr>
+                          <m:t>𝑎</m:t>
+                        </m:r>
+                      </m:e>
+                      <m:sub>
+                        <m:r>
+                          <a:rPr lang="en-US" b="0" i="1" dirty="0" smtClean="0">
+                            <a:latin typeface="Cambria Math"/>
+                          </a:rPr>
+                          <m:t>𝑖</m:t>
+                        </m:r>
+                      </m:sub>
+                    </m:sSub>
+                    <m:r>
+                      <a:rPr lang="en-US" b="0" i="1" dirty="0" smtClean="0">
+                        <a:latin typeface="Cambria Math"/>
+                      </a:rPr>
+                      <m:t>, </m:t>
+                    </m:r>
+                    <m:sSub>
+                      <m:sSubPr>
+                        <m:ctrlPr>
+                          <a:rPr lang="en-US" b="0" i="1" dirty="0" smtClean="0">
+                            <a:latin typeface="Cambria Math"/>
+                          </a:rPr>
+                        </m:ctrlPr>
+                      </m:sSubPr>
+                      <m:e>
+                        <m:r>
+                          <a:rPr lang="en-US" b="0" i="1" dirty="0" smtClean="0">
+                            <a:latin typeface="Cambria Math"/>
+                          </a:rPr>
+                          <m:t>𝑏</m:t>
+                        </m:r>
+                      </m:e>
+                      <m:sub>
+                        <m:r>
+                          <a:rPr lang="en-US" b="0" i="1" dirty="0" smtClean="0">
+                            <a:latin typeface="Cambria Math"/>
+                          </a:rPr>
+                          <m:t>𝑖</m:t>
+                        </m:r>
+                      </m:sub>
+                    </m:sSub>
+                    <m:r>
+                      <a:rPr lang="en-US" i="1" dirty="0" smtClean="0">
+                        <a:latin typeface="Cambria Math"/>
+                      </a:rPr>
+                      <m:t>)</m:t>
+                    </m:r>
+                  </m:oMath>
+                </a14:m>
+                <a:endParaRPr lang="en-US" dirty="0" smtClean="0"/>
+              </a:p>
+              <a:p>
+                <a:pPr lvl="1"/>
+                <a:r>
+                  <a:rPr lang="en-US" dirty="0" smtClean="0"/>
+                  <a:t>With prob. </a:t>
+                </a:r>
+                <a14:m>
+                  <m:oMath xmlns:m="http://schemas.openxmlformats.org/officeDocument/2006/math">
+                    <m:r>
+                      <a:rPr lang="en-US" b="0" i="1" smtClean="0">
+                        <a:latin typeface="Cambria Math"/>
+                      </a:rPr>
+                      <m:t>½</m:t>
+                    </m:r>
+                  </m:oMath>
+                </a14:m>
+                <a:r>
+                  <a:rPr lang="en-US" dirty="0" smtClean="0"/>
+                  <a:t> difference changes by </a:t>
+                </a:r>
+                <a14:m>
+                  <m:oMath xmlns:m="http://schemas.openxmlformats.org/officeDocument/2006/math">
+                    <m:r>
+                      <a:rPr lang="en-US" b="0" i="1" smtClean="0">
+                        <a:latin typeface="Cambria Math"/>
+                      </a:rPr>
+                      <m:t>±1</m:t>
+                    </m:r>
+                  </m:oMath>
+                </a14:m>
+                <a:endParaRPr lang="en-US" dirty="0" smtClean="0"/>
+              </a:p>
+              <a:p>
+                <a:pPr lvl="1"/>
+                <a:r>
+                  <a:rPr lang="en-US" dirty="0" smtClean="0"/>
+                  <a:t>By </a:t>
+                </a:r>
+                <a:r>
+                  <a:rPr lang="en-US" dirty="0" err="1" smtClean="0"/>
+                  <a:t>Chernoff</a:t>
+                </a:r>
+                <a:r>
+                  <a:rPr lang="en-US" dirty="0" smtClean="0"/>
+                  <a:t>: </a:t>
+                </a:r>
+              </a:p>
+              <a:p>
+                <a:pPr marL="457200" lvl="1" indent="0">
+                  <a:buNone/>
+                </a:pPr>
+                <a14:m>
+                  <m:oMathPara xmlns:m="http://schemas.openxmlformats.org/officeDocument/2006/math">
+                    <m:oMathParaPr>
+                      <m:jc m:val="centerGroup"/>
+                    </m:oMathParaPr>
+                    <m:oMath xmlns:m="http://schemas.openxmlformats.org/officeDocument/2006/math">
+                      <m:r>
+                        <m:rPr>
+                          <m:sty m:val="p"/>
+                        </m:rPr>
+                        <a:rPr lang="en-US" i="1" dirty="0" smtClean="0">
+                          <a:latin typeface="Cambria Math"/>
+                        </a:rPr>
+                        <m:t>Pr</m:t>
+                      </m:r>
+                      <m:d>
+                        <m:dPr>
+                          <m:begChr m:val="["/>
+                          <m:endChr m:val="]"/>
+                          <m:ctrlPr>
+                            <a:rPr lang="en-US" b="0" i="1" dirty="0" smtClean="0">
+                              <a:latin typeface="Cambria Math"/>
+                            </a:rPr>
+                          </m:ctrlPr>
+                        </m:dPr>
+                        <m:e>
+                          <m:d>
+                            <m:dPr>
+                              <m:begChr m:val="|"/>
+                              <m:endChr m:val="|"/>
+                              <m:ctrlPr>
+                                <a:rPr lang="en-US" b="0" i="1" dirty="0" smtClean="0">
+                                  <a:latin typeface="Cambria Math"/>
+                                </a:rPr>
+                              </m:ctrlPr>
+                            </m:dPr>
+                            <m:e>
+                              <m:r>
+                                <a:rPr lang="en-US" b="0" i="1" dirty="0" smtClean="0">
+                                  <a:latin typeface="Cambria Math"/>
+                                </a:rPr>
+                                <m:t>𝑒𝑟</m:t>
+                              </m:r>
+                              <m:sSub>
+                                <m:sSubPr>
+                                  <m:ctrlPr>
+                                    <a:rPr lang="en-US" b="0" i="1" dirty="0" smtClean="0">
+                                      <a:latin typeface="Cambria Math"/>
+                                    </a:rPr>
+                                  </m:ctrlPr>
+                                </m:sSubPr>
+                                <m:e>
+                                  <m:r>
+                                    <a:rPr lang="en-US" b="0" i="1" dirty="0" smtClean="0">
+                                      <a:latin typeface="Cambria Math"/>
+                                    </a:rPr>
+                                    <m:t>𝑟</m:t>
+                                  </m:r>
+                                </m:e>
+                                <m:sub>
+                                  <m:r>
+                                    <a:rPr lang="en-US" b="0" i="1" dirty="0" smtClean="0">
+                                      <a:latin typeface="Cambria Math"/>
+                                    </a:rPr>
+                                    <m:t>𝑆</m:t>
+                                  </m:r>
+                                </m:sub>
+                              </m:sSub>
+                              <m:d>
+                                <m:dPr>
+                                  <m:ctrlPr>
+                                    <a:rPr lang="en-US" b="0" i="1" dirty="0" smtClean="0">
+                                      <a:latin typeface="Cambria Math"/>
+                                    </a:rPr>
+                                  </m:ctrlPr>
+                                </m:dPr>
+                                <m:e>
+                                  <m:r>
+                                    <a:rPr lang="en-US" b="1" i="1" dirty="0" smtClean="0">
+                                      <a:latin typeface="Cambria Math"/>
+                                    </a:rPr>
+                                    <m:t>𝒉</m:t>
+                                  </m:r>
+                                </m:e>
+                              </m:d>
+                              <m:r>
+                                <m:rPr>
+                                  <m:nor/>
+                                </m:rPr>
+                                <a:rPr lang="en-US" dirty="0" smtClean="0"/>
+                                <m:t> </m:t>
+                              </m:r>
+                              <m:r>
+                                <a:rPr lang="en-US" b="0" i="1" dirty="0" smtClean="0">
+                                  <a:latin typeface="Cambria Math"/>
+                                </a:rPr>
+                                <m:t>−</m:t>
+                              </m:r>
+                              <m:r>
+                                <a:rPr lang="en-US" b="0" i="1" dirty="0" smtClean="0">
+                                  <a:latin typeface="Cambria Math"/>
+                                </a:rPr>
+                                <m:t>𝑒𝑟</m:t>
+                              </m:r>
+                              <m:sSub>
+                                <m:sSubPr>
+                                  <m:ctrlPr>
+                                    <a:rPr lang="en-US" b="0" i="1" dirty="0" smtClean="0">
+                                      <a:latin typeface="Cambria Math"/>
+                                    </a:rPr>
+                                  </m:ctrlPr>
+                                </m:sSubPr>
+                                <m:e>
+                                  <m:r>
+                                    <a:rPr lang="en-US" b="0" i="1" dirty="0" smtClean="0">
+                                      <a:latin typeface="Cambria Math"/>
+                                    </a:rPr>
+                                    <m:t>𝑟</m:t>
+                                  </m:r>
+                                </m:e>
+                                <m:sub>
+                                  <m:sSup>
+                                    <m:sSupPr>
+                                      <m:ctrlPr>
+                                        <a:rPr lang="en-US" b="0" i="1" dirty="0" smtClean="0">
+                                          <a:latin typeface="Cambria Math"/>
+                                        </a:rPr>
+                                      </m:ctrlPr>
+                                    </m:sSupPr>
+                                    <m:e>
+                                      <m:r>
+                                        <a:rPr lang="en-US" b="0" i="1" dirty="0" smtClean="0">
+                                          <a:latin typeface="Cambria Math"/>
+                                        </a:rPr>
+                                        <m:t>𝑆</m:t>
+                                      </m:r>
+                                    </m:e>
+                                    <m:sup>
+                                      <m:r>
+                                        <a:rPr lang="en-US" b="0" i="1" dirty="0" smtClean="0">
+                                          <a:latin typeface="Cambria Math"/>
+                                        </a:rPr>
+                                        <m:t>′</m:t>
+                                      </m:r>
+                                    </m:sup>
+                                  </m:sSup>
+                                </m:sub>
+                              </m:sSub>
+                              <m:d>
+                                <m:dPr>
+                                  <m:ctrlPr>
+                                    <a:rPr lang="en-US" b="0" i="1" dirty="0" smtClean="0">
+                                      <a:latin typeface="Cambria Math"/>
+                                    </a:rPr>
+                                  </m:ctrlPr>
+                                </m:dPr>
+                                <m:e>
+                                  <m:r>
+                                    <a:rPr lang="en-US" b="1" i="1" dirty="0" smtClean="0">
+                                      <a:latin typeface="Cambria Math"/>
+                                    </a:rPr>
+                                    <m:t>𝒉</m:t>
+                                  </m:r>
+                                </m:e>
+                              </m:d>
+                            </m:e>
+                          </m:d>
+                          <m:r>
+                            <a:rPr lang="en-US" b="0" i="1" dirty="0" smtClean="0">
+                              <a:latin typeface="Cambria Math"/>
+                            </a:rPr>
+                            <m:t>&gt;</m:t>
+                          </m:r>
+                          <m:f>
+                            <m:fPr>
+                              <m:ctrlPr>
+                                <a:rPr lang="en-US" b="0" i="1" dirty="0" smtClean="0">
+                                  <a:latin typeface="Cambria Math"/>
+                                </a:rPr>
+                              </m:ctrlPr>
+                            </m:fPr>
+                            <m:num>
+                              <m:r>
+                                <a:rPr lang="en-US" b="0" i="1" dirty="0" smtClean="0">
+                                  <a:latin typeface="Cambria Math"/>
+                                </a:rPr>
+                                <m:t>𝜖</m:t>
+                              </m:r>
+                              <m:r>
+                                <a:rPr lang="en-US" b="0" i="1" dirty="0" smtClean="0">
+                                  <a:latin typeface="Cambria Math"/>
+                                </a:rPr>
+                                <m:t>𝑛</m:t>
+                              </m:r>
+                            </m:num>
+                            <m:den>
+                              <m:r>
+                                <a:rPr lang="en-US" b="0" i="1" dirty="0" smtClean="0">
+                                  <a:latin typeface="Cambria Math"/>
+                                </a:rPr>
+                                <m:t>4</m:t>
+                              </m:r>
+                            </m:den>
+                          </m:f>
+                        </m:e>
+                      </m:d>
+                      <m:r>
+                        <a:rPr lang="en-US" b="0" i="1" dirty="0" smtClean="0">
+                          <a:latin typeface="Cambria Math"/>
+                        </a:rPr>
+                        <m:t>=</m:t>
+                      </m:r>
+                      <m:sSup>
+                        <m:sSupPr>
+                          <m:ctrlPr>
+                            <a:rPr lang="en-US" b="0" i="1" dirty="0" smtClean="0">
+                              <a:latin typeface="Cambria Math"/>
+                            </a:rPr>
+                          </m:ctrlPr>
+                        </m:sSupPr>
+                        <m:e>
+                          <m:r>
+                            <a:rPr lang="en-US" b="0" i="1" dirty="0" smtClean="0">
+                              <a:latin typeface="Cambria Math"/>
+                            </a:rPr>
+                            <m:t>𝑒</m:t>
+                          </m:r>
+                        </m:e>
+                        <m:sup>
+                          <m:r>
+                            <a:rPr lang="en-US" b="0" i="1" dirty="0" smtClean="0">
+                              <a:latin typeface="Cambria Math"/>
+                            </a:rPr>
+                            <m:t>−</m:t>
+                          </m:r>
+                          <m:r>
+                            <m:rPr>
+                              <m:sty m:val="p"/>
+                            </m:rPr>
+                            <a:rPr lang="en-US" b="0" i="0" dirty="0" smtClean="0">
+                              <a:latin typeface="Cambria Math"/>
+                            </a:rPr>
+                            <m:t>Ω</m:t>
+                          </m:r>
+                          <m:r>
+                            <a:rPr lang="en-US" b="0" i="1" dirty="0" smtClean="0">
+                              <a:latin typeface="Cambria Math"/>
+                            </a:rPr>
+                            <m:t>(</m:t>
+                          </m:r>
+                          <m:sSup>
+                            <m:sSupPr>
+                              <m:ctrlPr>
+                                <a:rPr lang="en-US" b="0" i="1" dirty="0" smtClean="0">
+                                  <a:latin typeface="Cambria Math"/>
+                                </a:rPr>
+                              </m:ctrlPr>
+                            </m:sSupPr>
+                            <m:e>
+                              <m:r>
+                                <a:rPr lang="en-US" b="0" i="1" dirty="0" smtClean="0">
+                                  <a:latin typeface="Cambria Math"/>
+                                </a:rPr>
+                                <m:t>𝜖</m:t>
+                              </m:r>
+                            </m:e>
+                            <m:sup>
+                              <m:r>
+                                <a:rPr lang="en-US" b="0" i="1" dirty="0" smtClean="0">
+                                  <a:latin typeface="Cambria Math"/>
+                                </a:rPr>
+                                <m:t>2</m:t>
+                              </m:r>
+                            </m:sup>
+                          </m:sSup>
+                          <m:r>
+                            <a:rPr lang="en-US" b="0" i="1" dirty="0" smtClean="0">
+                              <a:latin typeface="Cambria Math"/>
+                            </a:rPr>
+                            <m:t>𝑛</m:t>
+                          </m:r>
+                          <m:r>
+                            <a:rPr lang="en-US" b="0" i="1" dirty="0" smtClean="0">
+                              <a:latin typeface="Cambria Math"/>
+                            </a:rPr>
+                            <m:t>)</m:t>
+                          </m:r>
+                        </m:sup>
+                      </m:sSup>
+                    </m:oMath>
+                  </m:oMathPara>
+                </a14:m>
+                <a:endParaRPr lang="en-US" dirty="0" smtClean="0"/>
+              </a:p>
+              <a:p>
+                <a14:m>
+                  <m:oMath xmlns:m="http://schemas.openxmlformats.org/officeDocument/2006/math">
+                    <m:sSup>
+                      <m:sSupPr>
+                        <m:ctrlPr>
+                          <a:rPr lang="en-US" b="0" i="1" dirty="0" smtClean="0">
+                            <a:latin typeface="Cambria Math"/>
+                          </a:rPr>
+                        </m:ctrlPr>
+                      </m:sSupPr>
+                      <m:e>
+                        <m:r>
+                          <a:rPr lang="en-US" b="0" i="1" dirty="0" smtClean="0">
+                            <a:latin typeface="Cambria Math"/>
+                          </a:rPr>
+                          <m:t>𝑒</m:t>
+                        </m:r>
+                      </m:e>
+                      <m:sup>
+                        <m:r>
+                          <a:rPr lang="en-US" b="0" i="1" dirty="0" smtClean="0">
+                            <a:latin typeface="Cambria Math"/>
+                          </a:rPr>
+                          <m:t>−</m:t>
+                        </m:r>
+                        <m:r>
+                          <m:rPr>
+                            <m:sty m:val="p"/>
+                          </m:rPr>
+                          <a:rPr lang="en-US" b="0" i="0" dirty="0" smtClean="0">
+                            <a:latin typeface="Cambria Math"/>
+                          </a:rPr>
+                          <m:t>Ω</m:t>
+                        </m:r>
+                        <m:r>
+                          <a:rPr lang="en-US" b="0" i="1" dirty="0" smtClean="0">
+                            <a:latin typeface="Cambria Math"/>
+                          </a:rPr>
+                          <m:t>(</m:t>
+                        </m:r>
+                        <m:sSup>
+                          <m:sSupPr>
+                            <m:ctrlPr>
+                              <a:rPr lang="en-US" b="0" i="1" dirty="0" smtClean="0">
+                                <a:latin typeface="Cambria Math"/>
+                              </a:rPr>
+                            </m:ctrlPr>
+                          </m:sSupPr>
+                          <m:e>
+                            <m:r>
+                              <a:rPr lang="en-US" b="0" i="1" dirty="0" smtClean="0">
+                                <a:latin typeface="Cambria Math"/>
+                              </a:rPr>
+                              <m:t>𝜖</m:t>
+                            </m:r>
+                          </m:e>
+                          <m:sup>
+                            <m:r>
+                              <a:rPr lang="en-US" b="0" i="1" dirty="0" smtClean="0">
+                                <a:latin typeface="Cambria Math"/>
+                              </a:rPr>
+                              <m:t>2</m:t>
+                            </m:r>
+                          </m:sup>
+                        </m:sSup>
+                        <m:r>
+                          <a:rPr lang="en-US" b="0" i="1" dirty="0" smtClean="0">
+                            <a:latin typeface="Cambria Math"/>
+                          </a:rPr>
+                          <m:t>𝑛</m:t>
+                        </m:r>
+                        <m:r>
+                          <a:rPr lang="en-US" b="0" i="1" dirty="0" smtClean="0">
+                            <a:latin typeface="Cambria Math"/>
+                          </a:rPr>
+                          <m:t>)</m:t>
+                        </m:r>
+                      </m:sup>
+                    </m:sSup>
+                    <m:r>
+                      <a:rPr lang="en-US" b="0" i="1" dirty="0" smtClean="0">
+                        <a:latin typeface="Cambria Math"/>
+                      </a:rPr>
+                      <m:t>≤ </m:t>
+                    </m:r>
+                    <m:f>
+                      <m:fPr>
+                        <m:ctrlPr>
+                          <a:rPr lang="en-US" b="0" i="1" smtClean="0">
+                            <a:solidFill>
+                              <a:srgbClr val="FF0000"/>
+                            </a:solidFill>
+                            <a:latin typeface="Cambria Math"/>
+                          </a:rPr>
+                        </m:ctrlPr>
+                      </m:fPr>
+                      <m:num>
+                        <m:r>
+                          <a:rPr lang="en-US" b="0" i="1" smtClean="0">
+                            <a:solidFill>
+                              <a:srgbClr val="FF0000"/>
+                            </a:solidFill>
+                            <a:latin typeface="Cambria Math"/>
+                          </a:rPr>
+                          <m:t>𝛿</m:t>
+                        </m:r>
+                      </m:num>
+                      <m:den>
+                        <m:r>
+                          <a:rPr lang="en-US" b="0" i="1" smtClean="0">
+                            <a:latin typeface="Cambria Math"/>
+                          </a:rPr>
+                          <m:t>2</m:t>
+                        </m:r>
+                        <m:r>
+                          <a:rPr lang="en-US" b="0" i="1" smtClean="0">
+                            <a:latin typeface="Cambria Math"/>
+                          </a:rPr>
+                          <m:t>𝐻</m:t>
+                        </m:r>
+                        <m:d>
+                          <m:dPr>
+                            <m:ctrlPr>
+                              <a:rPr lang="en-US" b="0" i="1" smtClean="0">
+                                <a:latin typeface="Cambria Math"/>
+                              </a:rPr>
+                            </m:ctrlPr>
+                          </m:dPr>
+                          <m:e>
+                            <m:r>
+                              <a:rPr lang="en-US" b="0" i="1" smtClean="0">
+                                <a:latin typeface="Cambria Math"/>
+                              </a:rPr>
+                              <m:t>2</m:t>
+                            </m:r>
+                            <m:r>
+                              <a:rPr lang="en-US" b="0" i="1" smtClean="0">
+                                <a:latin typeface="Cambria Math"/>
+                              </a:rPr>
+                              <m:t>𝑛</m:t>
+                            </m:r>
+                          </m:e>
+                        </m:d>
+                      </m:den>
+                    </m:f>
+                  </m:oMath>
+                </a14:m>
+                <a:r>
+                  <a:rPr lang="en-US" dirty="0" smtClean="0"/>
+                  <a:t> for </a:t>
+                </a:r>
+                <a14:m>
+                  <m:oMath xmlns:m="http://schemas.openxmlformats.org/officeDocument/2006/math">
+                    <m:r>
+                      <a:rPr lang="en-US" b="0" i="1" smtClean="0">
+                        <a:latin typeface="Cambria Math"/>
+                      </a:rPr>
+                      <m:t>𝑛</m:t>
+                    </m:r>
+                  </m:oMath>
+                </a14:m>
+                <a:r>
+                  <a:rPr lang="en-US" dirty="0" smtClean="0"/>
+                  <a:t> from the </a:t>
+                </a:r>
+                <a:r>
+                  <a:rPr lang="en-US" dirty="0" err="1" smtClean="0"/>
+                  <a:t>Thm</a:t>
+                </a:r>
+                <a:r>
+                  <a:rPr lang="en-US" dirty="0" smtClean="0"/>
+                  <a:t>. statement</a:t>
+                </a:r>
+              </a:p>
+              <a:p>
+                <a:endParaRPr lang="en-US" dirty="0"/>
+              </a:p>
+            </p:txBody>
+          </p:sp>
+        </mc:Choice>
+        <mc:Fallback>
+          <p:sp>
+            <p:nvSpPr>
+              <p:cNvPr id="3" name="Content Placeholder 2"/>
+              <p:cNvSpPr>
+                <a:spLocks noGrp="1" noRot="1" noChangeAspect="1" noMove="1" noResize="1" noEditPoints="1" noAdjustHandles="1" noChangeArrowheads="1" noChangeShapeType="1" noTextEdit="1"/>
+              </p:cNvSpPr>
+              <p:nvPr>
+                <p:ph idx="1"/>
+              </p:nvPr>
+            </p:nvSpPr>
+            <p:spPr>
+              <a:xfrm>
+                <a:off x="152400" y="1447800"/>
+                <a:ext cx="9296400" cy="5257800"/>
+              </a:xfrm>
+              <a:blipFill rotWithShape="1">
+                <a:blip r:embed="rId2"/>
+                <a:stretch>
+                  <a:fillRect l="-1443" t="-1392"/>
+                </a:stretch>
+              </a:blipFill>
+            </p:spPr>
+            <p:txBody>
+              <a:bodyPr/>
+              <a:lstStyle/>
+              <a:p>
+                <a:r>
+                  <a:rPr lang="en-US">
+                    <a:noFill/>
+                  </a:rPr>
+                  <a:t> </a:t>
+                </a:r>
+              </a:p>
+            </p:txBody>
+          </p:sp>
+        </mc:Fallback>
+      </mc:AlternateContent>
+    </p:spTree>
+    <p:extLst>
+      <p:ext uri="{BB962C8B-B14F-4D97-AF65-F5344CB8AC3E}">
+        <p14:creationId xmlns:p14="http://schemas.microsoft.com/office/powerpoint/2010/main" val="2228907651"/>
+      </p:ext>
+    </p:extLst>
+  </p:cSld>
+  <p:clrMapOvr>
+    <a:masterClrMapping/>
+  </p:clrMapOvr>
+  <p:timing>
+    <p:tnLst>
+      <p:par>
+        <p:cTn id="1" dur="indefinite" restart="never" nodeType="tmRoot">
+          <p:childTnLst>
+            <p:seq concurrent="1" nextAc="seek">
+              <p:cTn id="2" dur="indefinite" nodeType="mainSeq">
+                <p:childTnLst>
+                  <p:par>
+                    <p:cTn id="3" fill="hold">
+                      <p:stCondLst>
+                        <p:cond delay="indefinite"/>
+                      </p:stCondLst>
+                      <p:childTnLst>
+                        <p:par>
+                          <p:cTn id="4" fill="hold">
+                            <p:stCondLst>
+                              <p:cond delay="0"/>
+                            </p:stCondLst>
+                            <p:childTnLst>
+                              <p:par>
+                                <p:cTn id="5" presetID="1" presetClass="entr" presetSubtype="0" fill="hold" grpId="0" nodeType="clickEffect">
+                                  <p:stCondLst>
+                                    <p:cond delay="0"/>
+                                  </p:stCondLst>
+                                  <p:childTnLst>
+                                    <p:set>
+                                      <p:cBhvr>
+                                        <p:cTn id="6" dur="1" fill="hold">
+                                          <p:stCondLst>
+                                            <p:cond delay="0"/>
+                                          </p:stCondLst>
+                                        </p:cTn>
+                                        <p:tgtEl>
+                                          <p:spTgt spid="3">
+                                            <p:txEl>
+                                              <p:pRg st="0" end="0"/>
+                                            </p:txEl>
+                                          </p:spTgt>
+                                        </p:tgtEl>
+                                        <p:attrNameLst>
+                                          <p:attrName>style.visibility</p:attrName>
+                                        </p:attrNameLst>
+                                      </p:cBhvr>
+                                      <p:to>
+                                        <p:strVal val="visible"/>
+                                      </p:to>
+                                    </p:set>
+                                  </p:childTnLst>
+                                </p:cTn>
+                              </p:par>
+                            </p:childTnLst>
+                          </p:cTn>
+                        </p:par>
+                      </p:childTnLst>
+                    </p:cTn>
+                  </p:par>
+                  <p:par>
+                    <p:cTn id="7" fill="hold">
+                      <p:stCondLst>
+                        <p:cond delay="indefinite"/>
+                      </p:stCondLst>
+                      <p:childTnLst>
+                        <p:par>
+                          <p:cTn id="8" fill="hold">
+                            <p:stCondLst>
+                              <p:cond delay="0"/>
+                            </p:stCondLst>
+                            <p:childTnLst>
+                              <p:par>
+                                <p:cTn id="9" presetID="1" presetClass="entr" presetSubtype="0" fill="hold" grpId="0" nodeType="clickEffect">
+                                  <p:stCondLst>
+                                    <p:cond delay="0"/>
+                                  </p:stCondLst>
+                                  <p:childTnLst>
+                                    <p:set>
+                                      <p:cBhvr>
+                                        <p:cTn id="10" dur="1" fill="hold">
+                                          <p:stCondLst>
+                                            <p:cond delay="0"/>
+                                          </p:stCondLst>
+                                        </p:cTn>
+                                        <p:tgtEl>
+                                          <p:spTgt spid="3">
+                                            <p:txEl>
+                                              <p:pRg st="1" end="1"/>
+                                            </p:txEl>
+                                          </p:spTgt>
+                                        </p:tgtEl>
+                                        <p:attrNameLst>
+                                          <p:attrName>style.visibility</p:attrName>
+                                        </p:attrNameLst>
+                                      </p:cBhvr>
+                                      <p:to>
+                                        <p:strVal val="visible"/>
+                                      </p:to>
+                                    </p:set>
+                                  </p:childTnLst>
+                                </p:cTn>
+                              </p:par>
+                            </p:childTnLst>
+                          </p:cTn>
+                        </p:par>
+                      </p:childTnLst>
+                    </p:cTn>
+                  </p:par>
+                  <p:par>
+                    <p:cTn id="11" fill="hold">
+                      <p:stCondLst>
+                        <p:cond delay="indefinite"/>
+                      </p:stCondLst>
+                      <p:childTnLst>
+                        <p:par>
+                          <p:cTn id="12" fill="hold">
+                            <p:stCondLst>
+                              <p:cond delay="0"/>
+                            </p:stCondLst>
+                            <p:childTnLst>
+                              <p:par>
+                                <p:cTn id="13" presetID="1" presetClass="entr" presetSubtype="0" fill="hold" grpId="0" nodeType="clickEffect">
+                                  <p:stCondLst>
+                                    <p:cond delay="0"/>
+                                  </p:stCondLst>
+                                  <p:childTnLst>
+                                    <p:set>
+                                      <p:cBhvr>
+                                        <p:cTn id="14" dur="1" fill="hold">
+                                          <p:stCondLst>
+                                            <p:cond delay="0"/>
+                                          </p:stCondLst>
+                                        </p:cTn>
+                                        <p:tgtEl>
+                                          <p:spTgt spid="3">
+                                            <p:txEl>
+                                              <p:pRg st="2" end="2"/>
+                                            </p:txEl>
+                                          </p:spTgt>
+                                        </p:tgtEl>
+                                        <p:attrNameLst>
+                                          <p:attrName>style.visibility</p:attrName>
+                                        </p:attrNameLst>
+                                      </p:cBhvr>
+                                      <p:to>
+                                        <p:strVal val="visible"/>
+                                      </p:to>
+                                    </p:set>
+                                  </p:childTnLst>
+                                </p:cTn>
+                              </p:par>
+                            </p:childTnLst>
+                          </p:cTn>
+                        </p:par>
+                      </p:childTnLst>
+                    </p:cTn>
+                  </p:par>
+                  <p:par>
+                    <p:cTn id="15" fill="hold">
+                      <p:stCondLst>
+                        <p:cond delay="indefinite"/>
+                      </p:stCondLst>
+                      <p:childTnLst>
+                        <p:par>
+                          <p:cTn id="16" fill="hold">
+                            <p:stCondLst>
+                              <p:cond delay="0"/>
+                            </p:stCondLst>
+                            <p:childTnLst>
+                              <p:par>
+                                <p:cTn id="17" presetID="1" presetClass="entr" presetSubtype="0" fill="hold" grpId="0" nodeType="clickEffect">
+                                  <p:stCondLst>
+                                    <p:cond delay="0"/>
+                                  </p:stCondLst>
+                                  <p:childTnLst>
+                                    <p:set>
+                                      <p:cBhvr>
+                                        <p:cTn id="18" dur="1" fill="hold">
+                                          <p:stCondLst>
+                                            <p:cond delay="0"/>
+                                          </p:stCondLst>
+                                        </p:cTn>
+                                        <p:tgtEl>
+                                          <p:spTgt spid="3">
+                                            <p:txEl>
+                                              <p:pRg st="3" end="3"/>
+                                            </p:txEl>
+                                          </p:spTgt>
+                                        </p:tgtEl>
+                                        <p:attrNameLst>
+                                          <p:attrName>style.visibility</p:attrName>
+                                        </p:attrNameLst>
+                                      </p:cBhvr>
+                                      <p:to>
+                                        <p:strVal val="visible"/>
+                                      </p:to>
+                                    </p:set>
+                                  </p:childTnLst>
+                                </p:cTn>
+                              </p:par>
+                              <p:par>
+                                <p:cTn id="19" presetID="1" presetClass="entr" presetSubtype="0" fill="hold" grpId="0" nodeType="withEffect">
+                                  <p:stCondLst>
+                                    <p:cond delay="0"/>
+                                  </p:stCondLst>
+                                  <p:childTnLst>
+                                    <p:set>
+                                      <p:cBhvr>
+                                        <p:cTn id="20" dur="1" fill="hold">
+                                          <p:stCondLst>
+                                            <p:cond delay="0"/>
+                                          </p:stCondLst>
+                                        </p:cTn>
+                                        <p:tgtEl>
+                                          <p:spTgt spid="3">
+                                            <p:txEl>
+                                              <p:pRg st="4" end="4"/>
+                                            </p:txEl>
+                                          </p:spTgt>
+                                        </p:tgtEl>
+                                        <p:attrNameLst>
+                                          <p:attrName>style.visibility</p:attrName>
+                                        </p:attrNameLst>
+                                      </p:cBhvr>
+                                      <p:to>
+                                        <p:strVal val="visible"/>
+                                      </p:to>
+                                    </p:set>
+                                  </p:childTnLst>
+                                </p:cTn>
+                              </p:par>
+                            </p:childTnLst>
+                          </p:cTn>
+                        </p:par>
+                      </p:childTnLst>
+                    </p:cTn>
+                  </p:par>
+                  <p:par>
+                    <p:cTn id="21" fill="hold">
+                      <p:stCondLst>
+                        <p:cond delay="indefinite"/>
+                      </p:stCondLst>
+                      <p:childTnLst>
+                        <p:par>
+                          <p:cTn id="22" fill="hold">
+                            <p:stCondLst>
+                              <p:cond delay="0"/>
+                            </p:stCondLst>
+                            <p:childTnLst>
+                              <p:par>
+                                <p:cTn id="23" presetID="1" presetClass="entr" presetSubtype="0" fill="hold" grpId="0" nodeType="clickEffect">
+                                  <p:stCondLst>
+                                    <p:cond delay="0"/>
+                                  </p:stCondLst>
+                                  <p:childTnLst>
+                                    <p:set>
+                                      <p:cBhvr>
+                                        <p:cTn id="24" dur="1" fill="hold">
+                                          <p:stCondLst>
+                                            <p:cond delay="0"/>
+                                          </p:stCondLst>
+                                        </p:cTn>
+                                        <p:tgtEl>
+                                          <p:spTgt spid="3">
+                                            <p:txEl>
+                                              <p:pRg st="5" end="5"/>
+                                            </p:txEl>
+                                          </p:spTgt>
+                                        </p:tgtEl>
+                                        <p:attrNameLst>
+                                          <p:attrName>style.visibility</p:attrName>
+                                        </p:attrNameLst>
+                                      </p:cBhvr>
+                                      <p:to>
+                                        <p:strVal val="visible"/>
+                                      </p:to>
+                                    </p:set>
+                                  </p:childTnLst>
+                                </p:cTn>
+                              </p:par>
+                              <p:par>
+                                <p:cTn id="25" presetID="1" presetClass="entr" presetSubtype="0" fill="hold" grpId="0" nodeType="withEffect">
+                                  <p:stCondLst>
+                                    <p:cond delay="0"/>
+                                  </p:stCondLst>
+                                  <p:childTnLst>
+                                    <p:set>
+                                      <p:cBhvr>
+                                        <p:cTn id="26" dur="1" fill="hold">
+                                          <p:stCondLst>
+                                            <p:cond delay="0"/>
+                                          </p:stCondLst>
+                                        </p:cTn>
+                                        <p:tgtEl>
+                                          <p:spTgt spid="3">
+                                            <p:txEl>
+                                              <p:pRg st="6" end="6"/>
+                                            </p:txEl>
+                                          </p:spTgt>
+                                        </p:tgtEl>
+                                        <p:attrNameLst>
+                                          <p:attrName>style.visibility</p:attrName>
+                                        </p:attrNameLst>
+                                      </p:cBhvr>
+                                      <p:to>
+                                        <p:strVal val="visible"/>
+                                      </p:to>
+                                    </p:set>
+                                  </p:childTnLst>
+                                </p:cTn>
+                              </p:par>
+                            </p:childTnLst>
+                          </p:cTn>
+                        </p:par>
+                      </p:childTnLst>
+                    </p:cTn>
+                  </p:par>
+                  <p:par>
+                    <p:cTn id="27" fill="hold">
+                      <p:stCondLst>
+                        <p:cond delay="indefinite"/>
+                      </p:stCondLst>
+                      <p:childTnLst>
+                        <p:par>
+                          <p:cTn id="28" fill="hold">
+                            <p:stCondLst>
+                              <p:cond delay="0"/>
+                            </p:stCondLst>
+                            <p:childTnLst>
+                              <p:par>
+                                <p:cTn id="29" presetID="1" presetClass="entr" presetSubtype="0" fill="hold" grpId="0" nodeType="clickEffect">
+                                  <p:stCondLst>
+                                    <p:cond delay="0"/>
+                                  </p:stCondLst>
+                                  <p:childTnLst>
+                                    <p:set>
+                                      <p:cBhvr>
+                                        <p:cTn id="30" dur="1" fill="hold">
+                                          <p:stCondLst>
+                                            <p:cond delay="0"/>
+                                          </p:stCondLst>
+                                        </p:cTn>
+                                        <p:tgtEl>
+                                          <p:spTgt spid="3">
+                                            <p:txEl>
+                                              <p:pRg st="7" end="7"/>
+                                            </p:txEl>
+                                          </p:spTgt>
+                                        </p:tgtEl>
+                                        <p:attrNameLst>
+                                          <p:attrName>style.visibility</p:attrName>
+                                        </p:attrNameLst>
+                                      </p:cBhvr>
+                                      <p:to>
+                                        <p:strVal val="visible"/>
+                                      </p:to>
+                                    </p:set>
+                                  </p:childTnLst>
+                                </p:cTn>
+                              </p:par>
+                            </p:childTnLst>
+                          </p:cTn>
+                        </p:par>
+                      </p:childTnLst>
+                    </p:cTn>
+                  </p:par>
+                </p:childTnLst>
+              </p:cTn>
+              <p:prevCondLst>
+                <p:cond evt="onPrev" delay="0">
+                  <p:tgtEl>
+                    <p:sldTgt/>
+                  </p:tgtEl>
+                </p:cond>
+              </p:prevCondLst>
+              <p:nextCondLst>
+                <p:cond evt="onNext" delay="0">
+                  <p:tgtEl>
+                    <p:sldTgt/>
+                  </p:tgtEl>
+                </p:cond>
+              </p:nextCondLst>
+            </p:seq>
+          </p:childTnLst>
+        </p:cTn>
+      </p:par>
+    </p:tnLst>
+    <p:bldLst>
+      <p:bldP spid="3" grpId="0" uiExpand="1" build="p"/>
     </p:bldLst>
   </p:timing>
 </p:sld>
@@ -7009,19 +13941,7 @@
                               <a:rPr lang="en-US" b="0" i="1" smtClean="0">
                                 <a:latin typeface="Cambria Math"/>
                               </a:rPr>
-                              <m:t>0</m:t>
-                            </m:r>
-                            <m:r>
-                              <a:rPr lang="en-US" b="0" i="1" smtClean="0">
-                                <a:latin typeface="Cambria Math"/>
-                              </a:rPr>
-                              <m:t>,</m:t>
-                            </m:r>
-                            <m:r>
-                              <a:rPr lang="en-US" b="0" i="1" smtClean="0">
-                                <a:latin typeface="Cambria Math"/>
-                              </a:rPr>
-                              <m:t>1</m:t>
+                              <m:t>0,1</m:t>
                             </m:r>
                           </m:e>
                         </m:d>
@@ -7102,31 +14022,7 @@
                       <a:rPr lang="en-US" b="0" i="1" smtClean="0">
                         <a:latin typeface="Cambria Math"/>
                       </a:rPr>
-                      <m:t>→{</m:t>
-                    </m:r>
-                    <m:r>
-                      <a:rPr lang="en-US" b="0" i="1" smtClean="0">
-                        <a:latin typeface="Cambria Math"/>
-                      </a:rPr>
-                      <m:t>0</m:t>
-                    </m:r>
-                    <m:r>
-                      <a:rPr lang="en-US" b="0" i="1" smtClean="0">
-                        <a:latin typeface="Cambria Math"/>
-                      </a:rPr>
-                      <m:t>,</m:t>
-                    </m:r>
-                    <m:r>
-                      <a:rPr lang="en-US" b="0" i="1" smtClean="0">
-                        <a:latin typeface="Cambria Math"/>
-                      </a:rPr>
-                      <m:t>1</m:t>
-                    </m:r>
-                    <m:r>
-                      <a:rPr lang="en-US" b="0" i="1" smtClean="0">
-                        <a:latin typeface="Cambria Math"/>
-                      </a:rPr>
-                      <m:t>}</m:t>
+                      <m:t>→{0,1}</m:t>
                     </m:r>
                   </m:oMath>
                 </a14:m>
@@ -15207,16 +22103,7 @@
                                   </a:solidFill>
                                   <a:latin typeface="Cambria Math"/>
                                 </a:rPr>
-                                <m:t>−</m:t>
-                              </m:r>
-                              <m:r>
-                                <a:rPr lang="en-US" b="0" i="1" smtClean="0">
-                                  <a:solidFill>
-                                    <a:srgbClr val="0070C0"/>
-                                  </a:solidFill>
-                                  <a:latin typeface="Cambria Math"/>
-                                </a:rPr>
-                                <m:t>1</m:t>
+                                <m:t>−1</m:t>
                               </m:r>
                             </m:num>
                             <m:den>
@@ -15245,16 +22132,7 @@
                                   </a:solidFill>
                                   <a:latin typeface="Cambria Math"/>
                                 </a:rPr>
-                                <m:t>−</m:t>
-                              </m:r>
-                              <m:r>
-                                <a:rPr lang="en-US" b="0" i="1" smtClean="0">
-                                  <a:solidFill>
-                                    <a:srgbClr val="0070C0"/>
-                                  </a:solidFill>
-                                  <a:latin typeface="Cambria Math"/>
-                                </a:rPr>
-                                <m:t>1</m:t>
+                                <m:t>−1</m:t>
                               </m:r>
                             </m:den>
                           </m:f>
@@ -16171,19 +23049,7 @@
                       <a:rPr lang="en-US" b="0" i="1" smtClean="0">
                         <a:latin typeface="Cambria Math"/>
                       </a:rPr>
-                      <m:t>+</m:t>
-                    </m:r>
-                    <m:r>
-                      <a:rPr lang="en-US" b="0" i="1" smtClean="0">
-                        <a:latin typeface="Cambria Math"/>
-                      </a:rPr>
-                      <m:t>1</m:t>
-                    </m:r>
-                    <m:r>
-                      <a:rPr lang="en-US" b="0" i="1" smtClean="0">
-                        <a:latin typeface="Cambria Math"/>
-                      </a:rPr>
-                      <m:t>⇒  </m:t>
+                      <m:t>+1⇒  </m:t>
                     </m:r>
                   </m:oMath>
                 </a14:m>
@@ -16226,19 +23092,7 @@
                       <a:rPr lang="en-US" b="0" i="1" smtClean="0">
                         <a:latin typeface="Cambria Math"/>
                       </a:rPr>
-                      <m:t> −</m:t>
-                    </m:r>
-                    <m:r>
-                      <a:rPr lang="en-US" b="0" i="1" smtClean="0">
-                        <a:latin typeface="Cambria Math"/>
-                      </a:rPr>
-                      <m:t>1</m:t>
-                    </m:r>
-                    <m:r>
-                      <a:rPr lang="en-US" b="0" i="1" smtClean="0">
-                        <a:latin typeface="Cambria Math"/>
-                      </a:rPr>
-                      <m:t>⇒ </m:t>
+                      <m:t> −1⇒ </m:t>
                     </m:r>
                   </m:oMath>
                 </a14:m>

--- a/b609/lec07.pptx
+++ b/b609/lec07.pptx
@@ -3260,11 +3260,18 @@
             </a:r>
             <a:r>
               <a:rPr lang="en-US" sz="4400" b="1" dirty="0" smtClean="0"/>
-              <a:t>11/12: Introdu</a:t>
+              <a:t>11/12: VC-Dimension </a:t>
             </a:r>
             <a:r>
-              <a:rPr lang="en-US" sz="4400" b="1" dirty="0" smtClean="0"/>
-              <a:t>ction to Machine Learning Continued</a:t>
+              <a:rPr lang="en-US" sz="4400" b="1" smtClean="0"/>
+              <a:t>and </a:t>
+            </a:r>
+          </a:p>
+          <a:p>
+            <a:pPr algn="ctr"/>
+            <a:r>
+              <a:rPr lang="en-US" sz="4400" b="1" smtClean="0"/>
+              <a:t>VC-Theorem</a:t>
             </a:r>
             <a:endParaRPr lang="en-US" sz="4400" b="1" dirty="0"/>
           </a:p>
